--- a/Revisions/Cy_01_TD_Synthese_01_Endoscope/images/figures.pptx
+++ b/Revisions/Cy_01_TD_Synthese_01_Endoscope/images/figures.pptx
@@ -7,9 +7,10 @@
   <p:sldIdLst>
     <p:sldId id="256" r:id="rId2"/>
     <p:sldId id="257" r:id="rId3"/>
-    <p:sldId id="258" r:id="rId4"/>
-    <p:sldId id="259" r:id="rId5"/>
-    <p:sldId id="260" r:id="rId6"/>
+    <p:sldId id="261" r:id="rId4"/>
+    <p:sldId id="258" r:id="rId5"/>
+    <p:sldId id="259" r:id="rId6"/>
+    <p:sldId id="260" r:id="rId7"/>
   </p:sldIdLst>
   <p:sldSz cx="12192000" cy="6858000"/>
   <p:notesSz cx="6858000" cy="9144000"/>
@@ -263,7 +264,7 @@
           <a:p>
             <a:fld id="{2B50727D-5CE9-49AD-8277-E0ADF2744CEB}" type="datetimeFigureOut">
               <a:rPr lang="fr-FR" smtClean="0"/>
-              <a:t>08/07/2019</a:t>
+              <a:t>13/07/2019</a:t>
             </a:fld>
             <a:endParaRPr lang="fr-FR"/>
           </a:p>
@@ -461,7 +462,7 @@
           <a:p>
             <a:fld id="{2B50727D-5CE9-49AD-8277-E0ADF2744CEB}" type="datetimeFigureOut">
               <a:rPr lang="fr-FR" smtClean="0"/>
-              <a:t>08/07/2019</a:t>
+              <a:t>13/07/2019</a:t>
             </a:fld>
             <a:endParaRPr lang="fr-FR"/>
           </a:p>
@@ -669,7 +670,7 @@
           <a:p>
             <a:fld id="{2B50727D-5CE9-49AD-8277-E0ADF2744CEB}" type="datetimeFigureOut">
               <a:rPr lang="fr-FR" smtClean="0"/>
-              <a:t>08/07/2019</a:t>
+              <a:t>13/07/2019</a:t>
             </a:fld>
             <a:endParaRPr lang="fr-FR"/>
           </a:p>
@@ -867,7 +868,7 @@
           <a:p>
             <a:fld id="{2B50727D-5CE9-49AD-8277-E0ADF2744CEB}" type="datetimeFigureOut">
               <a:rPr lang="fr-FR" smtClean="0"/>
-              <a:t>08/07/2019</a:t>
+              <a:t>13/07/2019</a:t>
             </a:fld>
             <a:endParaRPr lang="fr-FR"/>
           </a:p>
@@ -1142,7 +1143,7 @@
           <a:p>
             <a:fld id="{2B50727D-5CE9-49AD-8277-E0ADF2744CEB}" type="datetimeFigureOut">
               <a:rPr lang="fr-FR" smtClean="0"/>
-              <a:t>08/07/2019</a:t>
+              <a:t>13/07/2019</a:t>
             </a:fld>
             <a:endParaRPr lang="fr-FR"/>
           </a:p>
@@ -1407,7 +1408,7 @@
           <a:p>
             <a:fld id="{2B50727D-5CE9-49AD-8277-E0ADF2744CEB}" type="datetimeFigureOut">
               <a:rPr lang="fr-FR" smtClean="0"/>
-              <a:t>08/07/2019</a:t>
+              <a:t>13/07/2019</a:t>
             </a:fld>
             <a:endParaRPr lang="fr-FR"/>
           </a:p>
@@ -1819,7 +1820,7 @@
           <a:p>
             <a:fld id="{2B50727D-5CE9-49AD-8277-E0ADF2744CEB}" type="datetimeFigureOut">
               <a:rPr lang="fr-FR" smtClean="0"/>
-              <a:t>08/07/2019</a:t>
+              <a:t>13/07/2019</a:t>
             </a:fld>
             <a:endParaRPr lang="fr-FR"/>
           </a:p>
@@ -1960,7 +1961,7 @@
           <a:p>
             <a:fld id="{2B50727D-5CE9-49AD-8277-E0ADF2744CEB}" type="datetimeFigureOut">
               <a:rPr lang="fr-FR" smtClean="0"/>
-              <a:t>08/07/2019</a:t>
+              <a:t>13/07/2019</a:t>
             </a:fld>
             <a:endParaRPr lang="fr-FR"/>
           </a:p>
@@ -2073,7 +2074,7 @@
           <a:p>
             <a:fld id="{2B50727D-5CE9-49AD-8277-E0ADF2744CEB}" type="datetimeFigureOut">
               <a:rPr lang="fr-FR" smtClean="0"/>
-              <a:t>08/07/2019</a:t>
+              <a:t>13/07/2019</a:t>
             </a:fld>
             <a:endParaRPr lang="fr-FR"/>
           </a:p>
@@ -2384,7 +2385,7 @@
           <a:p>
             <a:fld id="{2B50727D-5CE9-49AD-8277-E0ADF2744CEB}" type="datetimeFigureOut">
               <a:rPr lang="fr-FR" smtClean="0"/>
-              <a:t>08/07/2019</a:t>
+              <a:t>13/07/2019</a:t>
             </a:fld>
             <a:endParaRPr lang="fr-FR"/>
           </a:p>
@@ -2672,7 +2673,7 @@
           <a:p>
             <a:fld id="{2B50727D-5CE9-49AD-8277-E0ADF2744CEB}" type="datetimeFigureOut">
               <a:rPr lang="fr-FR" smtClean="0"/>
-              <a:t>08/07/2019</a:t>
+              <a:t>13/07/2019</a:t>
             </a:fld>
             <a:endParaRPr lang="fr-FR"/>
           </a:p>
@@ -2913,7 +2914,7 @@
           <a:p>
             <a:fld id="{2B50727D-5CE9-49AD-8277-E0ADF2744CEB}" type="datetimeFigureOut">
               <a:rPr lang="fr-FR" smtClean="0"/>
-              <a:t>08/07/2019</a:t>
+              <a:t>13/07/2019</a:t>
             </a:fld>
             <a:endParaRPr lang="fr-FR"/>
           </a:p>
@@ -4949,7 +4950,7 @@
           <a:graphicData uri="http://schemas.openxmlformats.org/presentationml/2006/ole">
             <mc:AlternateContent xmlns:mc="http://schemas.openxmlformats.org/markup-compatibility/2006">
               <mc:Choice xmlns:v="urn:schemas-microsoft-com:vml" Requires="v">
-                <p:oleObj spid="_x0000_s3080" name="Picture" r:id="rId3" imgW="5285232" imgH="1283208" progId="Word.Picture.8">
+                <p:oleObj spid="_x0000_s3083" name="Picture" r:id="rId3" imgW="5285232" imgH="1283208" progId="Word.Picture.8">
                   <p:embed/>
                 </p:oleObj>
               </mc:Choice>
@@ -6177,6 +6178,2599 @@
           <a:chExt cx="0" cy="0"/>
         </a:xfrm>
       </p:grpSpPr>
+      <p:cxnSp>
+        <p:nvCxnSpPr>
+          <p:cNvPr id="363" name="Connecteur droit avec flèche 362">
+            <a:extLst>
+              <a:ext uri="{FF2B5EF4-FFF2-40B4-BE49-F238E27FC236}">
+                <a16:creationId xmlns:a16="http://schemas.microsoft.com/office/drawing/2014/main" id="{227969B7-3A95-4B0E-9418-0671C831AB34}"/>
+              </a:ext>
+            </a:extLst>
+          </p:cNvPr>
+          <p:cNvCxnSpPr>
+            <a:cxnSpLocks/>
+          </p:cNvCxnSpPr>
+          <p:nvPr/>
+        </p:nvCxnSpPr>
+        <p:spPr>
+          <a:xfrm>
+            <a:off x="914400" y="5596215"/>
+            <a:ext cx="720898" cy="0"/>
+          </a:xfrm>
+          <a:prstGeom prst="straightConnector1">
+            <a:avLst/>
+          </a:prstGeom>
+          <a:ln w="19050">
+            <a:headEnd w="med" len="lg"/>
+            <a:tailEnd type="stealth" w="med" len="lg"/>
+          </a:ln>
+        </p:spPr>
+        <p:style>
+          <a:lnRef idx="1">
+            <a:schemeClr val="accent1"/>
+          </a:lnRef>
+          <a:fillRef idx="0">
+            <a:schemeClr val="accent1"/>
+          </a:fillRef>
+          <a:effectRef idx="0">
+            <a:schemeClr val="accent1"/>
+          </a:effectRef>
+          <a:fontRef idx="minor">
+            <a:schemeClr val="tx1"/>
+          </a:fontRef>
+        </p:style>
+      </p:cxnSp>
+      <p:sp>
+        <p:nvSpPr>
+          <p:cNvPr id="364" name="ZoneTexte 363">
+            <a:extLst>
+              <a:ext uri="{FF2B5EF4-FFF2-40B4-BE49-F238E27FC236}">
+                <a16:creationId xmlns:a16="http://schemas.microsoft.com/office/drawing/2014/main" id="{E2ABD101-4970-4EA7-926D-6F9EC5E93BD4}"/>
+              </a:ext>
+            </a:extLst>
+          </p:cNvPr>
+          <p:cNvSpPr txBox="1"/>
+          <p:nvPr/>
+        </p:nvSpPr>
+        <p:spPr>
+          <a:xfrm>
+            <a:off x="868714" y="4934892"/>
+            <a:ext cx="1017665" cy="646331"/>
+          </a:xfrm>
+          <a:prstGeom prst="rect">
+            <a:avLst/>
+          </a:prstGeom>
+          <a:noFill/>
+        </p:spPr>
+        <p:txBody>
+          <a:bodyPr wrap="square" rtlCol="0">
+            <a:spAutoFit/>
+          </a:bodyPr>
+          <a:lstStyle/>
+          <a:p>
+            <a:r>
+              <a:rPr lang="fr-FR" sz="1200" dirty="0"/>
+              <a:t>Tension de commande U en Volts</a:t>
+            </a:r>
+          </a:p>
+        </p:txBody>
+      </p:sp>
+      <p:cxnSp>
+        <p:nvCxnSpPr>
+          <p:cNvPr id="366" name="Connecteur droit avec flèche 365">
+            <a:extLst>
+              <a:ext uri="{FF2B5EF4-FFF2-40B4-BE49-F238E27FC236}">
+                <a16:creationId xmlns:a16="http://schemas.microsoft.com/office/drawing/2014/main" id="{D38F67FA-B4BA-4D2D-9077-19526105296C}"/>
+              </a:ext>
+            </a:extLst>
+          </p:cNvPr>
+          <p:cNvCxnSpPr>
+            <a:cxnSpLocks/>
+            <a:stCxn id="29" idx="3"/>
+            <a:endCxn id="32" idx="1"/>
+          </p:cNvCxnSpPr>
+          <p:nvPr/>
+        </p:nvCxnSpPr>
+        <p:spPr>
+          <a:xfrm flipV="1">
+            <a:off x="3019533" y="5584868"/>
+            <a:ext cx="331851" cy="3645"/>
+          </a:xfrm>
+          <a:prstGeom prst="straightConnector1">
+            <a:avLst/>
+          </a:prstGeom>
+          <a:ln w="19050">
+            <a:headEnd w="med" len="lg"/>
+            <a:tailEnd type="stealth" w="med" len="lg"/>
+          </a:ln>
+        </p:spPr>
+        <p:style>
+          <a:lnRef idx="1">
+            <a:schemeClr val="accent1"/>
+          </a:lnRef>
+          <a:fillRef idx="0">
+            <a:schemeClr val="accent1"/>
+          </a:fillRef>
+          <a:effectRef idx="0">
+            <a:schemeClr val="accent1"/>
+          </a:effectRef>
+          <a:fontRef idx="minor">
+            <a:schemeClr val="tx1"/>
+          </a:fontRef>
+        </p:style>
+      </p:cxnSp>
+      <p:grpSp>
+        <p:nvGrpSpPr>
+          <p:cNvPr id="6" name="Groupe 5">
+            <a:extLst>
+              <a:ext uri="{FF2B5EF4-FFF2-40B4-BE49-F238E27FC236}">
+                <a16:creationId xmlns:a16="http://schemas.microsoft.com/office/drawing/2014/main" id="{55F2127E-CCFD-442B-85C5-AEF38C33496E}"/>
+              </a:ext>
+            </a:extLst>
+          </p:cNvPr>
+          <p:cNvGrpSpPr/>
+          <p:nvPr/>
+        </p:nvGrpSpPr>
+        <p:grpSpPr>
+          <a:xfrm>
+            <a:off x="1544807" y="5450014"/>
+            <a:ext cx="685170" cy="727481"/>
+            <a:chOff x="2848493" y="4856478"/>
+            <a:chExt cx="685170" cy="727481"/>
+          </a:xfrm>
+        </p:grpSpPr>
+        <p:sp>
+          <p:nvSpPr>
+            <p:cNvPr id="371" name="Organigramme : Jonction de sommaire 370">
+              <a:extLst>
+                <a:ext uri="{FF2B5EF4-FFF2-40B4-BE49-F238E27FC236}">
+                  <a16:creationId xmlns:a16="http://schemas.microsoft.com/office/drawing/2014/main" id="{40CA52D4-092E-4487-B192-D15200669CFF}"/>
+                </a:ext>
+              </a:extLst>
+            </p:cNvPr>
+            <p:cNvSpPr/>
+            <p:nvPr/>
+          </p:nvSpPr>
+          <p:spPr>
+            <a:xfrm>
+              <a:off x="2938984" y="4869772"/>
+              <a:ext cx="265814" cy="265814"/>
+            </a:xfrm>
+            <a:prstGeom prst="flowChartSummingJunction">
+              <a:avLst/>
+            </a:prstGeom>
+            <a:solidFill>
+              <a:schemeClr val="bg1"/>
+            </a:solidFill>
+            <a:ln w="19050">
+              <a:solidFill>
+                <a:schemeClr val="accent1"/>
+              </a:solidFill>
+            </a:ln>
+          </p:spPr>
+          <p:style>
+            <a:lnRef idx="2">
+              <a:schemeClr val="accent1">
+                <a:shade val="50000"/>
+              </a:schemeClr>
+            </a:lnRef>
+            <a:fillRef idx="1">
+              <a:schemeClr val="accent1"/>
+            </a:fillRef>
+            <a:effectRef idx="0">
+              <a:schemeClr val="accent1"/>
+            </a:effectRef>
+            <a:fontRef idx="minor">
+              <a:schemeClr val="lt1"/>
+            </a:fontRef>
+          </p:style>
+          <p:txBody>
+            <a:bodyPr rot="0" spcFirstLastPara="0" vertOverflow="overflow" horzOverflow="overflow" vert="horz" wrap="square" lIns="91440" tIns="45720" rIns="91440" bIns="45720" numCol="1" spcCol="0" rtlCol="0" fromWordArt="0" anchor="ctr" anchorCtr="0" forceAA="0" compatLnSpc="1">
+              <a:prstTxWarp prst="textNoShape">
+                <a:avLst/>
+              </a:prstTxWarp>
+              <a:noAutofit/>
+            </a:bodyPr>
+            <a:lstStyle/>
+            <a:p>
+              <a:pPr algn="ctr"/>
+              <a:endParaRPr lang="fr-FR" sz="1200">
+                <a:solidFill>
+                  <a:sysClr val="windowText" lastClr="000000"/>
+                </a:solidFill>
+              </a:endParaRPr>
+            </a:p>
+          </p:txBody>
+        </p:sp>
+        <p:cxnSp>
+          <p:nvCxnSpPr>
+            <p:cNvPr id="372" name="Connecteur droit avec flèche 371">
+              <a:extLst>
+                <a:ext uri="{FF2B5EF4-FFF2-40B4-BE49-F238E27FC236}">
+                  <a16:creationId xmlns:a16="http://schemas.microsoft.com/office/drawing/2014/main" id="{F37BAD1C-B2A9-43E2-81A5-8EB2E839F093}"/>
+                </a:ext>
+              </a:extLst>
+            </p:cNvPr>
+            <p:cNvCxnSpPr>
+              <a:cxnSpLocks/>
+              <a:stCxn id="371" idx="6"/>
+            </p:cNvCxnSpPr>
+            <p:nvPr/>
+          </p:nvCxnSpPr>
+          <p:spPr>
+            <a:xfrm>
+              <a:off x="3204798" y="5002679"/>
+              <a:ext cx="328865" cy="0"/>
+            </a:xfrm>
+            <a:prstGeom prst="straightConnector1">
+              <a:avLst/>
+            </a:prstGeom>
+            <a:ln w="19050">
+              <a:headEnd w="med" len="lg"/>
+              <a:tailEnd type="stealth" w="med" len="lg"/>
+            </a:ln>
+          </p:spPr>
+          <p:style>
+            <a:lnRef idx="1">
+              <a:schemeClr val="accent1"/>
+            </a:lnRef>
+            <a:fillRef idx="0">
+              <a:schemeClr val="accent1"/>
+            </a:fillRef>
+            <a:effectRef idx="0">
+              <a:schemeClr val="accent1"/>
+            </a:effectRef>
+            <a:fontRef idx="minor">
+              <a:schemeClr val="tx1"/>
+            </a:fontRef>
+          </p:style>
+        </p:cxnSp>
+        <p:sp>
+          <p:nvSpPr>
+            <p:cNvPr id="382" name="ZoneTexte 381">
+              <a:extLst>
+                <a:ext uri="{FF2B5EF4-FFF2-40B4-BE49-F238E27FC236}">
+                  <a16:creationId xmlns:a16="http://schemas.microsoft.com/office/drawing/2014/main" id="{2548E863-9081-432A-90DA-9D5BD989B574}"/>
+                </a:ext>
+              </a:extLst>
+            </p:cNvPr>
+            <p:cNvSpPr txBox="1"/>
+            <p:nvPr/>
+          </p:nvSpPr>
+          <p:spPr>
+            <a:xfrm>
+              <a:off x="2848493" y="4856478"/>
+              <a:ext cx="303707" cy="276999"/>
+            </a:xfrm>
+            <a:prstGeom prst="rect">
+              <a:avLst/>
+            </a:prstGeom>
+            <a:noFill/>
+          </p:spPr>
+          <p:txBody>
+            <a:bodyPr wrap="square" rtlCol="0">
+              <a:spAutoFit/>
+            </a:bodyPr>
+            <a:lstStyle/>
+            <a:p>
+              <a:pPr algn="ctr"/>
+              <a:r>
+                <a:rPr lang="fr-FR" sz="1200" b="1" dirty="0"/>
+                <a:t>+</a:t>
+              </a:r>
+            </a:p>
+          </p:txBody>
+        </p:sp>
+        <p:sp>
+          <p:nvSpPr>
+            <p:cNvPr id="383" name="ZoneTexte 382">
+              <a:extLst>
+                <a:ext uri="{FF2B5EF4-FFF2-40B4-BE49-F238E27FC236}">
+                  <a16:creationId xmlns:a16="http://schemas.microsoft.com/office/drawing/2014/main" id="{763F94FA-1CD0-40F4-9985-45FFB4DA74B0}"/>
+                </a:ext>
+              </a:extLst>
+            </p:cNvPr>
+            <p:cNvSpPr txBox="1"/>
+            <p:nvPr/>
+          </p:nvSpPr>
+          <p:spPr>
+            <a:xfrm>
+              <a:off x="2928786" y="4947271"/>
+              <a:ext cx="303707" cy="276999"/>
+            </a:xfrm>
+            <a:prstGeom prst="rect">
+              <a:avLst/>
+            </a:prstGeom>
+            <a:noFill/>
+          </p:spPr>
+          <p:txBody>
+            <a:bodyPr wrap="square" rtlCol="0">
+              <a:spAutoFit/>
+            </a:bodyPr>
+            <a:lstStyle/>
+            <a:p>
+              <a:pPr algn="ctr"/>
+              <a:r>
+                <a:rPr lang="fr-FR" sz="1200" b="1" dirty="0"/>
+                <a:t>–</a:t>
+              </a:r>
+            </a:p>
+          </p:txBody>
+        </p:sp>
+        <p:cxnSp>
+          <p:nvCxnSpPr>
+            <p:cNvPr id="385" name="Connecteur droit avec flèche 384">
+              <a:extLst>
+                <a:ext uri="{FF2B5EF4-FFF2-40B4-BE49-F238E27FC236}">
+                  <a16:creationId xmlns:a16="http://schemas.microsoft.com/office/drawing/2014/main" id="{2AA99A96-665B-4A8C-8443-71BEE6846302}"/>
+                </a:ext>
+              </a:extLst>
+            </p:cNvPr>
+            <p:cNvCxnSpPr>
+              <a:cxnSpLocks/>
+            </p:cNvCxnSpPr>
+            <p:nvPr/>
+          </p:nvCxnSpPr>
+          <p:spPr>
+            <a:xfrm flipV="1">
+              <a:off x="3080639" y="5133479"/>
+              <a:ext cx="0" cy="450480"/>
+            </a:xfrm>
+            <a:prstGeom prst="straightConnector1">
+              <a:avLst/>
+            </a:prstGeom>
+            <a:ln w="19050">
+              <a:headEnd w="med" len="lg"/>
+              <a:tailEnd type="stealth" w="med" len="lg"/>
+            </a:ln>
+          </p:spPr>
+          <p:style>
+            <a:lnRef idx="1">
+              <a:schemeClr val="accent1"/>
+            </a:lnRef>
+            <a:fillRef idx="0">
+              <a:schemeClr val="accent1"/>
+            </a:fillRef>
+            <a:effectRef idx="0">
+              <a:schemeClr val="accent1"/>
+            </a:effectRef>
+            <a:fontRef idx="minor">
+              <a:schemeClr val="tx1"/>
+            </a:fontRef>
+          </p:style>
+        </p:cxnSp>
+      </p:grpSp>
+      <p:cxnSp>
+        <p:nvCxnSpPr>
+          <p:cNvPr id="387" name="Connecteur droit avec flèche 386">
+            <a:extLst>
+              <a:ext uri="{FF2B5EF4-FFF2-40B4-BE49-F238E27FC236}">
+                <a16:creationId xmlns:a16="http://schemas.microsoft.com/office/drawing/2014/main" id="{47A36605-9547-4773-AEC5-66FF9D67549F}"/>
+              </a:ext>
+            </a:extLst>
+          </p:cNvPr>
+          <p:cNvCxnSpPr>
+            <a:cxnSpLocks/>
+            <a:endCxn id="50" idx="1"/>
+          </p:cNvCxnSpPr>
+          <p:nvPr/>
+        </p:nvCxnSpPr>
+        <p:spPr>
+          <a:xfrm>
+            <a:off x="4853808" y="5043375"/>
+            <a:ext cx="472751" cy="0"/>
+          </a:xfrm>
+          <a:prstGeom prst="straightConnector1">
+            <a:avLst/>
+          </a:prstGeom>
+          <a:ln w="19050">
+            <a:headEnd w="med" len="lg"/>
+            <a:tailEnd type="none" w="med" len="lg"/>
+          </a:ln>
+        </p:spPr>
+        <p:style>
+          <a:lnRef idx="1">
+            <a:schemeClr val="accent1"/>
+          </a:lnRef>
+          <a:fillRef idx="0">
+            <a:schemeClr val="accent1"/>
+          </a:fillRef>
+          <a:effectRef idx="0">
+            <a:schemeClr val="accent1"/>
+          </a:effectRef>
+          <a:fontRef idx="minor">
+            <a:schemeClr val="tx1"/>
+          </a:fontRef>
+        </p:style>
+      </p:cxnSp>
+      <p:cxnSp>
+        <p:nvCxnSpPr>
+          <p:cNvPr id="395" name="Connecteur droit avec flèche 394">
+            <a:extLst>
+              <a:ext uri="{FF2B5EF4-FFF2-40B4-BE49-F238E27FC236}">
+                <a16:creationId xmlns:a16="http://schemas.microsoft.com/office/drawing/2014/main" id="{7C1BE641-A718-42BA-B829-A8E3D0901FFF}"/>
+              </a:ext>
+            </a:extLst>
+          </p:cNvPr>
+          <p:cNvCxnSpPr>
+            <a:cxnSpLocks/>
+          </p:cNvCxnSpPr>
+          <p:nvPr/>
+        </p:nvCxnSpPr>
+        <p:spPr>
+          <a:xfrm>
+            <a:off x="4853808" y="5043375"/>
+            <a:ext cx="0" cy="417824"/>
+          </a:xfrm>
+          <a:prstGeom prst="straightConnector1">
+            <a:avLst/>
+          </a:prstGeom>
+          <a:ln w="19050">
+            <a:headEnd w="med" len="lg"/>
+            <a:tailEnd type="stealth" w="med" len="lg"/>
+          </a:ln>
+        </p:spPr>
+        <p:style>
+          <a:lnRef idx="1">
+            <a:schemeClr val="accent1"/>
+          </a:lnRef>
+          <a:fillRef idx="0">
+            <a:schemeClr val="accent1"/>
+          </a:fillRef>
+          <a:effectRef idx="0">
+            <a:schemeClr val="accent1"/>
+          </a:effectRef>
+          <a:fontRef idx="minor">
+            <a:schemeClr val="tx1"/>
+          </a:fontRef>
+        </p:style>
+      </p:cxnSp>
+      <p:cxnSp>
+        <p:nvCxnSpPr>
+          <p:cNvPr id="398" name="Connecteur droit avec flèche 397">
+            <a:extLst>
+              <a:ext uri="{FF2B5EF4-FFF2-40B4-BE49-F238E27FC236}">
+                <a16:creationId xmlns:a16="http://schemas.microsoft.com/office/drawing/2014/main" id="{58F5765C-E9BF-4BEF-B66D-216F4770DF8B}"/>
+              </a:ext>
+            </a:extLst>
+          </p:cNvPr>
+          <p:cNvCxnSpPr>
+            <a:cxnSpLocks/>
+            <a:endCxn id="57" idx="3"/>
+          </p:cNvCxnSpPr>
+          <p:nvPr/>
+        </p:nvCxnSpPr>
+        <p:spPr>
+          <a:xfrm>
+            <a:off x="1776953" y="6177495"/>
+            <a:ext cx="3476729" cy="0"/>
+          </a:xfrm>
+          <a:prstGeom prst="straightConnector1">
+            <a:avLst/>
+          </a:prstGeom>
+          <a:ln w="19050">
+            <a:headEnd w="med" len="lg"/>
+            <a:tailEnd type="none" w="med" len="lg"/>
+          </a:ln>
+        </p:spPr>
+        <p:style>
+          <a:lnRef idx="1">
+            <a:schemeClr val="accent1"/>
+          </a:lnRef>
+          <a:fillRef idx="0">
+            <a:schemeClr val="accent1"/>
+          </a:fillRef>
+          <a:effectRef idx="0">
+            <a:schemeClr val="accent1"/>
+          </a:effectRef>
+          <a:fontRef idx="minor">
+            <a:schemeClr val="tx1"/>
+          </a:fontRef>
+        </p:style>
+      </p:cxnSp>
+      <p:sp>
+        <p:nvSpPr>
+          <p:cNvPr id="2" name="Rectangle 2">
+            <a:extLst>
+              <a:ext uri="{FF2B5EF4-FFF2-40B4-BE49-F238E27FC236}">
+                <a16:creationId xmlns:a16="http://schemas.microsoft.com/office/drawing/2014/main" id="{5FD2AD58-EED7-4F3B-82C6-EDB3159CEAFB}"/>
+              </a:ext>
+            </a:extLst>
+          </p:cNvPr>
+          <p:cNvSpPr>
+            <a:spLocks noChangeArrowheads="1"/>
+          </p:cNvSpPr>
+          <p:nvPr/>
+        </p:nvSpPr>
+        <p:spPr bwMode="auto">
+          <a:xfrm>
+            <a:off x="0" y="0"/>
+            <a:ext cx="16998462" cy="0"/>
+          </a:xfrm>
+          <a:prstGeom prst="rect">
+            <a:avLst/>
+          </a:prstGeom>
+          <a:noFill/>
+          <a:ln>
+            <a:noFill/>
+          </a:ln>
+          <a:effectLst/>
+          <a:extLst>
+            <a:ext uri="{909E8E84-426E-40DD-AFC4-6F175D3DCCD1}">
+              <a14:hiddenFill xmlns:a14="http://schemas.microsoft.com/office/drawing/2010/main">
+                <a:solidFill>
+                  <a:schemeClr val="accent1"/>
+                </a:solidFill>
+              </a14:hiddenFill>
+            </a:ext>
+            <a:ext uri="{91240B29-F687-4F45-9708-019B960494DF}">
+              <a14:hiddenLine xmlns:a14="http://schemas.microsoft.com/office/drawing/2010/main" w="9525">
+                <a:solidFill>
+                  <a:schemeClr val="tx1"/>
+                </a:solidFill>
+                <a:miter lim="800000"/>
+                <a:headEnd/>
+                <a:tailEnd/>
+              </a14:hiddenLine>
+            </a:ext>
+            <a:ext uri="{AF507438-7753-43E0-B8FC-AC1667EBCBE1}">
+              <a14:hiddenEffects xmlns:a14="http://schemas.microsoft.com/office/drawing/2010/main">
+                <a:effectLst>
+                  <a:outerShdw dist="35921" dir="2700000" algn="ctr" rotWithShape="0">
+                    <a:schemeClr val="bg2"/>
+                  </a:outerShdw>
+                </a:effectLst>
+              </a14:hiddenEffects>
+            </a:ext>
+          </a:extLst>
+        </p:spPr>
+        <p:txBody>
+          <a:bodyPr vert="horz" wrap="square" lIns="91440" tIns="45720" rIns="91440" bIns="45720" numCol="1" anchor="ctr" anchorCtr="0" compatLnSpc="1">
+            <a:prstTxWarp prst="textNoShape">
+              <a:avLst/>
+            </a:prstTxWarp>
+            <a:spAutoFit/>
+          </a:bodyPr>
+          <a:lstStyle/>
+          <a:p>
+            <a:endParaRPr lang="fr-FR"/>
+          </a:p>
+        </p:txBody>
+      </p:sp>
+      <mc:AlternateContent xmlns:mc="http://schemas.openxmlformats.org/markup-compatibility/2006">
+        <mc:Choice xmlns:a14="http://schemas.microsoft.com/office/drawing/2010/main" Requires="a14">
+          <p:sp>
+            <p:nvSpPr>
+              <p:cNvPr id="29" name="Rectangle 28">
+                <a:extLst>
+                  <a:ext uri="{FF2B5EF4-FFF2-40B4-BE49-F238E27FC236}">
+                    <a16:creationId xmlns:a16="http://schemas.microsoft.com/office/drawing/2014/main" id="{E17BC718-3AA6-4E04-8610-5F40437B3A12}"/>
+                  </a:ext>
+                </a:extLst>
+              </p:cNvPr>
+              <p:cNvSpPr/>
+              <p:nvPr/>
+            </p:nvSpPr>
+            <p:spPr>
+              <a:xfrm>
+                <a:off x="2210785" y="5359781"/>
+                <a:ext cx="808748" cy="457464"/>
+              </a:xfrm>
+              <a:prstGeom prst="rect">
+                <a:avLst/>
+              </a:prstGeom>
+              <a:solidFill>
+                <a:schemeClr val="bg1"/>
+              </a:solidFill>
+              <a:ln w="19050">
+                <a:solidFill>
+                  <a:schemeClr val="accent1"/>
+                </a:solidFill>
+              </a:ln>
+            </p:spPr>
+            <p:style>
+              <a:lnRef idx="2">
+                <a:schemeClr val="accent1">
+                  <a:shade val="50000"/>
+                </a:schemeClr>
+              </a:lnRef>
+              <a:fillRef idx="1">
+                <a:schemeClr val="accent1"/>
+              </a:fillRef>
+              <a:effectRef idx="0">
+                <a:schemeClr val="accent1"/>
+              </a:effectRef>
+              <a:fontRef idx="minor">
+                <a:schemeClr val="lt1"/>
+              </a:fontRef>
+            </p:style>
+            <p:txBody>
+              <a:bodyPr rtlCol="0" anchor="ctr"/>
+              <a:lstStyle/>
+              <a:p>
+                <a:pPr algn="ctr"/>
+                <a14:m>
+                  <m:oMathPara xmlns:m="http://schemas.openxmlformats.org/officeDocument/2006/math">
+                    <m:oMathParaPr>
+                      <m:jc m:val="centerGroup"/>
+                    </m:oMathParaPr>
+                    <m:oMath xmlns:m="http://schemas.openxmlformats.org/officeDocument/2006/math">
+                      <m:f>
+                        <m:fPr>
+                          <m:ctrlPr>
+                            <a:rPr lang="fr-FR" sz="1200" b="0" i="1" smtClean="0">
+                              <a:solidFill>
+                                <a:sysClr val="windowText" lastClr="000000"/>
+                              </a:solidFill>
+                              <a:latin typeface="Cambria Math" panose="02040503050406030204" pitchFamily="18" charset="0"/>
+                            </a:rPr>
+                          </m:ctrlPr>
+                        </m:fPr>
+                        <m:num>
+                          <m:r>
+                            <a:rPr lang="fr-FR" sz="1200" b="0" i="1" smtClean="0">
+                              <a:solidFill>
+                                <a:sysClr val="windowText" lastClr="000000"/>
+                              </a:solidFill>
+                              <a:latin typeface="Cambria Math" panose="02040503050406030204" pitchFamily="18" charset="0"/>
+                            </a:rPr>
+                            <m:t>1</m:t>
+                          </m:r>
+                        </m:num>
+                        <m:den>
+                          <m:r>
+                            <a:rPr lang="fr-FR" sz="1200" b="0" i="1" smtClean="0">
+                              <a:solidFill>
+                                <a:sysClr val="windowText" lastClr="000000"/>
+                              </a:solidFill>
+                              <a:latin typeface="Cambria Math" panose="02040503050406030204" pitchFamily="18" charset="0"/>
+                            </a:rPr>
+                            <m:t>𝑅</m:t>
+                          </m:r>
+                          <m:r>
+                            <a:rPr lang="fr-FR" sz="1200" b="0" i="1" smtClean="0">
+                              <a:solidFill>
+                                <a:sysClr val="windowText" lastClr="000000"/>
+                              </a:solidFill>
+                              <a:latin typeface="Cambria Math" panose="02040503050406030204" pitchFamily="18" charset="0"/>
+                            </a:rPr>
+                            <m:t>+</m:t>
+                          </m:r>
+                          <m:r>
+                            <a:rPr lang="fr-FR" sz="1200" b="0" i="1" smtClean="0">
+                              <a:solidFill>
+                                <a:sysClr val="windowText" lastClr="000000"/>
+                              </a:solidFill>
+                              <a:latin typeface="Cambria Math" panose="02040503050406030204" pitchFamily="18" charset="0"/>
+                            </a:rPr>
+                            <m:t>𝐿𝑝</m:t>
+                          </m:r>
+                        </m:den>
+                      </m:f>
+                    </m:oMath>
+                  </m:oMathPara>
+                </a14:m>
+                <a:endParaRPr lang="fr-FR" sz="1200" dirty="0">
+                  <a:solidFill>
+                    <a:sysClr val="windowText" lastClr="000000"/>
+                  </a:solidFill>
+                </a:endParaRPr>
+              </a:p>
+            </p:txBody>
+          </p:sp>
+        </mc:Choice>
+        <mc:Fallback>
+          <p:sp>
+            <p:nvSpPr>
+              <p:cNvPr id="29" name="Rectangle 28">
+                <a:extLst>
+                  <a:ext uri="{FF2B5EF4-FFF2-40B4-BE49-F238E27FC236}">
+                    <a16:creationId xmlns:a16="http://schemas.microsoft.com/office/drawing/2014/main" id="{E17BC718-3AA6-4E04-8610-5F40437B3A12}"/>
+                  </a:ext>
+                </a:extLst>
+              </p:cNvPr>
+              <p:cNvSpPr>
+                <a:spLocks noRot="1" noChangeAspect="1" noMove="1" noResize="1" noEditPoints="1" noAdjustHandles="1" noChangeArrowheads="1" noChangeShapeType="1" noTextEdit="1"/>
+              </p:cNvSpPr>
+              <p:nvPr/>
+            </p:nvSpPr>
+            <p:spPr>
+              <a:xfrm>
+                <a:off x="2210785" y="5359781"/>
+                <a:ext cx="808748" cy="457464"/>
+              </a:xfrm>
+              <a:prstGeom prst="rect">
+                <a:avLst/>
+              </a:prstGeom>
+              <a:blipFill>
+                <a:blip r:embed="rId2"/>
+                <a:stretch>
+                  <a:fillRect b="-3846"/>
+                </a:stretch>
+              </a:blipFill>
+              <a:ln w="19050">
+                <a:solidFill>
+                  <a:schemeClr val="accent1"/>
+                </a:solidFill>
+              </a:ln>
+            </p:spPr>
+            <p:txBody>
+              <a:bodyPr/>
+              <a:lstStyle/>
+              <a:p>
+                <a:r>
+                  <a:rPr lang="fr-FR">
+                    <a:noFill/>
+                  </a:rPr>
+                  <a:t> </a:t>
+                </a:r>
+              </a:p>
+            </p:txBody>
+          </p:sp>
+        </mc:Fallback>
+      </mc:AlternateContent>
+      <mc:AlternateContent xmlns:mc="http://schemas.openxmlformats.org/markup-compatibility/2006">
+        <mc:Choice xmlns:a14="http://schemas.microsoft.com/office/drawing/2010/main" Requires="a14">
+          <p:sp>
+            <p:nvSpPr>
+              <p:cNvPr id="32" name="Rectangle 31">
+                <a:extLst>
+                  <a:ext uri="{FF2B5EF4-FFF2-40B4-BE49-F238E27FC236}">
+                    <a16:creationId xmlns:a16="http://schemas.microsoft.com/office/drawing/2014/main" id="{522EB657-1DF9-428A-B074-D09325AF7D8F}"/>
+                  </a:ext>
+                </a:extLst>
+              </p:cNvPr>
+              <p:cNvSpPr/>
+              <p:nvPr/>
+            </p:nvSpPr>
+            <p:spPr>
+              <a:xfrm>
+                <a:off x="3351384" y="5442724"/>
+                <a:ext cx="448620" cy="284288"/>
+              </a:xfrm>
+              <a:prstGeom prst="rect">
+                <a:avLst/>
+              </a:prstGeom>
+              <a:solidFill>
+                <a:schemeClr val="bg1"/>
+              </a:solidFill>
+              <a:ln w="19050">
+                <a:solidFill>
+                  <a:schemeClr val="accent1"/>
+                </a:solidFill>
+              </a:ln>
+            </p:spPr>
+            <p:style>
+              <a:lnRef idx="2">
+                <a:schemeClr val="accent1">
+                  <a:shade val="50000"/>
+                </a:schemeClr>
+              </a:lnRef>
+              <a:fillRef idx="1">
+                <a:schemeClr val="accent1"/>
+              </a:fillRef>
+              <a:effectRef idx="0">
+                <a:schemeClr val="accent1"/>
+              </a:effectRef>
+              <a:fontRef idx="minor">
+                <a:schemeClr val="lt1"/>
+              </a:fontRef>
+            </p:style>
+            <p:txBody>
+              <a:bodyPr rtlCol="0" anchor="ctr"/>
+              <a:lstStyle/>
+              <a:p>
+                <a:pPr algn="ctr"/>
+                <a14:m>
+                  <m:oMathPara xmlns:m="http://schemas.openxmlformats.org/officeDocument/2006/math">
+                    <m:oMathParaPr>
+                      <m:jc m:val="centerGroup"/>
+                    </m:oMathParaPr>
+                    <m:oMath xmlns:m="http://schemas.openxmlformats.org/officeDocument/2006/math">
+                      <m:sSub>
+                        <m:sSubPr>
+                          <m:ctrlPr>
+                            <a:rPr lang="fr-FR" sz="1200" b="0" i="1" smtClean="0">
+                              <a:solidFill>
+                                <a:sysClr val="windowText" lastClr="000000"/>
+                              </a:solidFill>
+                              <a:latin typeface="Cambria Math" panose="02040503050406030204" pitchFamily="18" charset="0"/>
+                            </a:rPr>
+                          </m:ctrlPr>
+                        </m:sSubPr>
+                        <m:e>
+                          <m:r>
+                            <a:rPr lang="fr-FR" sz="1200" b="0" i="1" smtClean="0">
+                              <a:solidFill>
+                                <a:sysClr val="windowText" lastClr="000000"/>
+                              </a:solidFill>
+                              <a:latin typeface="Cambria Math" panose="02040503050406030204" pitchFamily="18" charset="0"/>
+                            </a:rPr>
+                            <m:t>𝑘</m:t>
+                          </m:r>
+                        </m:e>
+                        <m:sub>
+                          <m:r>
+                            <a:rPr lang="fr-FR" sz="1200" b="0" i="1" smtClean="0">
+                              <a:solidFill>
+                                <a:sysClr val="windowText" lastClr="000000"/>
+                              </a:solidFill>
+                              <a:latin typeface="Cambria Math" panose="02040503050406030204" pitchFamily="18" charset="0"/>
+                            </a:rPr>
+                            <m:t>𝑐</m:t>
+                          </m:r>
+                        </m:sub>
+                      </m:sSub>
+                    </m:oMath>
+                  </m:oMathPara>
+                </a14:m>
+                <a:endParaRPr lang="fr-FR" sz="1200" dirty="0">
+                  <a:solidFill>
+                    <a:sysClr val="windowText" lastClr="000000"/>
+                  </a:solidFill>
+                </a:endParaRPr>
+              </a:p>
+            </p:txBody>
+          </p:sp>
+        </mc:Choice>
+        <mc:Fallback>
+          <p:sp>
+            <p:nvSpPr>
+              <p:cNvPr id="32" name="Rectangle 31">
+                <a:extLst>
+                  <a:ext uri="{FF2B5EF4-FFF2-40B4-BE49-F238E27FC236}">
+                    <a16:creationId xmlns:a16="http://schemas.microsoft.com/office/drawing/2014/main" id="{522EB657-1DF9-428A-B074-D09325AF7D8F}"/>
+                  </a:ext>
+                </a:extLst>
+              </p:cNvPr>
+              <p:cNvSpPr>
+                <a:spLocks noRot="1" noChangeAspect="1" noMove="1" noResize="1" noEditPoints="1" noAdjustHandles="1" noChangeArrowheads="1" noChangeShapeType="1" noTextEdit="1"/>
+              </p:cNvSpPr>
+              <p:nvPr/>
+            </p:nvSpPr>
+            <p:spPr>
+              <a:xfrm>
+                <a:off x="3351384" y="5442724"/>
+                <a:ext cx="448620" cy="284288"/>
+              </a:xfrm>
+              <a:prstGeom prst="rect">
+                <a:avLst/>
+              </a:prstGeom>
+              <a:blipFill>
+                <a:blip r:embed="rId3"/>
+                <a:stretch>
+                  <a:fillRect/>
+                </a:stretch>
+              </a:blipFill>
+              <a:ln w="19050">
+                <a:solidFill>
+                  <a:schemeClr val="accent1"/>
+                </a:solidFill>
+              </a:ln>
+            </p:spPr>
+            <p:txBody>
+              <a:bodyPr/>
+              <a:lstStyle/>
+              <a:p>
+                <a:r>
+                  <a:rPr lang="fr-FR">
+                    <a:noFill/>
+                  </a:rPr>
+                  <a:t> </a:t>
+                </a:r>
+              </a:p>
+            </p:txBody>
+          </p:sp>
+        </mc:Fallback>
+      </mc:AlternateContent>
+      <p:grpSp>
+        <p:nvGrpSpPr>
+          <p:cNvPr id="33" name="Groupe 32">
+            <a:extLst>
+              <a:ext uri="{FF2B5EF4-FFF2-40B4-BE49-F238E27FC236}">
+                <a16:creationId xmlns:a16="http://schemas.microsoft.com/office/drawing/2014/main" id="{E612113A-9F0B-4F59-A528-9ABC0DE54D2C}"/>
+              </a:ext>
+            </a:extLst>
+          </p:cNvPr>
+          <p:cNvGrpSpPr/>
+          <p:nvPr/>
+        </p:nvGrpSpPr>
+        <p:grpSpPr>
+          <a:xfrm>
+            <a:off x="4048398" y="5359781"/>
+            <a:ext cx="685170" cy="362051"/>
+            <a:chOff x="2848493" y="4773535"/>
+            <a:chExt cx="685170" cy="362051"/>
+          </a:xfrm>
+        </p:grpSpPr>
+        <p:sp>
+          <p:nvSpPr>
+            <p:cNvPr id="34" name="Organigramme : Jonction de sommaire 33">
+              <a:extLst>
+                <a:ext uri="{FF2B5EF4-FFF2-40B4-BE49-F238E27FC236}">
+                  <a16:creationId xmlns:a16="http://schemas.microsoft.com/office/drawing/2014/main" id="{0769009C-F11B-40FE-A67A-4A7942663759}"/>
+                </a:ext>
+              </a:extLst>
+            </p:cNvPr>
+            <p:cNvSpPr/>
+            <p:nvPr/>
+          </p:nvSpPr>
+          <p:spPr>
+            <a:xfrm>
+              <a:off x="2938984" y="4869772"/>
+              <a:ext cx="265814" cy="265814"/>
+            </a:xfrm>
+            <a:prstGeom prst="flowChartSummingJunction">
+              <a:avLst/>
+            </a:prstGeom>
+            <a:solidFill>
+              <a:schemeClr val="bg1"/>
+            </a:solidFill>
+            <a:ln w="19050">
+              <a:solidFill>
+                <a:schemeClr val="accent1"/>
+              </a:solidFill>
+            </a:ln>
+          </p:spPr>
+          <p:style>
+            <a:lnRef idx="2">
+              <a:schemeClr val="accent1">
+                <a:shade val="50000"/>
+              </a:schemeClr>
+            </a:lnRef>
+            <a:fillRef idx="1">
+              <a:schemeClr val="accent1"/>
+            </a:fillRef>
+            <a:effectRef idx="0">
+              <a:schemeClr val="accent1"/>
+            </a:effectRef>
+            <a:fontRef idx="minor">
+              <a:schemeClr val="lt1"/>
+            </a:fontRef>
+          </p:style>
+          <p:txBody>
+            <a:bodyPr rot="0" spcFirstLastPara="0" vertOverflow="overflow" horzOverflow="overflow" vert="horz" wrap="square" lIns="91440" tIns="45720" rIns="91440" bIns="45720" numCol="1" spcCol="0" rtlCol="0" fromWordArt="0" anchor="ctr" anchorCtr="0" forceAA="0" compatLnSpc="1">
+              <a:prstTxWarp prst="textNoShape">
+                <a:avLst/>
+              </a:prstTxWarp>
+              <a:noAutofit/>
+            </a:bodyPr>
+            <a:lstStyle/>
+            <a:p>
+              <a:pPr algn="ctr"/>
+              <a:endParaRPr lang="fr-FR" sz="1200">
+                <a:solidFill>
+                  <a:sysClr val="windowText" lastClr="000000"/>
+                </a:solidFill>
+              </a:endParaRPr>
+            </a:p>
+          </p:txBody>
+        </p:sp>
+        <p:cxnSp>
+          <p:nvCxnSpPr>
+            <p:cNvPr id="35" name="Connecteur droit avec flèche 34">
+              <a:extLst>
+                <a:ext uri="{FF2B5EF4-FFF2-40B4-BE49-F238E27FC236}">
+                  <a16:creationId xmlns:a16="http://schemas.microsoft.com/office/drawing/2014/main" id="{0DBC2BF4-9D19-4EC0-89D1-8B328E617312}"/>
+                </a:ext>
+              </a:extLst>
+            </p:cNvPr>
+            <p:cNvCxnSpPr>
+              <a:cxnSpLocks/>
+              <a:stCxn id="34" idx="6"/>
+            </p:cNvCxnSpPr>
+            <p:nvPr/>
+          </p:nvCxnSpPr>
+          <p:spPr>
+            <a:xfrm>
+              <a:off x="3204798" y="5002679"/>
+              <a:ext cx="328865" cy="0"/>
+            </a:xfrm>
+            <a:prstGeom prst="straightConnector1">
+              <a:avLst/>
+            </a:prstGeom>
+            <a:ln w="19050">
+              <a:headEnd w="med" len="lg"/>
+              <a:tailEnd type="stealth" w="med" len="lg"/>
+            </a:ln>
+          </p:spPr>
+          <p:style>
+            <a:lnRef idx="1">
+              <a:schemeClr val="accent1"/>
+            </a:lnRef>
+            <a:fillRef idx="0">
+              <a:schemeClr val="accent1"/>
+            </a:fillRef>
+            <a:effectRef idx="0">
+              <a:schemeClr val="accent1"/>
+            </a:effectRef>
+            <a:fontRef idx="minor">
+              <a:schemeClr val="tx1"/>
+            </a:fontRef>
+          </p:style>
+        </p:cxnSp>
+        <p:sp>
+          <p:nvSpPr>
+            <p:cNvPr id="36" name="ZoneTexte 35">
+              <a:extLst>
+                <a:ext uri="{FF2B5EF4-FFF2-40B4-BE49-F238E27FC236}">
+                  <a16:creationId xmlns:a16="http://schemas.microsoft.com/office/drawing/2014/main" id="{E6E7BF29-5C94-48AC-8F31-ADC2F4BA8F3E}"/>
+                </a:ext>
+              </a:extLst>
+            </p:cNvPr>
+            <p:cNvSpPr txBox="1"/>
+            <p:nvPr/>
+          </p:nvSpPr>
+          <p:spPr>
+            <a:xfrm>
+              <a:off x="2848493" y="4856478"/>
+              <a:ext cx="303707" cy="276999"/>
+            </a:xfrm>
+            <a:prstGeom prst="rect">
+              <a:avLst/>
+            </a:prstGeom>
+            <a:noFill/>
+          </p:spPr>
+          <p:txBody>
+            <a:bodyPr wrap="square" rtlCol="0">
+              <a:spAutoFit/>
+            </a:bodyPr>
+            <a:lstStyle/>
+            <a:p>
+              <a:pPr algn="ctr"/>
+              <a:r>
+                <a:rPr lang="fr-FR" sz="1200" b="1" dirty="0"/>
+                <a:t>+</a:t>
+              </a:r>
+            </a:p>
+          </p:txBody>
+        </p:sp>
+        <p:sp>
+          <p:nvSpPr>
+            <p:cNvPr id="37" name="ZoneTexte 36">
+              <a:extLst>
+                <a:ext uri="{FF2B5EF4-FFF2-40B4-BE49-F238E27FC236}">
+                  <a16:creationId xmlns:a16="http://schemas.microsoft.com/office/drawing/2014/main" id="{164F39C4-7452-4171-A678-64543ABADCEB}"/>
+                </a:ext>
+              </a:extLst>
+            </p:cNvPr>
+            <p:cNvSpPr txBox="1"/>
+            <p:nvPr/>
+          </p:nvSpPr>
+          <p:spPr>
+            <a:xfrm>
+              <a:off x="2919642" y="4773535"/>
+              <a:ext cx="303707" cy="276999"/>
+            </a:xfrm>
+            <a:prstGeom prst="rect">
+              <a:avLst/>
+            </a:prstGeom>
+            <a:noFill/>
+          </p:spPr>
+          <p:txBody>
+            <a:bodyPr wrap="square" rtlCol="0">
+              <a:spAutoFit/>
+            </a:bodyPr>
+            <a:lstStyle/>
+            <a:p>
+              <a:pPr algn="ctr"/>
+              <a:r>
+                <a:rPr lang="fr-FR" sz="1200" b="1" dirty="0"/>
+                <a:t>–</a:t>
+              </a:r>
+            </a:p>
+          </p:txBody>
+        </p:sp>
+      </p:grpSp>
+      <p:cxnSp>
+        <p:nvCxnSpPr>
+          <p:cNvPr id="39" name="Connecteur droit avec flèche 38">
+            <a:extLst>
+              <a:ext uri="{FF2B5EF4-FFF2-40B4-BE49-F238E27FC236}">
+                <a16:creationId xmlns:a16="http://schemas.microsoft.com/office/drawing/2014/main" id="{6D08CB2A-04CF-4326-9B36-433956EB0563}"/>
+              </a:ext>
+            </a:extLst>
+          </p:cNvPr>
+          <p:cNvCxnSpPr>
+            <a:cxnSpLocks/>
+          </p:cNvCxnSpPr>
+          <p:nvPr/>
+        </p:nvCxnSpPr>
+        <p:spPr>
+          <a:xfrm>
+            <a:off x="3788488" y="5596215"/>
+            <a:ext cx="341932" cy="0"/>
+          </a:xfrm>
+          <a:prstGeom prst="straightConnector1">
+            <a:avLst/>
+          </a:prstGeom>
+          <a:ln w="19050">
+            <a:headEnd w="med" len="lg"/>
+            <a:tailEnd type="stealth" w="med" len="lg"/>
+          </a:ln>
+        </p:spPr>
+        <p:style>
+          <a:lnRef idx="1">
+            <a:schemeClr val="accent1"/>
+          </a:lnRef>
+          <a:fillRef idx="0">
+            <a:schemeClr val="accent1"/>
+          </a:fillRef>
+          <a:effectRef idx="0">
+            <a:schemeClr val="accent1"/>
+          </a:effectRef>
+          <a:fontRef idx="minor">
+            <a:schemeClr val="tx1"/>
+          </a:fontRef>
+        </p:style>
+      </p:cxnSp>
+      <p:grpSp>
+        <p:nvGrpSpPr>
+          <p:cNvPr id="40" name="Groupe 39">
+            <a:extLst>
+              <a:ext uri="{FF2B5EF4-FFF2-40B4-BE49-F238E27FC236}">
+                <a16:creationId xmlns:a16="http://schemas.microsoft.com/office/drawing/2014/main" id="{7B3BF2CD-424C-4070-8C18-62ED8C9115B8}"/>
+              </a:ext>
+            </a:extLst>
+          </p:cNvPr>
+          <p:cNvGrpSpPr/>
+          <p:nvPr/>
+        </p:nvGrpSpPr>
+        <p:grpSpPr>
+          <a:xfrm>
+            <a:off x="4630806" y="5364962"/>
+            <a:ext cx="685170" cy="362051"/>
+            <a:chOff x="2848493" y="4773535"/>
+            <a:chExt cx="685170" cy="362051"/>
+          </a:xfrm>
+        </p:grpSpPr>
+        <p:sp>
+          <p:nvSpPr>
+            <p:cNvPr id="41" name="Organigramme : Jonction de sommaire 40">
+              <a:extLst>
+                <a:ext uri="{FF2B5EF4-FFF2-40B4-BE49-F238E27FC236}">
+                  <a16:creationId xmlns:a16="http://schemas.microsoft.com/office/drawing/2014/main" id="{BECF105A-7DF9-4AF2-A72A-E7097D13A577}"/>
+                </a:ext>
+              </a:extLst>
+            </p:cNvPr>
+            <p:cNvSpPr/>
+            <p:nvPr/>
+          </p:nvSpPr>
+          <p:spPr>
+            <a:xfrm>
+              <a:off x="2938984" y="4869772"/>
+              <a:ext cx="265814" cy="265814"/>
+            </a:xfrm>
+            <a:prstGeom prst="flowChartSummingJunction">
+              <a:avLst/>
+            </a:prstGeom>
+            <a:solidFill>
+              <a:schemeClr val="bg1"/>
+            </a:solidFill>
+            <a:ln w="19050">
+              <a:solidFill>
+                <a:schemeClr val="accent1"/>
+              </a:solidFill>
+            </a:ln>
+          </p:spPr>
+          <p:style>
+            <a:lnRef idx="2">
+              <a:schemeClr val="accent1">
+                <a:shade val="50000"/>
+              </a:schemeClr>
+            </a:lnRef>
+            <a:fillRef idx="1">
+              <a:schemeClr val="accent1"/>
+            </a:fillRef>
+            <a:effectRef idx="0">
+              <a:schemeClr val="accent1"/>
+            </a:effectRef>
+            <a:fontRef idx="minor">
+              <a:schemeClr val="lt1"/>
+            </a:fontRef>
+          </p:style>
+          <p:txBody>
+            <a:bodyPr rot="0" spcFirstLastPara="0" vertOverflow="overflow" horzOverflow="overflow" vert="horz" wrap="square" lIns="91440" tIns="45720" rIns="91440" bIns="45720" numCol="1" spcCol="0" rtlCol="0" fromWordArt="0" anchor="ctr" anchorCtr="0" forceAA="0" compatLnSpc="1">
+              <a:prstTxWarp prst="textNoShape">
+                <a:avLst/>
+              </a:prstTxWarp>
+              <a:noAutofit/>
+            </a:bodyPr>
+            <a:lstStyle/>
+            <a:p>
+              <a:pPr algn="ctr"/>
+              <a:endParaRPr lang="fr-FR" sz="1200">
+                <a:solidFill>
+                  <a:sysClr val="windowText" lastClr="000000"/>
+                </a:solidFill>
+              </a:endParaRPr>
+            </a:p>
+          </p:txBody>
+        </p:sp>
+        <p:cxnSp>
+          <p:nvCxnSpPr>
+            <p:cNvPr id="42" name="Connecteur droit avec flèche 41">
+              <a:extLst>
+                <a:ext uri="{FF2B5EF4-FFF2-40B4-BE49-F238E27FC236}">
+                  <a16:creationId xmlns:a16="http://schemas.microsoft.com/office/drawing/2014/main" id="{E81C0FFC-05E5-45BD-B844-65F50C2A989C}"/>
+                </a:ext>
+              </a:extLst>
+            </p:cNvPr>
+            <p:cNvCxnSpPr>
+              <a:cxnSpLocks/>
+              <a:stCxn id="41" idx="6"/>
+            </p:cNvCxnSpPr>
+            <p:nvPr/>
+          </p:nvCxnSpPr>
+          <p:spPr>
+            <a:xfrm>
+              <a:off x="3204798" y="5002679"/>
+              <a:ext cx="328865" cy="0"/>
+            </a:xfrm>
+            <a:prstGeom prst="straightConnector1">
+              <a:avLst/>
+            </a:prstGeom>
+            <a:ln w="19050">
+              <a:headEnd w="med" len="lg"/>
+              <a:tailEnd type="stealth" w="med" len="lg"/>
+            </a:ln>
+          </p:spPr>
+          <p:style>
+            <a:lnRef idx="1">
+              <a:schemeClr val="accent1"/>
+            </a:lnRef>
+            <a:fillRef idx="0">
+              <a:schemeClr val="accent1"/>
+            </a:fillRef>
+            <a:effectRef idx="0">
+              <a:schemeClr val="accent1"/>
+            </a:effectRef>
+            <a:fontRef idx="minor">
+              <a:schemeClr val="tx1"/>
+            </a:fontRef>
+          </p:style>
+        </p:cxnSp>
+        <p:sp>
+          <p:nvSpPr>
+            <p:cNvPr id="43" name="ZoneTexte 42">
+              <a:extLst>
+                <a:ext uri="{FF2B5EF4-FFF2-40B4-BE49-F238E27FC236}">
+                  <a16:creationId xmlns:a16="http://schemas.microsoft.com/office/drawing/2014/main" id="{6AD54A34-B0D1-487B-B796-777AF74B9BE3}"/>
+                </a:ext>
+              </a:extLst>
+            </p:cNvPr>
+            <p:cNvSpPr txBox="1"/>
+            <p:nvPr/>
+          </p:nvSpPr>
+          <p:spPr>
+            <a:xfrm>
+              <a:off x="2848493" y="4856478"/>
+              <a:ext cx="303707" cy="276999"/>
+            </a:xfrm>
+            <a:prstGeom prst="rect">
+              <a:avLst/>
+            </a:prstGeom>
+            <a:noFill/>
+          </p:spPr>
+          <p:txBody>
+            <a:bodyPr wrap="square" rtlCol="0">
+              <a:spAutoFit/>
+            </a:bodyPr>
+            <a:lstStyle/>
+            <a:p>
+              <a:pPr algn="ctr"/>
+              <a:r>
+                <a:rPr lang="fr-FR" sz="1200" b="1" dirty="0"/>
+                <a:t>+</a:t>
+              </a:r>
+            </a:p>
+          </p:txBody>
+        </p:sp>
+        <p:sp>
+          <p:nvSpPr>
+            <p:cNvPr id="44" name="ZoneTexte 43">
+              <a:extLst>
+                <a:ext uri="{FF2B5EF4-FFF2-40B4-BE49-F238E27FC236}">
+                  <a16:creationId xmlns:a16="http://schemas.microsoft.com/office/drawing/2014/main" id="{BAA73D40-2D1A-46A7-9457-A69EA1C8F90A}"/>
+                </a:ext>
+              </a:extLst>
+            </p:cNvPr>
+            <p:cNvSpPr txBox="1"/>
+            <p:nvPr/>
+          </p:nvSpPr>
+          <p:spPr>
+            <a:xfrm>
+              <a:off x="2919642" y="4773535"/>
+              <a:ext cx="303707" cy="276999"/>
+            </a:xfrm>
+            <a:prstGeom prst="rect">
+              <a:avLst/>
+            </a:prstGeom>
+            <a:noFill/>
+          </p:spPr>
+          <p:txBody>
+            <a:bodyPr wrap="square" rtlCol="0">
+              <a:spAutoFit/>
+            </a:bodyPr>
+            <a:lstStyle/>
+            <a:p>
+              <a:pPr algn="ctr"/>
+              <a:r>
+                <a:rPr lang="fr-FR" sz="1200" b="1" dirty="0"/>
+                <a:t>–</a:t>
+              </a:r>
+            </a:p>
+          </p:txBody>
+        </p:sp>
+      </p:grpSp>
+      <p:cxnSp>
+        <p:nvCxnSpPr>
+          <p:cNvPr id="45" name="Connecteur droit avec flèche 44">
+            <a:extLst>
+              <a:ext uri="{FF2B5EF4-FFF2-40B4-BE49-F238E27FC236}">
+                <a16:creationId xmlns:a16="http://schemas.microsoft.com/office/drawing/2014/main" id="{D2B6FE81-CFB1-4B22-B47B-0AD622EBE12A}"/>
+              </a:ext>
+            </a:extLst>
+          </p:cNvPr>
+          <p:cNvCxnSpPr>
+            <a:cxnSpLocks/>
+          </p:cNvCxnSpPr>
+          <p:nvPr/>
+        </p:nvCxnSpPr>
+        <p:spPr>
+          <a:xfrm>
+            <a:off x="4271400" y="4937186"/>
+            <a:ext cx="0" cy="533662"/>
+          </a:xfrm>
+          <a:prstGeom prst="straightConnector1">
+            <a:avLst/>
+          </a:prstGeom>
+          <a:ln w="19050">
+            <a:headEnd w="med" len="lg"/>
+            <a:tailEnd type="stealth" w="med" len="lg"/>
+          </a:ln>
+        </p:spPr>
+        <p:style>
+          <a:lnRef idx="1">
+            <a:schemeClr val="accent1"/>
+          </a:lnRef>
+          <a:fillRef idx="0">
+            <a:schemeClr val="accent1"/>
+          </a:fillRef>
+          <a:effectRef idx="0">
+            <a:schemeClr val="accent1"/>
+          </a:effectRef>
+          <a:fontRef idx="minor">
+            <a:schemeClr val="tx1"/>
+          </a:fontRef>
+        </p:style>
+      </p:cxnSp>
+      <mc:AlternateContent xmlns:mc="http://schemas.openxmlformats.org/markup-compatibility/2006">
+        <mc:Choice xmlns:a14="http://schemas.microsoft.com/office/drawing/2010/main" Requires="a14">
+          <p:sp>
+            <p:nvSpPr>
+              <p:cNvPr id="49" name="Rectangle 48">
+                <a:extLst>
+                  <a:ext uri="{FF2B5EF4-FFF2-40B4-BE49-F238E27FC236}">
+                    <a16:creationId xmlns:a16="http://schemas.microsoft.com/office/drawing/2014/main" id="{F14BD6D6-9D25-49AA-9912-9EB99B67DD39}"/>
+                  </a:ext>
+                </a:extLst>
+              </p:cNvPr>
+              <p:cNvSpPr/>
+              <p:nvPr/>
+            </p:nvSpPr>
+            <p:spPr>
+              <a:xfrm>
+                <a:off x="5326563" y="5314193"/>
+                <a:ext cx="387528" cy="548640"/>
+              </a:xfrm>
+              <a:prstGeom prst="rect">
+                <a:avLst/>
+              </a:prstGeom>
+              <a:solidFill>
+                <a:schemeClr val="bg1"/>
+              </a:solidFill>
+              <a:ln w="19050">
+                <a:solidFill>
+                  <a:schemeClr val="accent1"/>
+                </a:solidFill>
+              </a:ln>
+            </p:spPr>
+            <p:style>
+              <a:lnRef idx="2">
+                <a:schemeClr val="accent1">
+                  <a:shade val="50000"/>
+                </a:schemeClr>
+              </a:lnRef>
+              <a:fillRef idx="1">
+                <a:schemeClr val="accent1"/>
+              </a:fillRef>
+              <a:effectRef idx="0">
+                <a:schemeClr val="accent1"/>
+              </a:effectRef>
+              <a:fontRef idx="minor">
+                <a:schemeClr val="lt1"/>
+              </a:fontRef>
+            </p:style>
+            <p:txBody>
+              <a:bodyPr rtlCol="0" anchor="ctr"/>
+              <a:lstStyle/>
+              <a:p>
+                <a:pPr algn="ctr"/>
+                <a14:m>
+                  <m:oMathPara xmlns:m="http://schemas.openxmlformats.org/officeDocument/2006/math">
+                    <m:oMathParaPr>
+                      <m:jc m:val="centerGroup"/>
+                    </m:oMathParaPr>
+                    <m:oMath xmlns:m="http://schemas.openxmlformats.org/officeDocument/2006/math">
+                      <m:f>
+                        <m:fPr>
+                          <m:ctrlPr>
+                            <a:rPr lang="fr-FR" sz="1200" b="0" i="1" smtClean="0">
+                              <a:solidFill>
+                                <a:sysClr val="windowText" lastClr="000000"/>
+                              </a:solidFill>
+                              <a:latin typeface="Cambria Math" panose="02040503050406030204" pitchFamily="18" charset="0"/>
+                            </a:rPr>
+                          </m:ctrlPr>
+                        </m:fPr>
+                        <m:num>
+                          <m:r>
+                            <a:rPr lang="fr-FR" sz="1200" b="0" i="1" smtClean="0">
+                              <a:solidFill>
+                                <a:sysClr val="windowText" lastClr="000000"/>
+                              </a:solidFill>
+                              <a:latin typeface="Cambria Math" panose="02040503050406030204" pitchFamily="18" charset="0"/>
+                            </a:rPr>
+                            <m:t>1</m:t>
+                          </m:r>
+                        </m:num>
+                        <m:den>
+                          <m:sSub>
+                            <m:sSubPr>
+                              <m:ctrlPr>
+                                <a:rPr lang="fr-FR" sz="1200" b="0" i="1" smtClean="0">
+                                  <a:solidFill>
+                                    <a:sysClr val="windowText" lastClr="000000"/>
+                                  </a:solidFill>
+                                  <a:latin typeface="Cambria Math" panose="02040503050406030204" pitchFamily="18" charset="0"/>
+                                </a:rPr>
+                              </m:ctrlPr>
+                            </m:sSubPr>
+                            <m:e>
+                              <m:r>
+                                <a:rPr lang="fr-FR" sz="1200" b="0" i="1" smtClean="0">
+                                  <a:solidFill>
+                                    <a:sysClr val="windowText" lastClr="000000"/>
+                                  </a:solidFill>
+                                  <a:latin typeface="Cambria Math" panose="02040503050406030204" pitchFamily="18" charset="0"/>
+                                </a:rPr>
+                                <m:t>𝐽</m:t>
+                              </m:r>
+                            </m:e>
+                            <m:sub>
+                              <m:r>
+                                <a:rPr lang="fr-FR" sz="1200" b="0" i="1" smtClean="0">
+                                  <a:solidFill>
+                                    <a:sysClr val="windowText" lastClr="000000"/>
+                                  </a:solidFill>
+                                  <a:latin typeface="Cambria Math" panose="02040503050406030204" pitchFamily="18" charset="0"/>
+                                </a:rPr>
+                                <m:t>é</m:t>
+                              </m:r>
+                              <m:r>
+                                <a:rPr lang="fr-FR" sz="1200" b="0" i="1" smtClean="0">
+                                  <a:solidFill>
+                                    <a:sysClr val="windowText" lastClr="000000"/>
+                                  </a:solidFill>
+                                  <a:latin typeface="Cambria Math" panose="02040503050406030204" pitchFamily="18" charset="0"/>
+                                </a:rPr>
+                                <m:t>𝑞𝑢</m:t>
+                              </m:r>
+                            </m:sub>
+                          </m:sSub>
+                        </m:den>
+                      </m:f>
+                    </m:oMath>
+                  </m:oMathPara>
+                </a14:m>
+                <a:endParaRPr lang="fr-FR" sz="1200" dirty="0">
+                  <a:solidFill>
+                    <a:sysClr val="windowText" lastClr="000000"/>
+                  </a:solidFill>
+                </a:endParaRPr>
+              </a:p>
+            </p:txBody>
+          </p:sp>
+        </mc:Choice>
+        <mc:Fallback>
+          <p:sp>
+            <p:nvSpPr>
+              <p:cNvPr id="49" name="Rectangle 48">
+                <a:extLst>
+                  <a:ext uri="{FF2B5EF4-FFF2-40B4-BE49-F238E27FC236}">
+                    <a16:creationId xmlns:a16="http://schemas.microsoft.com/office/drawing/2014/main" id="{F14BD6D6-9D25-49AA-9912-9EB99B67DD39}"/>
+                  </a:ext>
+                </a:extLst>
+              </p:cNvPr>
+              <p:cNvSpPr>
+                <a:spLocks noRot="1" noChangeAspect="1" noMove="1" noResize="1" noEditPoints="1" noAdjustHandles="1" noChangeArrowheads="1" noChangeShapeType="1" noTextEdit="1"/>
+              </p:cNvSpPr>
+              <p:nvPr/>
+            </p:nvSpPr>
+            <p:spPr>
+              <a:xfrm>
+                <a:off x="5326563" y="5314193"/>
+                <a:ext cx="387528" cy="548640"/>
+              </a:xfrm>
+              <a:prstGeom prst="rect">
+                <a:avLst/>
+              </a:prstGeom>
+              <a:blipFill>
+                <a:blip r:embed="rId4"/>
+                <a:stretch>
+                  <a:fillRect l="-3030"/>
+                </a:stretch>
+              </a:blipFill>
+              <a:ln w="19050">
+                <a:solidFill>
+                  <a:schemeClr val="accent1"/>
+                </a:solidFill>
+              </a:ln>
+            </p:spPr>
+            <p:txBody>
+              <a:bodyPr/>
+              <a:lstStyle/>
+              <a:p>
+                <a:r>
+                  <a:rPr lang="fr-FR">
+                    <a:noFill/>
+                  </a:rPr>
+                  <a:t> </a:t>
+                </a:r>
+              </a:p>
+            </p:txBody>
+          </p:sp>
+        </mc:Fallback>
+      </mc:AlternateContent>
+      <mc:AlternateContent xmlns:mc="http://schemas.openxmlformats.org/markup-compatibility/2006">
+        <mc:Choice xmlns:a14="http://schemas.microsoft.com/office/drawing/2010/main" Requires="a14">
+          <p:sp>
+            <p:nvSpPr>
+              <p:cNvPr id="50" name="Rectangle 49">
+                <a:extLst>
+                  <a:ext uri="{FF2B5EF4-FFF2-40B4-BE49-F238E27FC236}">
+                    <a16:creationId xmlns:a16="http://schemas.microsoft.com/office/drawing/2014/main" id="{70590105-1686-4665-8714-DA2575DD30E9}"/>
+                  </a:ext>
+                </a:extLst>
+              </p:cNvPr>
+              <p:cNvSpPr/>
+              <p:nvPr/>
+            </p:nvSpPr>
+            <p:spPr>
+              <a:xfrm>
+                <a:off x="5326559" y="4929890"/>
+                <a:ext cx="387527" cy="226970"/>
+              </a:xfrm>
+              <a:prstGeom prst="rect">
+                <a:avLst/>
+              </a:prstGeom>
+              <a:solidFill>
+                <a:schemeClr val="bg1"/>
+              </a:solidFill>
+              <a:ln w="19050">
+                <a:solidFill>
+                  <a:schemeClr val="accent1"/>
+                </a:solidFill>
+              </a:ln>
+            </p:spPr>
+            <p:style>
+              <a:lnRef idx="2">
+                <a:schemeClr val="accent1">
+                  <a:shade val="50000"/>
+                </a:schemeClr>
+              </a:lnRef>
+              <a:fillRef idx="1">
+                <a:schemeClr val="accent1"/>
+              </a:fillRef>
+              <a:effectRef idx="0">
+                <a:schemeClr val="accent1"/>
+              </a:effectRef>
+              <a:fontRef idx="minor">
+                <a:schemeClr val="lt1"/>
+              </a:fontRef>
+            </p:style>
+            <p:txBody>
+              <a:bodyPr rtlCol="0" anchor="ctr"/>
+              <a:lstStyle/>
+              <a:p>
+                <a:pPr algn="ctr"/>
+                <a14:m>
+                  <m:oMathPara xmlns:m="http://schemas.openxmlformats.org/officeDocument/2006/math">
+                    <m:oMathParaPr>
+                      <m:jc m:val="centerGroup"/>
+                    </m:oMathParaPr>
+                    <m:oMath xmlns:m="http://schemas.openxmlformats.org/officeDocument/2006/math">
+                      <m:sSub>
+                        <m:sSubPr>
+                          <m:ctrlPr>
+                            <a:rPr lang="fr-FR" sz="1200" b="0" i="1" smtClean="0">
+                              <a:solidFill>
+                                <a:sysClr val="windowText" lastClr="000000"/>
+                              </a:solidFill>
+                              <a:latin typeface="Cambria Math" panose="02040503050406030204" pitchFamily="18" charset="0"/>
+                            </a:rPr>
+                          </m:ctrlPr>
+                        </m:sSubPr>
+                        <m:e>
+                          <m:r>
+                            <a:rPr lang="fr-FR" sz="1200" b="0" i="1" smtClean="0">
+                              <a:solidFill>
+                                <a:sysClr val="windowText" lastClr="000000"/>
+                              </a:solidFill>
+                              <a:latin typeface="Cambria Math" panose="02040503050406030204" pitchFamily="18" charset="0"/>
+                            </a:rPr>
+                            <m:t>𝑓</m:t>
+                          </m:r>
+                        </m:e>
+                        <m:sub>
+                          <m:r>
+                            <a:rPr lang="fr-FR" sz="1200" b="0" i="1" smtClean="0">
+                              <a:solidFill>
+                                <a:sysClr val="windowText" lastClr="000000"/>
+                              </a:solidFill>
+                              <a:latin typeface="Cambria Math" panose="02040503050406030204" pitchFamily="18" charset="0"/>
+                            </a:rPr>
+                            <m:t>𝑣</m:t>
+                          </m:r>
+                        </m:sub>
+                      </m:sSub>
+                    </m:oMath>
+                  </m:oMathPara>
+                </a14:m>
+                <a:endParaRPr lang="fr-FR" sz="1200" dirty="0">
+                  <a:solidFill>
+                    <a:sysClr val="windowText" lastClr="000000"/>
+                  </a:solidFill>
+                </a:endParaRPr>
+              </a:p>
+            </p:txBody>
+          </p:sp>
+        </mc:Choice>
+        <mc:Fallback>
+          <p:sp>
+            <p:nvSpPr>
+              <p:cNvPr id="50" name="Rectangle 49">
+                <a:extLst>
+                  <a:ext uri="{FF2B5EF4-FFF2-40B4-BE49-F238E27FC236}">
+                    <a16:creationId xmlns:a16="http://schemas.microsoft.com/office/drawing/2014/main" id="{70590105-1686-4665-8714-DA2575DD30E9}"/>
+                  </a:ext>
+                </a:extLst>
+              </p:cNvPr>
+              <p:cNvSpPr>
+                <a:spLocks noRot="1" noChangeAspect="1" noMove="1" noResize="1" noEditPoints="1" noAdjustHandles="1" noChangeArrowheads="1" noChangeShapeType="1" noTextEdit="1"/>
+              </p:cNvSpPr>
+              <p:nvPr/>
+            </p:nvSpPr>
+            <p:spPr>
+              <a:xfrm>
+                <a:off x="5326559" y="4929890"/>
+                <a:ext cx="387527" cy="226970"/>
+              </a:xfrm>
+              <a:prstGeom prst="rect">
+                <a:avLst/>
+              </a:prstGeom>
+              <a:blipFill>
+                <a:blip r:embed="rId5"/>
+                <a:stretch>
+                  <a:fillRect b="-10000"/>
+                </a:stretch>
+              </a:blipFill>
+              <a:ln w="19050">
+                <a:solidFill>
+                  <a:schemeClr val="accent1"/>
+                </a:solidFill>
+              </a:ln>
+            </p:spPr>
+            <p:txBody>
+              <a:bodyPr/>
+              <a:lstStyle/>
+              <a:p>
+                <a:r>
+                  <a:rPr lang="fr-FR">
+                    <a:noFill/>
+                  </a:rPr>
+                  <a:t> </a:t>
+                </a:r>
+              </a:p>
+            </p:txBody>
+          </p:sp>
+        </mc:Fallback>
+      </mc:AlternateContent>
+      <mc:AlternateContent xmlns:mc="http://schemas.openxmlformats.org/markup-compatibility/2006">
+        <mc:Choice xmlns:a14="http://schemas.microsoft.com/office/drawing/2010/main" Requires="a14">
+          <p:sp>
+            <p:nvSpPr>
+              <p:cNvPr id="57" name="Rectangle 56">
+                <a:extLst>
+                  <a:ext uri="{FF2B5EF4-FFF2-40B4-BE49-F238E27FC236}">
+                    <a16:creationId xmlns:a16="http://schemas.microsoft.com/office/drawing/2014/main" id="{F940A5E9-A643-4FA8-8EAE-E01AA1C05AE4}"/>
+                  </a:ext>
+                </a:extLst>
+              </p:cNvPr>
+              <p:cNvSpPr/>
+              <p:nvPr/>
+            </p:nvSpPr>
+            <p:spPr>
+              <a:xfrm flipH="1">
+                <a:off x="5253682" y="6020166"/>
+                <a:ext cx="556282" cy="314658"/>
+              </a:xfrm>
+              <a:prstGeom prst="rect">
+                <a:avLst/>
+              </a:prstGeom>
+              <a:solidFill>
+                <a:schemeClr val="bg1"/>
+              </a:solidFill>
+              <a:ln w="19050">
+                <a:solidFill>
+                  <a:schemeClr val="accent1"/>
+                </a:solidFill>
+              </a:ln>
+            </p:spPr>
+            <p:style>
+              <a:lnRef idx="2">
+                <a:schemeClr val="accent1">
+                  <a:shade val="50000"/>
+                </a:schemeClr>
+              </a:lnRef>
+              <a:fillRef idx="1">
+                <a:schemeClr val="accent1"/>
+              </a:fillRef>
+              <a:effectRef idx="0">
+                <a:schemeClr val="accent1"/>
+              </a:effectRef>
+              <a:fontRef idx="minor">
+                <a:schemeClr val="lt1"/>
+              </a:fontRef>
+            </p:style>
+            <p:txBody>
+              <a:bodyPr rtlCol="0" anchor="ctr"/>
+              <a:lstStyle/>
+              <a:p>
+                <a:pPr algn="ctr"/>
+                <a14:m>
+                  <m:oMathPara xmlns:m="http://schemas.openxmlformats.org/officeDocument/2006/math">
+                    <m:oMathParaPr>
+                      <m:jc m:val="centerGroup"/>
+                    </m:oMathParaPr>
+                    <m:oMath xmlns:m="http://schemas.openxmlformats.org/officeDocument/2006/math">
+                      <m:sSub>
+                        <m:sSubPr>
+                          <m:ctrlPr>
+                            <a:rPr lang="fr-FR" sz="1200" b="0" i="1" smtClean="0">
+                              <a:solidFill>
+                                <a:sysClr val="windowText" lastClr="000000"/>
+                              </a:solidFill>
+                              <a:latin typeface="Cambria Math" panose="02040503050406030204" pitchFamily="18" charset="0"/>
+                            </a:rPr>
+                          </m:ctrlPr>
+                        </m:sSubPr>
+                        <m:e>
+                          <m:r>
+                            <a:rPr lang="fr-FR" sz="1200" b="0" i="1" smtClean="0">
+                              <a:solidFill>
+                                <a:sysClr val="windowText" lastClr="000000"/>
+                              </a:solidFill>
+                              <a:latin typeface="Cambria Math" panose="02040503050406030204" pitchFamily="18" charset="0"/>
+                            </a:rPr>
+                            <m:t>𝑘</m:t>
+                          </m:r>
+                        </m:e>
+                        <m:sub>
+                          <m:r>
+                            <a:rPr lang="fr-FR" sz="1200" b="0" i="1" smtClean="0">
+                              <a:solidFill>
+                                <a:sysClr val="windowText" lastClr="000000"/>
+                              </a:solidFill>
+                              <a:latin typeface="Cambria Math" panose="02040503050406030204" pitchFamily="18" charset="0"/>
+                            </a:rPr>
+                            <m:t>𝑒</m:t>
+                          </m:r>
+                        </m:sub>
+                      </m:sSub>
+                    </m:oMath>
+                  </m:oMathPara>
+                </a14:m>
+                <a:endParaRPr lang="fr-FR" sz="1200" dirty="0">
+                  <a:solidFill>
+                    <a:sysClr val="windowText" lastClr="000000"/>
+                  </a:solidFill>
+                </a:endParaRPr>
+              </a:p>
+            </p:txBody>
+          </p:sp>
+        </mc:Choice>
+        <mc:Fallback>
+          <p:sp>
+            <p:nvSpPr>
+              <p:cNvPr id="57" name="Rectangle 56">
+                <a:extLst>
+                  <a:ext uri="{FF2B5EF4-FFF2-40B4-BE49-F238E27FC236}">
+                    <a16:creationId xmlns:a16="http://schemas.microsoft.com/office/drawing/2014/main" id="{F940A5E9-A643-4FA8-8EAE-E01AA1C05AE4}"/>
+                  </a:ext>
+                </a:extLst>
+              </p:cNvPr>
+              <p:cNvSpPr>
+                <a:spLocks noRot="1" noChangeAspect="1" noMove="1" noResize="1" noEditPoints="1" noAdjustHandles="1" noChangeArrowheads="1" noChangeShapeType="1" noTextEdit="1"/>
+              </p:cNvSpPr>
+              <p:nvPr/>
+            </p:nvSpPr>
+            <p:spPr>
+              <a:xfrm flipH="1">
+                <a:off x="5253682" y="6020166"/>
+                <a:ext cx="556282" cy="314658"/>
+              </a:xfrm>
+              <a:prstGeom prst="rect">
+                <a:avLst/>
+              </a:prstGeom>
+              <a:blipFill>
+                <a:blip r:embed="rId6"/>
+                <a:stretch>
+                  <a:fillRect/>
+                </a:stretch>
+              </a:blipFill>
+              <a:ln w="19050">
+                <a:solidFill>
+                  <a:schemeClr val="accent1"/>
+                </a:solidFill>
+              </a:ln>
+            </p:spPr>
+            <p:txBody>
+              <a:bodyPr/>
+              <a:lstStyle/>
+              <a:p>
+                <a:r>
+                  <a:rPr lang="fr-FR">
+                    <a:noFill/>
+                  </a:rPr>
+                  <a:t> </a:t>
+                </a:r>
+              </a:p>
+            </p:txBody>
+          </p:sp>
+        </mc:Fallback>
+      </mc:AlternateContent>
+      <p:cxnSp>
+        <p:nvCxnSpPr>
+          <p:cNvPr id="61" name="Connecteur droit avec flèche 60">
+            <a:extLst>
+              <a:ext uri="{FF2B5EF4-FFF2-40B4-BE49-F238E27FC236}">
+                <a16:creationId xmlns:a16="http://schemas.microsoft.com/office/drawing/2014/main" id="{DE5033B7-0791-4A3F-9585-3F503DC3877B}"/>
+              </a:ext>
+            </a:extLst>
+          </p:cNvPr>
+          <p:cNvCxnSpPr>
+            <a:cxnSpLocks/>
+          </p:cNvCxnSpPr>
+          <p:nvPr/>
+        </p:nvCxnSpPr>
+        <p:spPr>
+          <a:xfrm>
+            <a:off x="5714086" y="5591706"/>
+            <a:ext cx="1209040" cy="0"/>
+          </a:xfrm>
+          <a:prstGeom prst="straightConnector1">
+            <a:avLst/>
+          </a:prstGeom>
+          <a:ln w="19050">
+            <a:headEnd w="med" len="lg"/>
+            <a:tailEnd type="stealth" w="med" len="lg"/>
+          </a:ln>
+        </p:spPr>
+        <p:style>
+          <a:lnRef idx="1">
+            <a:schemeClr val="accent1"/>
+          </a:lnRef>
+          <a:fillRef idx="0">
+            <a:schemeClr val="accent1"/>
+          </a:fillRef>
+          <a:effectRef idx="0">
+            <a:schemeClr val="accent1"/>
+          </a:effectRef>
+          <a:fontRef idx="minor">
+            <a:schemeClr val="tx1"/>
+          </a:fontRef>
+        </p:style>
+      </p:cxnSp>
+      <p:cxnSp>
+        <p:nvCxnSpPr>
+          <p:cNvPr id="63" name="Connecteur droit avec flèche 62">
+            <a:extLst>
+              <a:ext uri="{FF2B5EF4-FFF2-40B4-BE49-F238E27FC236}">
+                <a16:creationId xmlns:a16="http://schemas.microsoft.com/office/drawing/2014/main" id="{39B4908E-5FD3-4E6D-95BC-049F60533550}"/>
+              </a:ext>
+            </a:extLst>
+          </p:cNvPr>
+          <p:cNvCxnSpPr>
+            <a:cxnSpLocks/>
+            <a:endCxn id="50" idx="3"/>
+          </p:cNvCxnSpPr>
+          <p:nvPr/>
+        </p:nvCxnSpPr>
+        <p:spPr>
+          <a:xfrm flipH="1">
+            <a:off x="5714086" y="5037148"/>
+            <a:ext cx="410198" cy="6227"/>
+          </a:xfrm>
+          <a:prstGeom prst="straightConnector1">
+            <a:avLst/>
+          </a:prstGeom>
+          <a:ln w="19050">
+            <a:headEnd w="med" len="lg"/>
+            <a:tailEnd type="stealth" w="med" len="lg"/>
+          </a:ln>
+        </p:spPr>
+        <p:style>
+          <a:lnRef idx="1">
+            <a:schemeClr val="accent1"/>
+          </a:lnRef>
+          <a:fillRef idx="0">
+            <a:schemeClr val="accent1"/>
+          </a:fillRef>
+          <a:effectRef idx="0">
+            <a:schemeClr val="accent1"/>
+          </a:effectRef>
+          <a:fontRef idx="minor">
+            <a:schemeClr val="tx1"/>
+          </a:fontRef>
+        </p:style>
+      </p:cxnSp>
+      <p:cxnSp>
+        <p:nvCxnSpPr>
+          <p:cNvPr id="66" name="Connecteur droit avec flèche 65">
+            <a:extLst>
+              <a:ext uri="{FF2B5EF4-FFF2-40B4-BE49-F238E27FC236}">
+                <a16:creationId xmlns:a16="http://schemas.microsoft.com/office/drawing/2014/main" id="{9AD0BA16-8B05-4E3C-86F3-6D94F57C96D6}"/>
+              </a:ext>
+            </a:extLst>
+          </p:cNvPr>
+          <p:cNvCxnSpPr>
+            <a:cxnSpLocks/>
+            <a:endCxn id="57" idx="1"/>
+          </p:cNvCxnSpPr>
+          <p:nvPr/>
+        </p:nvCxnSpPr>
+        <p:spPr>
+          <a:xfrm flipH="1">
+            <a:off x="5809964" y="6171268"/>
+            <a:ext cx="314320" cy="0"/>
+          </a:xfrm>
+          <a:prstGeom prst="straightConnector1">
+            <a:avLst/>
+          </a:prstGeom>
+          <a:ln w="19050">
+            <a:headEnd w="med" len="lg"/>
+            <a:tailEnd type="stealth" w="med" len="lg"/>
+          </a:ln>
+        </p:spPr>
+        <p:style>
+          <a:lnRef idx="1">
+            <a:schemeClr val="accent1"/>
+          </a:lnRef>
+          <a:fillRef idx="0">
+            <a:schemeClr val="accent1"/>
+          </a:fillRef>
+          <a:effectRef idx="0">
+            <a:schemeClr val="accent1"/>
+          </a:effectRef>
+          <a:fontRef idx="minor">
+            <a:schemeClr val="tx1"/>
+          </a:fontRef>
+        </p:style>
+      </p:cxnSp>
+      <p:cxnSp>
+        <p:nvCxnSpPr>
+          <p:cNvPr id="73" name="Connecteur droit avec flèche 72">
+            <a:extLst>
+              <a:ext uri="{FF2B5EF4-FFF2-40B4-BE49-F238E27FC236}">
+                <a16:creationId xmlns:a16="http://schemas.microsoft.com/office/drawing/2014/main" id="{1C914FD4-6503-499F-B3F6-0949FE8DCB8B}"/>
+              </a:ext>
+            </a:extLst>
+          </p:cNvPr>
+          <p:cNvCxnSpPr>
+            <a:cxnSpLocks/>
+          </p:cNvCxnSpPr>
+          <p:nvPr/>
+        </p:nvCxnSpPr>
+        <p:spPr>
+          <a:xfrm>
+            <a:off x="6124284" y="5043375"/>
+            <a:ext cx="0" cy="1127893"/>
+          </a:xfrm>
+          <a:prstGeom prst="straightConnector1">
+            <a:avLst/>
+          </a:prstGeom>
+          <a:ln w="19050">
+            <a:headEnd w="med" len="lg"/>
+            <a:tailEnd type="none" w="med" len="lg"/>
+          </a:ln>
+        </p:spPr>
+        <p:style>
+          <a:lnRef idx="1">
+            <a:schemeClr val="accent1"/>
+          </a:lnRef>
+          <a:fillRef idx="0">
+            <a:schemeClr val="accent1"/>
+          </a:fillRef>
+          <a:effectRef idx="0">
+            <a:schemeClr val="accent1"/>
+          </a:effectRef>
+          <a:fontRef idx="minor">
+            <a:schemeClr val="tx1"/>
+          </a:fontRef>
+        </p:style>
+      </p:cxnSp>
+      <mc:AlternateContent xmlns:mc="http://schemas.openxmlformats.org/markup-compatibility/2006">
+        <mc:Choice xmlns:a14="http://schemas.microsoft.com/office/drawing/2010/main" Requires="a14">
+          <p:sp>
+            <p:nvSpPr>
+              <p:cNvPr id="77" name="ZoneTexte 76">
+                <a:extLst>
+                  <a:ext uri="{FF2B5EF4-FFF2-40B4-BE49-F238E27FC236}">
+                    <a16:creationId xmlns:a16="http://schemas.microsoft.com/office/drawing/2014/main" id="{BBE09C27-95D9-43AF-A068-99A8262B5F88}"/>
+                  </a:ext>
+                </a:extLst>
+              </p:cNvPr>
+              <p:cNvSpPr txBox="1"/>
+              <p:nvPr/>
+            </p:nvSpPr>
+            <p:spPr>
+              <a:xfrm>
+                <a:off x="6096000" y="5136363"/>
+                <a:ext cx="1277118" cy="461665"/>
+              </a:xfrm>
+              <a:prstGeom prst="rect">
+                <a:avLst/>
+              </a:prstGeom>
+              <a:noFill/>
+            </p:spPr>
+            <p:txBody>
+              <a:bodyPr wrap="square" rtlCol="0">
+                <a:spAutoFit/>
+              </a:bodyPr>
+              <a:lstStyle/>
+              <a:p>
+                <a14:m>
+                  <m:oMath xmlns:m="http://schemas.openxmlformats.org/officeDocument/2006/math">
+                    <m:r>
+                      <m:rPr>
+                        <m:sty m:val="p"/>
+                      </m:rPr>
+                      <a:rPr lang="fr-FR" sz="1200" b="0" i="0" dirty="0" smtClean="0">
+                        <a:latin typeface="Cambria Math" panose="02040503050406030204" pitchFamily="18" charset="0"/>
+                      </a:rPr>
+                      <m:t>Ω</m:t>
+                    </m:r>
+                  </m:oMath>
+                </a14:m>
+                <a:r>
+                  <a:rPr lang="fr-FR" sz="1200" dirty="0"/>
+                  <a:t> moto réducteur (rad/s)</a:t>
+                </a:r>
+              </a:p>
+            </p:txBody>
+          </p:sp>
+        </mc:Choice>
+        <mc:Fallback>
+          <p:sp>
+            <p:nvSpPr>
+              <p:cNvPr id="77" name="ZoneTexte 76">
+                <a:extLst>
+                  <a:ext uri="{FF2B5EF4-FFF2-40B4-BE49-F238E27FC236}">
+                    <a16:creationId xmlns:a16="http://schemas.microsoft.com/office/drawing/2014/main" id="{BBE09C27-95D9-43AF-A068-99A8262B5F88}"/>
+                  </a:ext>
+                </a:extLst>
+              </p:cNvPr>
+              <p:cNvSpPr txBox="1">
+                <a:spLocks noRot="1" noChangeAspect="1" noMove="1" noResize="1" noEditPoints="1" noAdjustHandles="1" noChangeArrowheads="1" noChangeShapeType="1" noTextEdit="1"/>
+              </p:cNvSpPr>
+              <p:nvPr/>
+            </p:nvSpPr>
+            <p:spPr>
+              <a:xfrm>
+                <a:off x="6096000" y="5136363"/>
+                <a:ext cx="1277118" cy="461665"/>
+              </a:xfrm>
+              <a:prstGeom prst="rect">
+                <a:avLst/>
+              </a:prstGeom>
+              <a:blipFill>
+                <a:blip r:embed="rId7"/>
+                <a:stretch>
+                  <a:fillRect t="-1333" b="-10667"/>
+                </a:stretch>
+              </a:blipFill>
+            </p:spPr>
+            <p:txBody>
+              <a:bodyPr/>
+              <a:lstStyle/>
+              <a:p>
+                <a:r>
+                  <a:rPr lang="fr-FR">
+                    <a:noFill/>
+                  </a:rPr>
+                  <a:t> </a:t>
+                </a:r>
+              </a:p>
+            </p:txBody>
+          </p:sp>
+        </mc:Fallback>
+      </mc:AlternateContent>
+      <mc:AlternateContent xmlns:mc="http://schemas.openxmlformats.org/markup-compatibility/2006">
+        <mc:Choice xmlns:a14="http://schemas.microsoft.com/office/drawing/2010/main" Requires="a14">
+          <p:sp>
+            <p:nvSpPr>
+              <p:cNvPr id="78" name="ZoneTexte 77">
+                <a:extLst>
+                  <a:ext uri="{FF2B5EF4-FFF2-40B4-BE49-F238E27FC236}">
+                    <a16:creationId xmlns:a16="http://schemas.microsoft.com/office/drawing/2014/main" id="{1FB6DEF8-A9FF-4D99-AFB3-2A51647BEA6C}"/>
+                  </a:ext>
+                </a:extLst>
+              </p:cNvPr>
+              <p:cNvSpPr txBox="1"/>
+              <p:nvPr/>
+            </p:nvSpPr>
+            <p:spPr>
+              <a:xfrm>
+                <a:off x="3910472" y="4885545"/>
+                <a:ext cx="485373" cy="276999"/>
+              </a:xfrm>
+              <a:prstGeom prst="rect">
+                <a:avLst/>
+              </a:prstGeom>
+              <a:noFill/>
+            </p:spPr>
+            <p:txBody>
+              <a:bodyPr wrap="square" rtlCol="0">
+                <a:spAutoFit/>
+              </a:bodyPr>
+              <a:lstStyle/>
+              <a:p>
+                <a:pPr/>
+                <a14:m>
+                  <m:oMathPara xmlns:m="http://schemas.openxmlformats.org/officeDocument/2006/math">
+                    <m:oMathParaPr>
+                      <m:jc m:val="centerGroup"/>
+                    </m:oMathParaPr>
+                    <m:oMath xmlns:m="http://schemas.openxmlformats.org/officeDocument/2006/math">
+                      <m:sSub>
+                        <m:sSubPr>
+                          <m:ctrlPr>
+                            <a:rPr lang="fr-FR" sz="1200" b="0" i="1" dirty="0" smtClean="0">
+                              <a:latin typeface="Cambria Math" panose="02040503050406030204" pitchFamily="18" charset="0"/>
+                            </a:rPr>
+                          </m:ctrlPr>
+                        </m:sSubPr>
+                        <m:e>
+                          <m:r>
+                            <a:rPr lang="fr-FR" sz="1200" b="0" i="1" dirty="0" smtClean="0">
+                              <a:latin typeface="Cambria Math" panose="02040503050406030204" pitchFamily="18" charset="0"/>
+                            </a:rPr>
+                            <m:t>𝐶</m:t>
+                          </m:r>
+                        </m:e>
+                        <m:sub>
+                          <m:r>
+                            <a:rPr lang="fr-FR" sz="1200" b="0" i="1" dirty="0" smtClean="0">
+                              <a:latin typeface="Cambria Math" panose="02040503050406030204" pitchFamily="18" charset="0"/>
+                            </a:rPr>
+                            <m:t>𝑟</m:t>
+                          </m:r>
+                        </m:sub>
+                      </m:sSub>
+                    </m:oMath>
+                  </m:oMathPara>
+                </a14:m>
+                <a:endParaRPr lang="fr-FR" sz="1200" dirty="0"/>
+              </a:p>
+            </p:txBody>
+          </p:sp>
+        </mc:Choice>
+        <mc:Fallback>
+          <p:sp>
+            <p:nvSpPr>
+              <p:cNvPr id="78" name="ZoneTexte 77">
+                <a:extLst>
+                  <a:ext uri="{FF2B5EF4-FFF2-40B4-BE49-F238E27FC236}">
+                    <a16:creationId xmlns:a16="http://schemas.microsoft.com/office/drawing/2014/main" id="{1FB6DEF8-A9FF-4D99-AFB3-2A51647BEA6C}"/>
+                  </a:ext>
+                </a:extLst>
+              </p:cNvPr>
+              <p:cNvSpPr txBox="1">
+                <a:spLocks noRot="1" noChangeAspect="1" noMove="1" noResize="1" noEditPoints="1" noAdjustHandles="1" noChangeArrowheads="1" noChangeShapeType="1" noTextEdit="1"/>
+              </p:cNvSpPr>
+              <p:nvPr/>
+            </p:nvSpPr>
+            <p:spPr>
+              <a:xfrm>
+                <a:off x="3910472" y="4885545"/>
+                <a:ext cx="485373" cy="276999"/>
+              </a:xfrm>
+              <a:prstGeom prst="rect">
+                <a:avLst/>
+              </a:prstGeom>
+              <a:blipFill>
+                <a:blip r:embed="rId8"/>
+                <a:stretch>
+                  <a:fillRect/>
+                </a:stretch>
+              </a:blipFill>
+            </p:spPr>
+            <p:txBody>
+              <a:bodyPr/>
+              <a:lstStyle/>
+              <a:p>
+                <a:r>
+                  <a:rPr lang="fr-FR">
+                    <a:noFill/>
+                  </a:rPr>
+                  <a:t> </a:t>
+                </a:r>
+              </a:p>
+            </p:txBody>
+          </p:sp>
+        </mc:Fallback>
+      </mc:AlternateContent>
+      <mc:AlternateContent xmlns:mc="http://schemas.openxmlformats.org/markup-compatibility/2006">
+        <mc:Choice xmlns:a14="http://schemas.microsoft.com/office/drawing/2010/main" Requires="a14">
+          <p:sp>
+            <p:nvSpPr>
+              <p:cNvPr id="52" name="ZoneTexte 51">
+                <a:extLst>
+                  <a:ext uri="{FF2B5EF4-FFF2-40B4-BE49-F238E27FC236}">
+                    <a16:creationId xmlns:a16="http://schemas.microsoft.com/office/drawing/2014/main" id="{2A19CF90-583A-4D47-81C6-E95A3FB8771E}"/>
+                  </a:ext>
+                </a:extLst>
+              </p:cNvPr>
+              <p:cNvSpPr txBox="1"/>
+              <p:nvPr/>
+            </p:nvSpPr>
+            <p:spPr>
+              <a:xfrm>
+                <a:off x="2928319" y="5136497"/>
+                <a:ext cx="485373" cy="276999"/>
+              </a:xfrm>
+              <a:prstGeom prst="rect">
+                <a:avLst/>
+              </a:prstGeom>
+              <a:noFill/>
+            </p:spPr>
+            <p:txBody>
+              <a:bodyPr wrap="square" rtlCol="0">
+                <a:spAutoFit/>
+              </a:bodyPr>
+              <a:lstStyle/>
+              <a:p>
+                <a:pPr/>
+                <a14:m>
+                  <m:oMathPara xmlns:m="http://schemas.openxmlformats.org/officeDocument/2006/math">
+                    <m:oMathParaPr>
+                      <m:jc m:val="centerGroup"/>
+                    </m:oMathParaPr>
+                    <m:oMath xmlns:m="http://schemas.openxmlformats.org/officeDocument/2006/math">
+                      <m:r>
+                        <a:rPr lang="fr-FR" sz="1200" b="0" i="1" dirty="0" smtClean="0">
+                          <a:latin typeface="Cambria Math" panose="02040503050406030204" pitchFamily="18" charset="0"/>
+                        </a:rPr>
+                        <m:t>𝐼</m:t>
+                      </m:r>
+                    </m:oMath>
+                  </m:oMathPara>
+                </a14:m>
+                <a:endParaRPr lang="fr-FR" sz="1200" dirty="0"/>
+              </a:p>
+            </p:txBody>
+          </p:sp>
+        </mc:Choice>
+        <mc:Fallback>
+          <p:sp>
+            <p:nvSpPr>
+              <p:cNvPr id="52" name="ZoneTexte 51">
+                <a:extLst>
+                  <a:ext uri="{FF2B5EF4-FFF2-40B4-BE49-F238E27FC236}">
+                    <a16:creationId xmlns:a16="http://schemas.microsoft.com/office/drawing/2014/main" id="{2A19CF90-583A-4D47-81C6-E95A3FB8771E}"/>
+                  </a:ext>
+                </a:extLst>
+              </p:cNvPr>
+              <p:cNvSpPr txBox="1">
+                <a:spLocks noRot="1" noChangeAspect="1" noMove="1" noResize="1" noEditPoints="1" noAdjustHandles="1" noChangeArrowheads="1" noChangeShapeType="1" noTextEdit="1"/>
+              </p:cNvSpPr>
+              <p:nvPr/>
+            </p:nvSpPr>
+            <p:spPr>
+              <a:xfrm>
+                <a:off x="2928319" y="5136497"/>
+                <a:ext cx="485373" cy="276999"/>
+              </a:xfrm>
+              <a:prstGeom prst="rect">
+                <a:avLst/>
+              </a:prstGeom>
+              <a:blipFill>
+                <a:blip r:embed="rId9"/>
+                <a:stretch>
+                  <a:fillRect/>
+                </a:stretch>
+              </a:blipFill>
+            </p:spPr>
+            <p:txBody>
+              <a:bodyPr/>
+              <a:lstStyle/>
+              <a:p>
+                <a:r>
+                  <a:rPr lang="fr-FR">
+                    <a:noFill/>
+                  </a:rPr>
+                  <a:t> </a:t>
+                </a:r>
+              </a:p>
+            </p:txBody>
+          </p:sp>
+        </mc:Fallback>
+      </mc:AlternateContent>
+      <mc:AlternateContent xmlns:mc="http://schemas.openxmlformats.org/markup-compatibility/2006">
+        <mc:Choice xmlns:a14="http://schemas.microsoft.com/office/drawing/2010/main" Requires="a14">
+          <p:sp>
+            <p:nvSpPr>
+              <p:cNvPr id="53" name="ZoneTexte 52">
+                <a:extLst>
+                  <a:ext uri="{FF2B5EF4-FFF2-40B4-BE49-F238E27FC236}">
+                    <a16:creationId xmlns:a16="http://schemas.microsoft.com/office/drawing/2014/main" id="{5376A5D4-0964-406F-9BB8-EBCE25C3FC35}"/>
+                  </a:ext>
+                </a:extLst>
+              </p:cNvPr>
+              <p:cNvSpPr txBox="1"/>
+              <p:nvPr/>
+            </p:nvSpPr>
+            <p:spPr>
+              <a:xfrm>
+                <a:off x="3728402" y="5261921"/>
+                <a:ext cx="485373" cy="276999"/>
+              </a:xfrm>
+              <a:prstGeom prst="rect">
+                <a:avLst/>
+              </a:prstGeom>
+              <a:noFill/>
+            </p:spPr>
+            <p:txBody>
+              <a:bodyPr wrap="square" rtlCol="0">
+                <a:spAutoFit/>
+              </a:bodyPr>
+              <a:lstStyle/>
+              <a:p>
+                <a:pPr/>
+                <a14:m>
+                  <m:oMathPara xmlns:m="http://schemas.openxmlformats.org/officeDocument/2006/math">
+                    <m:oMathParaPr>
+                      <m:jc m:val="centerGroup"/>
+                    </m:oMathParaPr>
+                    <m:oMath xmlns:m="http://schemas.openxmlformats.org/officeDocument/2006/math">
+                      <m:sSub>
+                        <m:sSubPr>
+                          <m:ctrlPr>
+                            <a:rPr lang="fr-FR" sz="1200" b="0" i="1" dirty="0" smtClean="0">
+                              <a:latin typeface="Cambria Math" panose="02040503050406030204" pitchFamily="18" charset="0"/>
+                            </a:rPr>
+                          </m:ctrlPr>
+                        </m:sSubPr>
+                        <m:e>
+                          <m:r>
+                            <a:rPr lang="fr-FR" sz="1200" b="0" i="1" dirty="0" smtClean="0">
+                              <a:latin typeface="Cambria Math" panose="02040503050406030204" pitchFamily="18" charset="0"/>
+                            </a:rPr>
+                            <m:t>𝐶</m:t>
+                          </m:r>
+                        </m:e>
+                        <m:sub>
+                          <m:r>
+                            <a:rPr lang="fr-FR" sz="1200" b="0" i="1" dirty="0" smtClean="0">
+                              <a:latin typeface="Cambria Math" panose="02040503050406030204" pitchFamily="18" charset="0"/>
+                            </a:rPr>
+                            <m:t>𝑟</m:t>
+                          </m:r>
+                          <m:r>
+                            <a:rPr lang="fr-FR" sz="1200" b="0" i="1" dirty="0" smtClean="0">
+                              <a:latin typeface="Cambria Math" panose="02040503050406030204" pitchFamily="18" charset="0"/>
+                            </a:rPr>
+                            <m:t>é</m:t>
+                          </m:r>
+                          <m:r>
+                            <a:rPr lang="fr-FR" sz="1200" b="0" i="1" dirty="0" smtClean="0">
+                              <a:latin typeface="Cambria Math" panose="02040503050406030204" pitchFamily="18" charset="0"/>
+                            </a:rPr>
+                            <m:t>𝑑</m:t>
+                          </m:r>
+                        </m:sub>
+                      </m:sSub>
+                    </m:oMath>
+                  </m:oMathPara>
+                </a14:m>
+                <a:endParaRPr lang="fr-FR" sz="1200" dirty="0"/>
+              </a:p>
+            </p:txBody>
+          </p:sp>
+        </mc:Choice>
+        <mc:Fallback>
+          <p:sp>
+            <p:nvSpPr>
+              <p:cNvPr id="53" name="ZoneTexte 52">
+                <a:extLst>
+                  <a:ext uri="{FF2B5EF4-FFF2-40B4-BE49-F238E27FC236}">
+                    <a16:creationId xmlns:a16="http://schemas.microsoft.com/office/drawing/2014/main" id="{5376A5D4-0964-406F-9BB8-EBCE25C3FC35}"/>
+                  </a:ext>
+                </a:extLst>
+              </p:cNvPr>
+              <p:cNvSpPr txBox="1">
+                <a:spLocks noRot="1" noChangeAspect="1" noMove="1" noResize="1" noEditPoints="1" noAdjustHandles="1" noChangeArrowheads="1" noChangeShapeType="1" noTextEdit="1"/>
+              </p:cNvSpPr>
+              <p:nvPr/>
+            </p:nvSpPr>
+            <p:spPr>
+              <a:xfrm>
+                <a:off x="3728402" y="5261921"/>
+                <a:ext cx="485373" cy="276999"/>
+              </a:xfrm>
+              <a:prstGeom prst="rect">
+                <a:avLst/>
+              </a:prstGeom>
+              <a:blipFill>
+                <a:blip r:embed="rId10"/>
+                <a:stretch>
+                  <a:fillRect/>
+                </a:stretch>
+              </a:blipFill>
+            </p:spPr>
+            <p:txBody>
+              <a:bodyPr/>
+              <a:lstStyle/>
+              <a:p>
+                <a:r>
+                  <a:rPr lang="fr-FR">
+                    <a:noFill/>
+                  </a:rPr>
+                  <a:t> </a:t>
+                </a:r>
+              </a:p>
+            </p:txBody>
+          </p:sp>
+        </mc:Fallback>
+      </mc:AlternateContent>
+      <mc:AlternateContent xmlns:mc="http://schemas.openxmlformats.org/markup-compatibility/2006">
+        <mc:Choice xmlns:a14="http://schemas.microsoft.com/office/drawing/2010/main" Requires="a14">
+          <p:sp>
+            <p:nvSpPr>
+              <p:cNvPr id="72" name="ZoneTexte 71">
+                <a:extLst>
+                  <a:ext uri="{FF2B5EF4-FFF2-40B4-BE49-F238E27FC236}">
+                    <a16:creationId xmlns:a16="http://schemas.microsoft.com/office/drawing/2014/main" id="{17DB39CD-C607-4E70-8728-B581689E77A2}"/>
+                  </a:ext>
+                </a:extLst>
+              </p:cNvPr>
+              <p:cNvSpPr txBox="1"/>
+              <p:nvPr/>
+            </p:nvSpPr>
+            <p:spPr>
+              <a:xfrm>
+                <a:off x="3019533" y="5898384"/>
+                <a:ext cx="485373" cy="276999"/>
+              </a:xfrm>
+              <a:prstGeom prst="rect">
+                <a:avLst/>
+              </a:prstGeom>
+              <a:noFill/>
+            </p:spPr>
+            <p:txBody>
+              <a:bodyPr wrap="square" rtlCol="0">
+                <a:spAutoFit/>
+              </a:bodyPr>
+              <a:lstStyle/>
+              <a:p>
+                <a:pPr/>
+                <a14:m>
+                  <m:oMathPara xmlns:m="http://schemas.openxmlformats.org/officeDocument/2006/math">
+                    <m:oMathParaPr>
+                      <m:jc m:val="centerGroup"/>
+                    </m:oMathParaPr>
+                    <m:oMath xmlns:m="http://schemas.openxmlformats.org/officeDocument/2006/math">
+                      <m:r>
+                        <a:rPr lang="fr-FR" sz="1200" b="0" i="1" smtClean="0">
+                          <a:latin typeface="Cambria Math" panose="02040503050406030204" pitchFamily="18" charset="0"/>
+                        </a:rPr>
+                        <m:t>𝐸</m:t>
+                      </m:r>
+                    </m:oMath>
+                  </m:oMathPara>
+                </a14:m>
+                <a:endParaRPr lang="fr-FR" sz="1200" dirty="0"/>
+              </a:p>
+            </p:txBody>
+          </p:sp>
+        </mc:Choice>
+        <mc:Fallback>
+          <p:sp>
+            <p:nvSpPr>
+              <p:cNvPr id="72" name="ZoneTexte 71">
+                <a:extLst>
+                  <a:ext uri="{FF2B5EF4-FFF2-40B4-BE49-F238E27FC236}">
+                    <a16:creationId xmlns:a16="http://schemas.microsoft.com/office/drawing/2014/main" id="{17DB39CD-C607-4E70-8728-B581689E77A2}"/>
+                  </a:ext>
+                </a:extLst>
+              </p:cNvPr>
+              <p:cNvSpPr txBox="1">
+                <a:spLocks noRot="1" noChangeAspect="1" noMove="1" noResize="1" noEditPoints="1" noAdjustHandles="1" noChangeArrowheads="1" noChangeShapeType="1" noTextEdit="1"/>
+              </p:cNvSpPr>
+              <p:nvPr/>
+            </p:nvSpPr>
+            <p:spPr>
+              <a:xfrm>
+                <a:off x="3019533" y="5898384"/>
+                <a:ext cx="485373" cy="276999"/>
+              </a:xfrm>
+              <a:prstGeom prst="rect">
+                <a:avLst/>
+              </a:prstGeom>
+              <a:blipFill>
+                <a:blip r:embed="rId11"/>
+                <a:stretch>
+                  <a:fillRect/>
+                </a:stretch>
+              </a:blipFill>
+            </p:spPr>
+            <p:txBody>
+              <a:bodyPr/>
+              <a:lstStyle/>
+              <a:p>
+                <a:r>
+                  <a:rPr lang="fr-FR">
+                    <a:noFill/>
+                  </a:rPr>
+                  <a:t> </a:t>
+                </a:r>
+              </a:p>
+            </p:txBody>
+          </p:sp>
+        </mc:Fallback>
+      </mc:AlternateContent>
+    </p:spTree>
+    <p:extLst>
+      <p:ext uri="{BB962C8B-B14F-4D97-AF65-F5344CB8AC3E}">
+        <p14:creationId xmlns:p14="http://schemas.microsoft.com/office/powerpoint/2010/main" val="3789377445"/>
+      </p:ext>
+    </p:extLst>
+  </p:cSld>
+  <p:clrMapOvr>
+    <a:masterClrMapping/>
+  </p:clrMapOvr>
+</p:sld>
+</file>
+
+<file path=ppt/slides/slide4.xml><?xml version="1.0" encoding="utf-8"?>
+<p:sld xmlns:a="http://schemas.openxmlformats.org/drawingml/2006/main" xmlns:r="http://schemas.openxmlformats.org/officeDocument/2006/relationships" xmlns:p="http://schemas.openxmlformats.org/presentationml/2006/main">
+  <p:cSld>
+    <p:spTree>
+      <p:nvGrpSpPr>
+        <p:cNvPr id="1" name=""/>
+        <p:cNvGrpSpPr/>
+        <p:nvPr/>
+      </p:nvGrpSpPr>
+      <p:grpSpPr>
+        <a:xfrm>
+          <a:off x="0" y="0"/>
+          <a:ext cx="0" cy="0"/>
+          <a:chOff x="0" y="0"/>
+          <a:chExt cx="0" cy="0"/>
+        </a:xfrm>
+      </p:grpSpPr>
       <p:sp>
         <p:nvSpPr>
           <p:cNvPr id="4" name="Rectangle 2">
@@ -6274,7 +8868,7 @@
           <a:graphicData uri="http://schemas.openxmlformats.org/presentationml/2006/ole">
             <mc:AlternateContent xmlns:mc="http://schemas.openxmlformats.org/markup-compatibility/2006">
               <mc:Choice xmlns:v="urn:schemas-microsoft-com:vml" Requires="v">
-                <p:oleObj spid="_x0000_s4102" name="Picture" r:id="rId3" imgW="3566160" imgH="1127760" progId="Word.Picture.8">
+                <p:oleObj spid="_x0000_s4105" name="Picture" r:id="rId3" imgW="3566160" imgH="1127760" progId="Word.Picture.8">
                   <p:embed/>
                 </p:oleObj>
               </mc:Choice>
@@ -6396,8 +8990,8 @@
           </a:p>
         </p:txBody>
       </p:sp>
-      <mc:AlternateContent xmlns:mc="http://schemas.openxmlformats.org/markup-compatibility/2006">
-        <mc:Choice xmlns:a14="http://schemas.microsoft.com/office/drawing/2010/main" Requires="a14">
+      <mc:AlternateContent xmlns:mc="http://schemas.openxmlformats.org/markup-compatibility/2006" xmlns:a14="http://schemas.microsoft.com/office/drawing/2010/main">
+        <mc:Choice Requires="a14">
           <p:sp>
             <p:nvSpPr>
               <p:cNvPr id="10" name="Rectangle 9">
@@ -6475,7 +9069,7 @@
             </p:txBody>
           </p:sp>
         </mc:Choice>
-        <mc:Fallback>
+        <mc:Fallback xmlns="">
           <p:sp>
             <p:nvSpPr>
               <p:cNvPr id="10" name="Rectangle 9">
@@ -6853,8 +9447,8 @@
           </a:fontRef>
         </p:style>
       </p:cxnSp>
-      <mc:AlternateContent xmlns:mc="http://schemas.openxmlformats.org/markup-compatibility/2006">
-        <mc:Choice xmlns:a14="http://schemas.microsoft.com/office/drawing/2010/main" Requires="a14">
+      <mc:AlternateContent xmlns:mc="http://schemas.openxmlformats.org/markup-compatibility/2006" xmlns:a14="http://schemas.microsoft.com/office/drawing/2010/main">
+        <mc:Choice Requires="a14">
           <p:sp>
             <p:nvSpPr>
               <p:cNvPr id="38" name="Rectangle 37">
@@ -6959,7 +9553,7 @@
             </p:txBody>
           </p:sp>
         </mc:Choice>
-        <mc:Fallback>
+        <mc:Fallback xmlns="">
           <p:sp>
             <p:nvSpPr>
               <p:cNvPr id="38" name="Rectangle 37">
@@ -7009,8 +9603,8 @@
           </p:sp>
         </mc:Fallback>
       </mc:AlternateContent>
-      <mc:AlternateContent xmlns:mc="http://schemas.openxmlformats.org/markup-compatibility/2006">
-        <mc:Choice xmlns:a14="http://schemas.microsoft.com/office/drawing/2010/main" Requires="a14">
+      <mc:AlternateContent xmlns:mc="http://schemas.openxmlformats.org/markup-compatibility/2006" xmlns:a14="http://schemas.microsoft.com/office/drawing/2010/main">
+        <mc:Choice Requires="a14">
           <p:sp>
             <p:nvSpPr>
               <p:cNvPr id="39" name="ZoneTexte 38">
@@ -7039,6 +9633,7 @@
               </a:bodyPr>
               <a:lstStyle/>
               <a:p>
+                <a:pPr/>
                 <a14:m>
                   <m:oMathPara xmlns:m="http://schemas.openxmlformats.org/officeDocument/2006/math">
                     <m:oMathParaPr>
@@ -7059,7 +9654,7 @@
             </p:txBody>
           </p:sp>
         </mc:Choice>
-        <mc:Fallback>
+        <mc:Fallback xmlns="">
           <p:sp>
             <p:nvSpPr>
               <p:cNvPr id="39" name="ZoneTexte 38">
@@ -7181,8 +9776,8 @@
           </a:fontRef>
         </p:style>
       </p:cxnSp>
-      <mc:AlternateContent xmlns:mc="http://schemas.openxmlformats.org/markup-compatibility/2006">
-        <mc:Choice xmlns:a14="http://schemas.microsoft.com/office/drawing/2010/main" Requires="a14">
+      <mc:AlternateContent xmlns:mc="http://schemas.openxmlformats.org/markup-compatibility/2006" xmlns:a14="http://schemas.microsoft.com/office/drawing/2010/main">
+        <mc:Choice Requires="a14">
           <p:sp>
             <p:nvSpPr>
               <p:cNvPr id="43" name="ZoneTexte 42">
@@ -7233,7 +9828,7 @@
             </p:txBody>
           </p:sp>
         </mc:Choice>
-        <mc:Fallback>
+        <mc:Fallback xmlns="">
           <p:sp>
             <p:nvSpPr>
               <p:cNvPr id="43" name="ZoneTexte 42">
@@ -7320,8 +9915,8 @@
           </a:fontRef>
         </p:style>
       </p:cxnSp>
-      <mc:AlternateContent xmlns:mc="http://schemas.openxmlformats.org/markup-compatibility/2006">
-        <mc:Choice xmlns:a14="http://schemas.microsoft.com/office/drawing/2010/main" Requires="a14">
+      <mc:AlternateContent xmlns:mc="http://schemas.openxmlformats.org/markup-compatibility/2006" xmlns:a14="http://schemas.microsoft.com/office/drawing/2010/main">
+        <mc:Choice Requires="a14">
           <p:sp>
             <p:nvSpPr>
               <p:cNvPr id="48" name="Rectangle 47">
@@ -7426,7 +10021,7 @@
             </p:txBody>
           </p:sp>
         </mc:Choice>
-        <mc:Fallback>
+        <mc:Fallback xmlns="">
           <p:sp>
             <p:nvSpPr>
               <p:cNvPr id="48" name="Rectangle 47">
@@ -7476,8 +10071,8 @@
           </p:sp>
         </mc:Fallback>
       </mc:AlternateContent>
-      <mc:AlternateContent xmlns:mc="http://schemas.openxmlformats.org/markup-compatibility/2006">
-        <mc:Choice xmlns:a14="http://schemas.microsoft.com/office/drawing/2010/main" Requires="a14">
+      <mc:AlternateContent xmlns:mc="http://schemas.openxmlformats.org/markup-compatibility/2006" xmlns:a14="http://schemas.microsoft.com/office/drawing/2010/main">
+        <mc:Choice Requires="a14">
           <p:sp>
             <p:nvSpPr>
               <p:cNvPr id="49" name="Rectangle 48">
@@ -7555,7 +10150,7 @@
             </p:txBody>
           </p:sp>
         </mc:Choice>
-        <mc:Fallback>
+        <mc:Fallback xmlns="">
           <p:sp>
             <p:nvSpPr>
               <p:cNvPr id="49" name="Rectangle 48">
@@ -7690,8 +10285,8 @@
           </a:fontRef>
         </p:style>
       </p:cxnSp>
-      <mc:AlternateContent xmlns:mc="http://schemas.openxmlformats.org/markup-compatibility/2006">
-        <mc:Choice xmlns:a14="http://schemas.microsoft.com/office/drawing/2010/main" Requires="a14">
+      <mc:AlternateContent xmlns:mc="http://schemas.openxmlformats.org/markup-compatibility/2006" xmlns:a14="http://schemas.microsoft.com/office/drawing/2010/main">
+        <mc:Choice Requires="a14">
           <p:sp>
             <p:nvSpPr>
               <p:cNvPr id="60" name="ZoneTexte 59">
@@ -7742,7 +10337,7 @@
             </p:txBody>
           </p:sp>
         </mc:Choice>
-        <mc:Fallback>
+        <mc:Fallback xmlns="">
           <p:sp>
             <p:nvSpPr>
               <p:cNvPr id="60" name="ZoneTexte 59">
@@ -7870,7 +10465,7 @@
 </p:sld>
 </file>
 
-<file path=ppt/slides/slide4.xml><?xml version="1.0" encoding="utf-8"?>
+<file path=ppt/slides/slide5.xml><?xml version="1.0" encoding="utf-8"?>
 <p:sld xmlns:a="http://schemas.openxmlformats.org/drawingml/2006/main" xmlns:r="http://schemas.openxmlformats.org/officeDocument/2006/relationships" xmlns:p="http://schemas.openxmlformats.org/presentationml/2006/main">
   <p:cSld>
     <p:spTree>
@@ -8033,8 +10628,8 @@
           </a:p>
         </p:txBody>
       </p:sp>
-      <mc:AlternateContent xmlns:mc="http://schemas.openxmlformats.org/markup-compatibility/2006">
-        <mc:Choice xmlns:a14="http://schemas.microsoft.com/office/drawing/2010/main" Requires="a14">
+      <mc:AlternateContent xmlns:mc="http://schemas.openxmlformats.org/markup-compatibility/2006" xmlns:a14="http://schemas.microsoft.com/office/drawing/2010/main">
+        <mc:Choice Requires="a14">
           <p:sp>
             <p:nvSpPr>
               <p:cNvPr id="10" name="Rectangle 9">
@@ -8112,7 +10707,7 @@
             </p:txBody>
           </p:sp>
         </mc:Choice>
-        <mc:Fallback>
+        <mc:Fallback xmlns="">
           <p:sp>
             <p:nvSpPr>
               <p:cNvPr id="10" name="Rectangle 9">
@@ -8491,8 +11086,8 @@
           </a:fontRef>
         </p:style>
       </p:cxnSp>
-      <mc:AlternateContent xmlns:mc="http://schemas.openxmlformats.org/markup-compatibility/2006">
-        <mc:Choice xmlns:a14="http://schemas.microsoft.com/office/drawing/2010/main" Requires="a14">
+      <mc:AlternateContent xmlns:mc="http://schemas.openxmlformats.org/markup-compatibility/2006" xmlns:a14="http://schemas.microsoft.com/office/drawing/2010/main">
+        <mc:Choice Requires="a14">
           <p:sp>
             <p:nvSpPr>
               <p:cNvPr id="38" name="Rectangle 37">
@@ -8597,7 +11192,7 @@
             </p:txBody>
           </p:sp>
         </mc:Choice>
-        <mc:Fallback>
+        <mc:Fallback xmlns="">
           <p:sp>
             <p:nvSpPr>
               <p:cNvPr id="38" name="Rectangle 37">
@@ -8647,8 +11242,8 @@
           </p:sp>
         </mc:Fallback>
       </mc:AlternateContent>
-      <mc:AlternateContent xmlns:mc="http://schemas.openxmlformats.org/markup-compatibility/2006">
-        <mc:Choice xmlns:a14="http://schemas.microsoft.com/office/drawing/2010/main" Requires="a14">
+      <mc:AlternateContent xmlns:mc="http://schemas.openxmlformats.org/markup-compatibility/2006" xmlns:a14="http://schemas.microsoft.com/office/drawing/2010/main">
+        <mc:Choice Requires="a14">
           <p:sp>
             <p:nvSpPr>
               <p:cNvPr id="39" name="ZoneTexte 38">
@@ -8677,6 +11272,7 @@
               </a:bodyPr>
               <a:lstStyle/>
               <a:p>
+                <a:pPr/>
                 <a14:m>
                   <m:oMathPara xmlns:m="http://schemas.openxmlformats.org/officeDocument/2006/math">
                     <m:oMathParaPr>
@@ -8697,7 +11293,7 @@
             </p:txBody>
           </p:sp>
         </mc:Choice>
-        <mc:Fallback>
+        <mc:Fallback xmlns="">
           <p:sp>
             <p:nvSpPr>
               <p:cNvPr id="39" name="ZoneTexte 38">
@@ -8784,8 +11380,8 @@
           </a:fontRef>
         </p:style>
       </p:cxnSp>
-      <mc:AlternateContent xmlns:mc="http://schemas.openxmlformats.org/markup-compatibility/2006">
-        <mc:Choice xmlns:a14="http://schemas.microsoft.com/office/drawing/2010/main" Requires="a14">
+      <mc:AlternateContent xmlns:mc="http://schemas.openxmlformats.org/markup-compatibility/2006" xmlns:a14="http://schemas.microsoft.com/office/drawing/2010/main">
+        <mc:Choice Requires="a14">
           <p:sp>
             <p:nvSpPr>
               <p:cNvPr id="48" name="Rectangle 47">
@@ -8890,7 +11486,7 @@
             </p:txBody>
           </p:sp>
         </mc:Choice>
-        <mc:Fallback>
+        <mc:Fallback xmlns="">
           <p:sp>
             <p:nvSpPr>
               <p:cNvPr id="48" name="Rectangle 47">
@@ -8940,8 +11536,8 @@
           </p:sp>
         </mc:Fallback>
       </mc:AlternateContent>
-      <mc:AlternateContent xmlns:mc="http://schemas.openxmlformats.org/markup-compatibility/2006">
-        <mc:Choice xmlns:a14="http://schemas.microsoft.com/office/drawing/2010/main" Requires="a14">
+      <mc:AlternateContent xmlns:mc="http://schemas.openxmlformats.org/markup-compatibility/2006" xmlns:a14="http://schemas.microsoft.com/office/drawing/2010/main">
+        <mc:Choice Requires="a14">
           <p:sp>
             <p:nvSpPr>
               <p:cNvPr id="49" name="Rectangle 48">
@@ -9019,7 +11615,7 @@
             </p:txBody>
           </p:sp>
         </mc:Choice>
-        <mc:Fallback>
+        <mc:Fallback xmlns="">
           <p:sp>
             <p:nvSpPr>
               <p:cNvPr id="49" name="Rectangle 48">
@@ -9154,8 +11750,8 @@
           </a:fontRef>
         </p:style>
       </p:cxnSp>
-      <mc:AlternateContent xmlns:mc="http://schemas.openxmlformats.org/markup-compatibility/2006">
-        <mc:Choice xmlns:a14="http://schemas.microsoft.com/office/drawing/2010/main" Requires="a14">
+      <mc:AlternateContent xmlns:mc="http://schemas.openxmlformats.org/markup-compatibility/2006" xmlns:a14="http://schemas.microsoft.com/office/drawing/2010/main">
+        <mc:Choice Requires="a14">
           <p:sp>
             <p:nvSpPr>
               <p:cNvPr id="60" name="ZoneTexte 59">
@@ -9184,6 +11780,7 @@
               </a:bodyPr>
               <a:lstStyle/>
               <a:p>
+                <a:pPr/>
                 <a14:m>
                   <m:oMathPara xmlns:m="http://schemas.openxmlformats.org/officeDocument/2006/math">
                     <m:oMathParaPr>
@@ -9204,7 +11801,7 @@
             </p:txBody>
           </p:sp>
         </mc:Choice>
-        <mc:Fallback>
+        <mc:Fallback xmlns="">
           <p:sp>
             <p:nvSpPr>
               <p:cNvPr id="60" name="ZoneTexte 59">
@@ -9588,8 +12185,8 @@
           </p:style>
         </p:cxnSp>
       </p:grpSp>
-      <mc:AlternateContent xmlns:mc="http://schemas.openxmlformats.org/markup-compatibility/2006">
-        <mc:Choice xmlns:a14="http://schemas.microsoft.com/office/drawing/2010/main" Requires="a14">
+      <mc:AlternateContent xmlns:mc="http://schemas.openxmlformats.org/markup-compatibility/2006" xmlns:a14="http://schemas.microsoft.com/office/drawing/2010/main">
+        <mc:Choice Requires="a14">
           <p:sp>
             <p:nvSpPr>
               <p:cNvPr id="50" name="Rectangle 49">
@@ -9749,7 +12346,7 @@
             </p:txBody>
           </p:sp>
         </mc:Choice>
-        <mc:Fallback>
+        <mc:Fallback xmlns="">
           <p:sp>
             <p:nvSpPr>
               <p:cNvPr id="50" name="Rectangle 49">
@@ -9799,8 +12396,8 @@
           </p:sp>
         </mc:Fallback>
       </mc:AlternateContent>
-      <mc:AlternateContent xmlns:mc="http://schemas.openxmlformats.org/markup-compatibility/2006">
-        <mc:Choice xmlns:a14="http://schemas.microsoft.com/office/drawing/2010/main" Requires="a14">
+      <mc:AlternateContent xmlns:mc="http://schemas.openxmlformats.org/markup-compatibility/2006" xmlns:a14="http://schemas.microsoft.com/office/drawing/2010/main">
+        <mc:Choice Requires="a14">
           <p:sp>
             <p:nvSpPr>
               <p:cNvPr id="51" name="ZoneTexte 50">
@@ -9869,7 +12466,7 @@
             </p:txBody>
           </p:sp>
         </mc:Choice>
-        <mc:Fallback>
+        <mc:Fallback xmlns="">
           <p:sp>
             <p:nvSpPr>
               <p:cNvPr id="51" name="ZoneTexte 50">
@@ -9957,8 +12554,8 @@
           </a:fontRef>
         </p:style>
       </p:cxnSp>
-      <mc:AlternateContent xmlns:mc="http://schemas.openxmlformats.org/markup-compatibility/2006">
-        <mc:Choice xmlns:a14="http://schemas.microsoft.com/office/drawing/2010/main" Requires="a14">
+      <mc:AlternateContent xmlns:mc="http://schemas.openxmlformats.org/markup-compatibility/2006" xmlns:a14="http://schemas.microsoft.com/office/drawing/2010/main">
+        <mc:Choice Requires="a14">
           <p:sp>
             <p:nvSpPr>
               <p:cNvPr id="54" name="ZoneTexte 53">
@@ -10011,7 +12608,7 @@
             </p:txBody>
           </p:sp>
         </mc:Choice>
-        <mc:Fallback>
+        <mc:Fallback xmlns="">
           <p:sp>
             <p:nvSpPr>
               <p:cNvPr id="54" name="ZoneTexte 53">
@@ -10056,8 +12653,8 @@
           </p:sp>
         </mc:Fallback>
       </mc:AlternateContent>
-      <mc:AlternateContent xmlns:mc="http://schemas.openxmlformats.org/markup-compatibility/2006">
-        <mc:Choice xmlns:a14="http://schemas.microsoft.com/office/drawing/2010/main" Requires="a14">
+      <mc:AlternateContent xmlns:mc="http://schemas.openxmlformats.org/markup-compatibility/2006" xmlns:a14="http://schemas.microsoft.com/office/drawing/2010/main">
+        <mc:Choice Requires="a14">
           <p:sp>
             <p:nvSpPr>
               <p:cNvPr id="55" name="ZoneTexte 54">
@@ -10110,7 +12707,7 @@
             </p:txBody>
           </p:sp>
         </mc:Choice>
-        <mc:Fallback>
+        <mc:Fallback xmlns="">
           <p:sp>
             <p:nvSpPr>
               <p:cNvPr id="55" name="ZoneTexte 54">
@@ -10168,7 +12765,7 @@
 </p:sld>
 </file>
 
-<file path=ppt/slides/slide5.xml><?xml version="1.0" encoding="utf-8"?>
+<file path=ppt/slides/slide6.xml><?xml version="1.0" encoding="utf-8"?>
 <p:sld xmlns:a="http://schemas.openxmlformats.org/drawingml/2006/main" xmlns:r="http://schemas.openxmlformats.org/officeDocument/2006/relationships" xmlns:p="http://schemas.openxmlformats.org/presentationml/2006/main">
   <p:cSld>
     <p:spTree>
@@ -10377,8 +12974,8 @@
           </a:fontRef>
         </p:style>
       </p:cxnSp>
-      <mc:AlternateContent xmlns:mc="http://schemas.openxmlformats.org/markup-compatibility/2006">
-        <mc:Choice xmlns:a14="http://schemas.microsoft.com/office/drawing/2010/main" Requires="a14">
+      <mc:AlternateContent xmlns:mc="http://schemas.openxmlformats.org/markup-compatibility/2006" xmlns:a14="http://schemas.microsoft.com/office/drawing/2010/main">
+        <mc:Choice Requires="a14">
           <p:sp>
             <p:nvSpPr>
               <p:cNvPr id="361" name="Rectangle 360">
@@ -10481,7 +13078,7 @@
             </p:txBody>
           </p:sp>
         </mc:Choice>
-        <mc:Fallback>
+        <mc:Fallback xmlns="">
           <p:sp>
             <p:nvSpPr>
               <p:cNvPr id="361" name="Rectangle 360">
@@ -10531,8 +13128,8 @@
           </p:sp>
         </mc:Fallback>
       </mc:AlternateContent>
-      <mc:AlternateContent xmlns:mc="http://schemas.openxmlformats.org/markup-compatibility/2006">
-        <mc:Choice xmlns:a14="http://schemas.microsoft.com/office/drawing/2010/main" Requires="a14">
+      <mc:AlternateContent xmlns:mc="http://schemas.openxmlformats.org/markup-compatibility/2006" xmlns:a14="http://schemas.microsoft.com/office/drawing/2010/main">
+        <mc:Choice Requires="a14">
           <p:sp>
             <p:nvSpPr>
               <p:cNvPr id="375" name="Rectangle 374">
@@ -10662,7 +13259,7 @@
             </p:txBody>
           </p:sp>
         </mc:Choice>
-        <mc:Fallback>
+        <mc:Fallback xmlns="">
           <p:sp>
             <p:nvSpPr>
               <p:cNvPr id="375" name="Rectangle 374">
@@ -10784,7 +13381,7 @@
           <a:graphicData uri="http://schemas.openxmlformats.org/presentationml/2006/ole">
             <mc:AlternateContent xmlns:mc="http://schemas.openxmlformats.org/markup-compatibility/2006">
               <mc:Choice xmlns:v="urn:schemas-microsoft-com:vml" Requires="v">
-                <p:oleObj spid="_x0000_s6149" r:id="rId5" imgW="6457950" imgH="523875" progId="MgxDesigner">
+                <p:oleObj spid="_x0000_s6152" r:id="rId5" imgW="6457950" imgH="523875" progId="MgxDesigner">
                   <p:embed/>
                 </p:oleObj>
               </mc:Choice>
@@ -10865,8 +13462,8 @@
           </a:p>
         </p:txBody>
       </p:sp>
-      <mc:AlternateContent xmlns:mc="http://schemas.openxmlformats.org/markup-compatibility/2006">
-        <mc:Choice xmlns:a14="http://schemas.microsoft.com/office/drawing/2010/main" Requires="a14">
+      <mc:AlternateContent xmlns:mc="http://schemas.openxmlformats.org/markup-compatibility/2006" xmlns:a14="http://schemas.microsoft.com/office/drawing/2010/main">
+        <mc:Choice Requires="a14">
           <p:sp>
             <p:nvSpPr>
               <p:cNvPr id="35" name="Rectangle 34">
@@ -10996,7 +13593,7 @@
             </p:txBody>
           </p:sp>
         </mc:Choice>
-        <mc:Fallback>
+        <mc:Fallback xmlns="">
           <p:sp>
             <p:nvSpPr>
               <p:cNvPr id="35" name="Rectangle 34">
@@ -11124,8 +13721,8 @@
           </a:fontRef>
         </p:style>
       </p:cxnSp>
-      <mc:AlternateContent xmlns:mc="http://schemas.openxmlformats.org/markup-compatibility/2006">
-        <mc:Choice xmlns:a14="http://schemas.microsoft.com/office/drawing/2010/main" Requires="a14">
+      <mc:AlternateContent xmlns:mc="http://schemas.openxmlformats.org/markup-compatibility/2006" xmlns:a14="http://schemas.microsoft.com/office/drawing/2010/main">
+        <mc:Choice Requires="a14">
           <p:sp>
             <p:nvSpPr>
               <p:cNvPr id="39" name="Rectangle 38">
@@ -11255,7 +13852,7 @@
             </p:txBody>
           </p:sp>
         </mc:Choice>
-        <mc:Fallback>
+        <mc:Fallback xmlns="">
           <p:sp>
             <p:nvSpPr>
               <p:cNvPr id="39" name="Rectangle 38">

--- a/Revisions/Cy_01_TD_Synthese_01_Endoscope/images/figures.pptx
+++ b/Revisions/Cy_01_TD_Synthese_01_Endoscope/images/figures.pptx
@@ -11,6 +11,7 @@
     <p:sldId id="258" r:id="rId5"/>
     <p:sldId id="259" r:id="rId6"/>
     <p:sldId id="260" r:id="rId7"/>
+    <p:sldId id="262" r:id="rId8"/>
   </p:sldIdLst>
   <p:sldSz cx="12192000" cy="6858000"/>
   <p:notesSz cx="6858000" cy="9144000"/>
@@ -264,7 +265,7 @@
           <a:p>
             <a:fld id="{2B50727D-5CE9-49AD-8277-E0ADF2744CEB}" type="datetimeFigureOut">
               <a:rPr lang="fr-FR" smtClean="0"/>
-              <a:t>13/07/2019</a:t>
+              <a:t>14/07/2019</a:t>
             </a:fld>
             <a:endParaRPr lang="fr-FR"/>
           </a:p>
@@ -462,7 +463,7 @@
           <a:p>
             <a:fld id="{2B50727D-5CE9-49AD-8277-E0ADF2744CEB}" type="datetimeFigureOut">
               <a:rPr lang="fr-FR" smtClean="0"/>
-              <a:t>13/07/2019</a:t>
+              <a:t>14/07/2019</a:t>
             </a:fld>
             <a:endParaRPr lang="fr-FR"/>
           </a:p>
@@ -670,7 +671,7 @@
           <a:p>
             <a:fld id="{2B50727D-5CE9-49AD-8277-E0ADF2744CEB}" type="datetimeFigureOut">
               <a:rPr lang="fr-FR" smtClean="0"/>
-              <a:t>13/07/2019</a:t>
+              <a:t>14/07/2019</a:t>
             </a:fld>
             <a:endParaRPr lang="fr-FR"/>
           </a:p>
@@ -868,7 +869,7 @@
           <a:p>
             <a:fld id="{2B50727D-5CE9-49AD-8277-E0ADF2744CEB}" type="datetimeFigureOut">
               <a:rPr lang="fr-FR" smtClean="0"/>
-              <a:t>13/07/2019</a:t>
+              <a:t>14/07/2019</a:t>
             </a:fld>
             <a:endParaRPr lang="fr-FR"/>
           </a:p>
@@ -1143,7 +1144,7 @@
           <a:p>
             <a:fld id="{2B50727D-5CE9-49AD-8277-E0ADF2744CEB}" type="datetimeFigureOut">
               <a:rPr lang="fr-FR" smtClean="0"/>
-              <a:t>13/07/2019</a:t>
+              <a:t>14/07/2019</a:t>
             </a:fld>
             <a:endParaRPr lang="fr-FR"/>
           </a:p>
@@ -1408,7 +1409,7 @@
           <a:p>
             <a:fld id="{2B50727D-5CE9-49AD-8277-E0ADF2744CEB}" type="datetimeFigureOut">
               <a:rPr lang="fr-FR" smtClean="0"/>
-              <a:t>13/07/2019</a:t>
+              <a:t>14/07/2019</a:t>
             </a:fld>
             <a:endParaRPr lang="fr-FR"/>
           </a:p>
@@ -1820,7 +1821,7 @@
           <a:p>
             <a:fld id="{2B50727D-5CE9-49AD-8277-E0ADF2744CEB}" type="datetimeFigureOut">
               <a:rPr lang="fr-FR" smtClean="0"/>
-              <a:t>13/07/2019</a:t>
+              <a:t>14/07/2019</a:t>
             </a:fld>
             <a:endParaRPr lang="fr-FR"/>
           </a:p>
@@ -1961,7 +1962,7 @@
           <a:p>
             <a:fld id="{2B50727D-5CE9-49AD-8277-E0ADF2744CEB}" type="datetimeFigureOut">
               <a:rPr lang="fr-FR" smtClean="0"/>
-              <a:t>13/07/2019</a:t>
+              <a:t>14/07/2019</a:t>
             </a:fld>
             <a:endParaRPr lang="fr-FR"/>
           </a:p>
@@ -2074,7 +2075,7 @@
           <a:p>
             <a:fld id="{2B50727D-5CE9-49AD-8277-E0ADF2744CEB}" type="datetimeFigureOut">
               <a:rPr lang="fr-FR" smtClean="0"/>
-              <a:t>13/07/2019</a:t>
+              <a:t>14/07/2019</a:t>
             </a:fld>
             <a:endParaRPr lang="fr-FR"/>
           </a:p>
@@ -2385,7 +2386,7 @@
           <a:p>
             <a:fld id="{2B50727D-5CE9-49AD-8277-E0ADF2744CEB}" type="datetimeFigureOut">
               <a:rPr lang="fr-FR" smtClean="0"/>
-              <a:t>13/07/2019</a:t>
+              <a:t>14/07/2019</a:t>
             </a:fld>
             <a:endParaRPr lang="fr-FR"/>
           </a:p>
@@ -2673,7 +2674,7 @@
           <a:p>
             <a:fld id="{2B50727D-5CE9-49AD-8277-E0ADF2744CEB}" type="datetimeFigureOut">
               <a:rPr lang="fr-FR" smtClean="0"/>
-              <a:t>13/07/2019</a:t>
+              <a:t>14/07/2019</a:t>
             </a:fld>
             <a:endParaRPr lang="fr-FR"/>
           </a:p>
@@ -2914,7 +2915,7 @@
           <a:p>
             <a:fld id="{2B50727D-5CE9-49AD-8277-E0ADF2744CEB}" type="datetimeFigureOut">
               <a:rPr lang="fr-FR" smtClean="0"/>
-              <a:t>13/07/2019</a:t>
+              <a:t>14/07/2019</a:t>
             </a:fld>
             <a:endParaRPr lang="fr-FR"/>
           </a:p>
@@ -4950,7 +4951,7 @@
           <a:graphicData uri="http://schemas.openxmlformats.org/presentationml/2006/ole">
             <mc:AlternateContent xmlns:mc="http://schemas.openxmlformats.org/markup-compatibility/2006">
               <mc:Choice xmlns:v="urn:schemas-microsoft-com:vml" Requires="v">
-                <p:oleObj spid="_x0000_s3083" name="Picture" r:id="rId3" imgW="5285232" imgH="1283208" progId="Word.Picture.8">
+                <p:oleObj spid="_x0000_s3086" name="Picture" r:id="rId3" imgW="5285232" imgH="1283208" progId="Word.Picture.8">
                   <p:embed/>
                 </p:oleObj>
               </mc:Choice>
@@ -6737,8 +6738,8 @@
           </a:p>
         </p:txBody>
       </p:sp>
-      <mc:AlternateContent xmlns:mc="http://schemas.openxmlformats.org/markup-compatibility/2006">
-        <mc:Choice xmlns:a14="http://schemas.microsoft.com/office/drawing/2010/main" Requires="a14">
+      <mc:AlternateContent xmlns:mc="http://schemas.openxmlformats.org/markup-compatibility/2006" xmlns:a14="http://schemas.microsoft.com/office/drawing/2010/main">
+        <mc:Choice Requires="a14">
           <p:sp>
             <p:nvSpPr>
               <p:cNvPr id="29" name="Rectangle 28">
@@ -6859,7 +6860,7 @@
             </p:txBody>
           </p:sp>
         </mc:Choice>
-        <mc:Fallback>
+        <mc:Fallback xmlns="">
           <p:sp>
             <p:nvSpPr>
               <p:cNvPr id="29" name="Rectangle 28">
@@ -6909,8 +6910,8 @@
           </p:sp>
         </mc:Fallback>
       </mc:AlternateContent>
-      <mc:AlternateContent xmlns:mc="http://schemas.openxmlformats.org/markup-compatibility/2006">
-        <mc:Choice xmlns:a14="http://schemas.microsoft.com/office/drawing/2010/main" Requires="a14">
+      <mc:AlternateContent xmlns:mc="http://schemas.openxmlformats.org/markup-compatibility/2006" xmlns:a14="http://schemas.microsoft.com/office/drawing/2010/main">
+        <mc:Choice Requires="a14">
           <p:sp>
             <p:nvSpPr>
               <p:cNvPr id="32" name="Rectangle 31">
@@ -7013,7 +7014,7 @@
             </p:txBody>
           </p:sp>
         </mc:Choice>
-        <mc:Fallback>
+        <mc:Fallback xmlns="">
           <p:sp>
             <p:nvSpPr>
               <p:cNvPr id="32" name="Rectangle 31">
@@ -7669,6 +7670,15 @@
                               </m:r>
                             </m:sub>
                           </m:sSub>
+                          <m:r>
+                            <a:rPr lang="fr-FR" sz="1200" b="0" i="1" smtClean="0">
+                              <a:solidFill>
+                                <a:sysClr val="windowText" lastClr="000000"/>
+                              </a:solidFill>
+                              <a:latin typeface="Cambria Math" panose="02040503050406030204" pitchFamily="18" charset="0"/>
+                            </a:rPr>
+                            <m:t>𝑝</m:t>
+                          </m:r>
                         </m:den>
                       </m:f>
                     </m:oMath>
@@ -7709,7 +7719,7 @@
               <a:blipFill>
                 <a:blip r:embed="rId4"/>
                 <a:stretch>
-                  <a:fillRect l="-3030"/>
+                  <a:fillRect l="-13636" r="-1515"/>
                 </a:stretch>
               </a:blipFill>
               <a:ln w="19050">
@@ -7733,8 +7743,8 @@
           </p:sp>
         </mc:Fallback>
       </mc:AlternateContent>
-      <mc:AlternateContent xmlns:mc="http://schemas.openxmlformats.org/markup-compatibility/2006">
-        <mc:Choice xmlns:a14="http://schemas.microsoft.com/office/drawing/2010/main" Requires="a14">
+      <mc:AlternateContent xmlns:mc="http://schemas.openxmlformats.org/markup-compatibility/2006" xmlns:a14="http://schemas.microsoft.com/office/drawing/2010/main">
+        <mc:Choice Requires="a14">
           <p:sp>
             <p:nvSpPr>
               <p:cNvPr id="50" name="Rectangle 49">
@@ -7837,7 +7847,7 @@
             </p:txBody>
           </p:sp>
         </mc:Choice>
-        <mc:Fallback>
+        <mc:Fallback xmlns="">
           <p:sp>
             <p:nvSpPr>
               <p:cNvPr id="50" name="Rectangle 49">
@@ -7887,8 +7897,8 @@
           </p:sp>
         </mc:Fallback>
       </mc:AlternateContent>
-      <mc:AlternateContent xmlns:mc="http://schemas.openxmlformats.org/markup-compatibility/2006">
-        <mc:Choice xmlns:a14="http://schemas.microsoft.com/office/drawing/2010/main" Requires="a14">
+      <mc:AlternateContent xmlns:mc="http://schemas.openxmlformats.org/markup-compatibility/2006" xmlns:a14="http://schemas.microsoft.com/office/drawing/2010/main">
+        <mc:Choice Requires="a14">
           <p:sp>
             <p:nvSpPr>
               <p:cNvPr id="57" name="Rectangle 56">
@@ -7991,7 +8001,7 @@
             </p:txBody>
           </p:sp>
         </mc:Choice>
-        <mc:Fallback>
+        <mc:Fallback xmlns="">
           <p:sp>
             <p:nvSpPr>
               <p:cNvPr id="57" name="Rectangle 56">
@@ -8211,8 +8221,8 @@
           </a:fontRef>
         </p:style>
       </p:cxnSp>
-      <mc:AlternateContent xmlns:mc="http://schemas.openxmlformats.org/markup-compatibility/2006">
-        <mc:Choice xmlns:a14="http://schemas.microsoft.com/office/drawing/2010/main" Requires="a14">
+      <mc:AlternateContent xmlns:mc="http://schemas.openxmlformats.org/markup-compatibility/2006" xmlns:a14="http://schemas.microsoft.com/office/drawing/2010/main">
+        <mc:Choice Requires="a14">
           <p:sp>
             <p:nvSpPr>
               <p:cNvPr id="77" name="ZoneTexte 76">
@@ -8262,7 +8272,7 @@
             </p:txBody>
           </p:sp>
         </mc:Choice>
-        <mc:Fallback>
+        <mc:Fallback xmlns="">
           <p:sp>
             <p:nvSpPr>
               <p:cNvPr id="77" name="ZoneTexte 76">
@@ -8307,8 +8317,8 @@
           </p:sp>
         </mc:Fallback>
       </mc:AlternateContent>
-      <mc:AlternateContent xmlns:mc="http://schemas.openxmlformats.org/markup-compatibility/2006">
-        <mc:Choice xmlns:a14="http://schemas.microsoft.com/office/drawing/2010/main" Requires="a14">
+      <mc:AlternateContent xmlns:mc="http://schemas.openxmlformats.org/markup-compatibility/2006" xmlns:a14="http://schemas.microsoft.com/office/drawing/2010/main">
+        <mc:Choice Requires="a14">
           <p:sp>
             <p:nvSpPr>
               <p:cNvPr id="78" name="ZoneTexte 77">
@@ -8377,7 +8387,7 @@
             </p:txBody>
           </p:sp>
         </mc:Choice>
-        <mc:Fallback>
+        <mc:Fallback xmlns="">
           <p:sp>
             <p:nvSpPr>
               <p:cNvPr id="78" name="ZoneTexte 77">
@@ -8422,8 +8432,8 @@
           </p:sp>
         </mc:Fallback>
       </mc:AlternateContent>
-      <mc:AlternateContent xmlns:mc="http://schemas.openxmlformats.org/markup-compatibility/2006">
-        <mc:Choice xmlns:a14="http://schemas.microsoft.com/office/drawing/2010/main" Requires="a14">
+      <mc:AlternateContent xmlns:mc="http://schemas.openxmlformats.org/markup-compatibility/2006" xmlns:a14="http://schemas.microsoft.com/office/drawing/2010/main">
+        <mc:Choice Requires="a14">
           <p:sp>
             <p:nvSpPr>
               <p:cNvPr id="52" name="ZoneTexte 51">
@@ -8473,7 +8483,7 @@
             </p:txBody>
           </p:sp>
         </mc:Choice>
-        <mc:Fallback>
+        <mc:Fallback xmlns="">
           <p:sp>
             <p:nvSpPr>
               <p:cNvPr id="52" name="ZoneTexte 51">
@@ -8518,8 +8528,8 @@
           </p:sp>
         </mc:Fallback>
       </mc:AlternateContent>
-      <mc:AlternateContent xmlns:mc="http://schemas.openxmlformats.org/markup-compatibility/2006">
-        <mc:Choice xmlns:a14="http://schemas.microsoft.com/office/drawing/2010/main" Requires="a14">
+      <mc:AlternateContent xmlns:mc="http://schemas.openxmlformats.org/markup-compatibility/2006" xmlns:a14="http://schemas.microsoft.com/office/drawing/2010/main">
+        <mc:Choice Requires="a14">
           <p:sp>
             <p:nvSpPr>
               <p:cNvPr id="53" name="ZoneTexte 52">
@@ -8600,7 +8610,7 @@
             </p:txBody>
           </p:sp>
         </mc:Choice>
-        <mc:Fallback>
+        <mc:Fallback xmlns="">
           <p:sp>
             <p:nvSpPr>
               <p:cNvPr id="53" name="ZoneTexte 52">
@@ -8645,8 +8655,8 @@
           </p:sp>
         </mc:Fallback>
       </mc:AlternateContent>
-      <mc:AlternateContent xmlns:mc="http://schemas.openxmlformats.org/markup-compatibility/2006">
-        <mc:Choice xmlns:a14="http://schemas.microsoft.com/office/drawing/2010/main" Requires="a14">
+      <mc:AlternateContent xmlns:mc="http://schemas.openxmlformats.org/markup-compatibility/2006" xmlns:a14="http://schemas.microsoft.com/office/drawing/2010/main">
+        <mc:Choice Requires="a14">
           <p:sp>
             <p:nvSpPr>
               <p:cNvPr id="72" name="ZoneTexte 71">
@@ -8696,7 +8706,7 @@
             </p:txBody>
           </p:sp>
         </mc:Choice>
-        <mc:Fallback>
+        <mc:Fallback xmlns="">
           <p:sp>
             <p:nvSpPr>
               <p:cNvPr id="72" name="ZoneTexte 71">
@@ -8868,7 +8878,7 @@
           <a:graphicData uri="http://schemas.openxmlformats.org/presentationml/2006/ole">
             <mc:AlternateContent xmlns:mc="http://schemas.openxmlformats.org/markup-compatibility/2006">
               <mc:Choice xmlns:v="urn:schemas-microsoft-com:vml" Requires="v">
-                <p:oleObj spid="_x0000_s4105" name="Picture" r:id="rId3" imgW="3566160" imgH="1127760" progId="Word.Picture.8">
+                <p:oleObj spid="_x0000_s4108" name="Picture" r:id="rId3" imgW="3566160" imgH="1127760" progId="Word.Picture.8">
                   <p:embed/>
                 </p:oleObj>
               </mc:Choice>
@@ -13381,7 +13391,7 @@
           <a:graphicData uri="http://schemas.openxmlformats.org/presentationml/2006/ole">
             <mc:AlternateContent xmlns:mc="http://schemas.openxmlformats.org/markup-compatibility/2006">
               <mc:Choice xmlns:v="urn:schemas-microsoft-com:vml" Requires="v">
-                <p:oleObj spid="_x0000_s6152" r:id="rId5" imgW="6457950" imgH="523875" progId="MgxDesigner">
+                <p:oleObj spid="_x0000_s6155" r:id="rId5" imgW="6457950" imgH="523875" progId="MgxDesigner">
                   <p:embed/>
                 </p:oleObj>
               </mc:Choice>
@@ -14099,6 +14109,634 @@
     <p:extLst>
       <p:ext uri="{BB962C8B-B14F-4D97-AF65-F5344CB8AC3E}">
         <p14:creationId xmlns:p14="http://schemas.microsoft.com/office/powerpoint/2010/main" val="2278425319"/>
+      </p:ext>
+    </p:extLst>
+  </p:cSld>
+  <p:clrMapOvr>
+    <a:masterClrMapping/>
+  </p:clrMapOvr>
+</p:sld>
+</file>
+
+<file path=ppt/slides/slide7.xml><?xml version="1.0" encoding="utf-8"?>
+<p:sld xmlns:a="http://schemas.openxmlformats.org/drawingml/2006/main" xmlns:r="http://schemas.openxmlformats.org/officeDocument/2006/relationships" xmlns:p="http://schemas.openxmlformats.org/presentationml/2006/main">
+  <p:cSld>
+    <p:spTree>
+      <p:nvGrpSpPr>
+        <p:cNvPr id="1" name=""/>
+        <p:cNvGrpSpPr/>
+        <p:nvPr/>
+      </p:nvGrpSpPr>
+      <p:grpSpPr>
+        <a:xfrm>
+          <a:off x="0" y="0"/>
+          <a:ext cx="0" cy="0"/>
+          <a:chOff x="0" y="0"/>
+          <a:chExt cx="0" cy="0"/>
+        </a:xfrm>
+      </p:grpSpPr>
+      <p:pic>
+        <p:nvPicPr>
+          <p:cNvPr id="5" name="Image 4">
+            <a:extLst>
+              <a:ext uri="{FF2B5EF4-FFF2-40B4-BE49-F238E27FC236}">
+                <a16:creationId xmlns:a16="http://schemas.microsoft.com/office/drawing/2014/main" id="{A43384D1-5722-4695-9AEC-BB4A3304E78F}"/>
+              </a:ext>
+            </a:extLst>
+          </p:cNvPr>
+          <p:cNvPicPr>
+            <a:picLocks noChangeAspect="1"/>
+          </p:cNvPicPr>
+          <p:nvPr/>
+        </p:nvPicPr>
+        <p:blipFill>
+          <a:blip r:embed="rId2">
+            <a:extLst>
+              <a:ext uri="{28A0092B-C50C-407E-A947-70E740481C1C}">
+                <a14:useLocalDpi xmlns:a14="http://schemas.microsoft.com/office/drawing/2010/main" val="0"/>
+              </a:ext>
+            </a:extLst>
+          </a:blip>
+          <a:stretch>
+            <a:fillRect/>
+          </a:stretch>
+        </p:blipFill>
+        <p:spPr>
+          <a:xfrm>
+            <a:off x="1820333" y="788399"/>
+            <a:ext cx="5266268" cy="3875734"/>
+          </a:xfrm>
+          <a:prstGeom prst="rect">
+            <a:avLst/>
+          </a:prstGeom>
+        </p:spPr>
+      </p:pic>
+      <p:cxnSp>
+        <p:nvCxnSpPr>
+          <p:cNvPr id="7" name="Connecteur droit 6">
+            <a:extLst>
+              <a:ext uri="{FF2B5EF4-FFF2-40B4-BE49-F238E27FC236}">
+                <a16:creationId xmlns:a16="http://schemas.microsoft.com/office/drawing/2014/main" id="{2C619AA2-6D19-47BF-9D59-8A4A88EA0B9A}"/>
+              </a:ext>
+            </a:extLst>
+          </p:cNvPr>
+          <p:cNvCxnSpPr/>
+          <p:nvPr/>
+        </p:nvCxnSpPr>
+        <p:spPr>
+          <a:xfrm>
+            <a:off x="1972732" y="1439333"/>
+            <a:ext cx="5164666" cy="0"/>
+          </a:xfrm>
+          <a:prstGeom prst="line">
+            <a:avLst/>
+          </a:prstGeom>
+          <a:ln w="19050">
+            <a:solidFill>
+              <a:srgbClr val="FF0000"/>
+            </a:solidFill>
+          </a:ln>
+        </p:spPr>
+        <p:style>
+          <a:lnRef idx="1">
+            <a:schemeClr val="accent1"/>
+          </a:lnRef>
+          <a:fillRef idx="0">
+            <a:schemeClr val="accent1"/>
+          </a:fillRef>
+          <a:effectRef idx="0">
+            <a:schemeClr val="accent1"/>
+          </a:effectRef>
+          <a:fontRef idx="minor">
+            <a:schemeClr val="tx1"/>
+          </a:fontRef>
+        </p:style>
+      </p:cxnSp>
+      <mc:AlternateContent xmlns:mc="http://schemas.openxmlformats.org/markup-compatibility/2006">
+        <mc:Choice xmlns:a14="http://schemas.microsoft.com/office/drawing/2010/main" Requires="a14">
+          <p:sp>
+            <p:nvSpPr>
+              <p:cNvPr id="8" name="ZoneTexte 7">
+                <a:extLst>
+                  <a:ext uri="{FF2B5EF4-FFF2-40B4-BE49-F238E27FC236}">
+                    <a16:creationId xmlns:a16="http://schemas.microsoft.com/office/drawing/2014/main" id="{7BF162EA-7621-44A6-ADD6-D57E4615EA68}"/>
+                  </a:ext>
+                </a:extLst>
+              </p:cNvPr>
+              <p:cNvSpPr txBox="1"/>
+              <p:nvPr/>
+            </p:nvSpPr>
+            <p:spPr>
+              <a:xfrm>
+                <a:off x="2040350" y="1087502"/>
+                <a:ext cx="1130566" cy="302519"/>
+              </a:xfrm>
+              <a:prstGeom prst="rect">
+                <a:avLst/>
+              </a:prstGeom>
+              <a:noFill/>
+            </p:spPr>
+            <p:txBody>
+              <a:bodyPr wrap="none" lIns="0" tIns="0" rIns="0" bIns="0" rtlCol="0">
+                <a:spAutoFit/>
+              </a:bodyPr>
+              <a:lstStyle/>
+              <a:p>
+                <a14:m>
+                  <m:oMathPara xmlns:m="http://schemas.openxmlformats.org/officeDocument/2006/math">
+                    <m:oMathParaPr>
+                      <m:jc m:val="centerGroup"/>
+                    </m:oMathParaPr>
+                    <m:oMath xmlns:m="http://schemas.openxmlformats.org/officeDocument/2006/math">
+                      <m:sSub>
+                        <m:sSubPr>
+                          <m:ctrlPr>
+                            <a:rPr lang="fr-FR" b="0" i="1" smtClean="0">
+                              <a:latin typeface="Cambria Math" panose="02040503050406030204" pitchFamily="18" charset="0"/>
+                            </a:rPr>
+                          </m:ctrlPr>
+                        </m:sSubPr>
+                        <m:e>
+                          <m:r>
+                            <a:rPr lang="fr-FR" b="0" i="1" smtClean="0">
+                              <a:latin typeface="Cambria Math" panose="02040503050406030204" pitchFamily="18" charset="0"/>
+                            </a:rPr>
+                            <m:t>𝐺</m:t>
+                          </m:r>
+                        </m:e>
+                        <m:sub>
+                          <m:r>
+                            <a:rPr lang="fr-FR" b="0" i="1" smtClean="0">
+                              <a:latin typeface="Cambria Math" panose="02040503050406030204" pitchFamily="18" charset="0"/>
+                            </a:rPr>
+                            <m:t>𝑠</m:t>
+                          </m:r>
+                        </m:sub>
+                      </m:sSub>
+                      <m:sSub>
+                        <m:sSubPr>
+                          <m:ctrlPr>
+                            <a:rPr lang="fr-FR" b="0" i="1" smtClean="0">
+                              <a:latin typeface="Cambria Math" panose="02040503050406030204" pitchFamily="18" charset="0"/>
+                            </a:rPr>
+                          </m:ctrlPr>
+                        </m:sSubPr>
+                        <m:e>
+                          <m:r>
+                            <a:rPr lang="fr-FR" b="0" i="1" smtClean="0">
+                              <a:latin typeface="Cambria Math" panose="02040503050406030204" pitchFamily="18" charset="0"/>
+                            </a:rPr>
+                            <m:t>𝑈</m:t>
+                          </m:r>
+                        </m:e>
+                        <m:sub>
+                          <m:r>
+                            <a:rPr lang="fr-FR" b="0" i="1" smtClean="0">
+                              <a:latin typeface="Cambria Math" panose="02040503050406030204" pitchFamily="18" charset="0"/>
+                            </a:rPr>
+                            <m:t>0</m:t>
+                          </m:r>
+                        </m:sub>
+                      </m:sSub>
+                      <m:sSub>
+                        <m:sSubPr>
+                          <m:ctrlPr>
+                            <a:rPr lang="fr-FR" b="0" i="1" smtClean="0">
+                              <a:latin typeface="Cambria Math" panose="02040503050406030204" pitchFamily="18" charset="0"/>
+                            </a:rPr>
+                          </m:ctrlPr>
+                        </m:sSubPr>
+                        <m:e>
+                          <m:r>
+                            <a:rPr lang="fr-FR" b="0" i="1" smtClean="0">
+                              <a:latin typeface="Cambria Math" panose="02040503050406030204" pitchFamily="18" charset="0"/>
+                            </a:rPr>
+                            <m:t>𝐾</m:t>
+                          </m:r>
+                        </m:e>
+                        <m:sub>
+                          <m:r>
+                            <m:rPr>
+                              <m:sty m:val="p"/>
+                            </m:rPr>
+                            <a:rPr lang="fr-FR" b="0" i="0" smtClean="0">
+                              <a:latin typeface="Cambria Math" panose="02040503050406030204" pitchFamily="18" charset="0"/>
+                            </a:rPr>
+                            <m:t>tachy</m:t>
+                          </m:r>
+                        </m:sub>
+                      </m:sSub>
+                    </m:oMath>
+                  </m:oMathPara>
+                </a14:m>
+                <a:endParaRPr lang="fr-FR" dirty="0"/>
+              </a:p>
+            </p:txBody>
+          </p:sp>
+        </mc:Choice>
+        <mc:Fallback>
+          <p:sp>
+            <p:nvSpPr>
+              <p:cNvPr id="8" name="ZoneTexte 7">
+                <a:extLst>
+                  <a:ext uri="{FF2B5EF4-FFF2-40B4-BE49-F238E27FC236}">
+                    <a16:creationId xmlns:a16="http://schemas.microsoft.com/office/drawing/2014/main" id="{7BF162EA-7621-44A6-ADD6-D57E4615EA68}"/>
+                  </a:ext>
+                </a:extLst>
+              </p:cNvPr>
+              <p:cNvSpPr txBox="1">
+                <a:spLocks noRot="1" noChangeAspect="1" noMove="1" noResize="1" noEditPoints="1" noAdjustHandles="1" noChangeArrowheads="1" noChangeShapeType="1" noTextEdit="1"/>
+              </p:cNvSpPr>
+              <p:nvPr/>
+            </p:nvSpPr>
+            <p:spPr>
+              <a:xfrm>
+                <a:off x="2040350" y="1087502"/>
+                <a:ext cx="1130566" cy="302519"/>
+              </a:xfrm>
+              <a:prstGeom prst="rect">
+                <a:avLst/>
+              </a:prstGeom>
+              <a:blipFill>
+                <a:blip r:embed="rId3"/>
+                <a:stretch>
+                  <a:fillRect l="-4865" r="-4324" b="-28000"/>
+                </a:stretch>
+              </a:blipFill>
+            </p:spPr>
+            <p:txBody>
+              <a:bodyPr/>
+              <a:lstStyle/>
+              <a:p>
+                <a:r>
+                  <a:rPr lang="fr-FR">
+                    <a:noFill/>
+                  </a:rPr>
+                  <a:t> </a:t>
+                </a:r>
+              </a:p>
+            </p:txBody>
+          </p:sp>
+        </mc:Fallback>
+      </mc:AlternateContent>
+      <p:cxnSp>
+        <p:nvCxnSpPr>
+          <p:cNvPr id="9" name="Connecteur droit 8">
+            <a:extLst>
+              <a:ext uri="{FF2B5EF4-FFF2-40B4-BE49-F238E27FC236}">
+                <a16:creationId xmlns:a16="http://schemas.microsoft.com/office/drawing/2014/main" id="{8DCB92E6-DCA3-49B5-B4D5-9F218092D2ED}"/>
+              </a:ext>
+            </a:extLst>
+          </p:cNvPr>
+          <p:cNvCxnSpPr>
+            <a:cxnSpLocks/>
+          </p:cNvCxnSpPr>
+          <p:nvPr/>
+        </p:nvCxnSpPr>
+        <p:spPr>
+          <a:xfrm flipV="1">
+            <a:off x="1972732" y="2540001"/>
+            <a:ext cx="5164666" cy="1"/>
+          </a:xfrm>
+          <a:prstGeom prst="line">
+            <a:avLst/>
+          </a:prstGeom>
+          <a:ln w="19050">
+            <a:solidFill>
+              <a:srgbClr val="FF0000"/>
+            </a:solidFill>
+          </a:ln>
+        </p:spPr>
+        <p:style>
+          <a:lnRef idx="1">
+            <a:schemeClr val="accent1"/>
+          </a:lnRef>
+          <a:fillRef idx="0">
+            <a:schemeClr val="accent1"/>
+          </a:fillRef>
+          <a:effectRef idx="0">
+            <a:schemeClr val="accent1"/>
+          </a:effectRef>
+          <a:fontRef idx="minor">
+            <a:schemeClr val="tx1"/>
+          </a:fontRef>
+        </p:style>
+      </p:cxnSp>
+      <mc:AlternateContent xmlns:mc="http://schemas.openxmlformats.org/markup-compatibility/2006">
+        <mc:Choice xmlns:a14="http://schemas.microsoft.com/office/drawing/2010/main" Requires="a14">
+          <p:sp>
+            <p:nvSpPr>
+              <p:cNvPr id="12" name="ZoneTexte 11">
+                <a:extLst>
+                  <a:ext uri="{FF2B5EF4-FFF2-40B4-BE49-F238E27FC236}">
+                    <a16:creationId xmlns:a16="http://schemas.microsoft.com/office/drawing/2014/main" id="{11762EE3-1069-47CE-83A9-EB4A9582E99B}"/>
+                  </a:ext>
+                </a:extLst>
+              </p:cNvPr>
+              <p:cNvSpPr txBox="1"/>
+              <p:nvPr/>
+            </p:nvSpPr>
+            <p:spPr>
+              <a:xfrm>
+                <a:off x="5344161" y="2224400"/>
+                <a:ext cx="1742440" cy="302519"/>
+              </a:xfrm>
+              <a:prstGeom prst="rect">
+                <a:avLst/>
+              </a:prstGeom>
+              <a:noFill/>
+            </p:spPr>
+            <p:txBody>
+              <a:bodyPr wrap="square" lIns="0" tIns="0" rIns="0" bIns="0" rtlCol="0">
+                <a:spAutoFit/>
+              </a:bodyPr>
+              <a:lstStyle/>
+              <a:p>
+                <a14:m>
+                  <m:oMathPara xmlns:m="http://schemas.openxmlformats.org/officeDocument/2006/math">
+                    <m:oMathParaPr>
+                      <m:jc m:val="centerGroup"/>
+                    </m:oMathParaPr>
+                    <m:oMath xmlns:m="http://schemas.openxmlformats.org/officeDocument/2006/math">
+                      <m:r>
+                        <a:rPr lang="fr-FR" b="0" i="1" smtClean="0">
+                          <a:latin typeface="Cambria Math" panose="02040503050406030204" pitchFamily="18" charset="0"/>
+                        </a:rPr>
+                        <m:t>0,63⋅</m:t>
+                      </m:r>
+                      <m:sSub>
+                        <m:sSubPr>
+                          <m:ctrlPr>
+                            <a:rPr lang="fr-FR" b="0" i="1" smtClean="0">
+                              <a:latin typeface="Cambria Math" panose="02040503050406030204" pitchFamily="18" charset="0"/>
+                            </a:rPr>
+                          </m:ctrlPr>
+                        </m:sSubPr>
+                        <m:e>
+                          <m:r>
+                            <a:rPr lang="fr-FR" b="0" i="1" smtClean="0">
+                              <a:latin typeface="Cambria Math" panose="02040503050406030204" pitchFamily="18" charset="0"/>
+                            </a:rPr>
+                            <m:t>𝐺</m:t>
+                          </m:r>
+                        </m:e>
+                        <m:sub>
+                          <m:r>
+                            <a:rPr lang="fr-FR" b="0" i="1" smtClean="0">
+                              <a:latin typeface="Cambria Math" panose="02040503050406030204" pitchFamily="18" charset="0"/>
+                            </a:rPr>
+                            <m:t>𝑠</m:t>
+                          </m:r>
+                        </m:sub>
+                      </m:sSub>
+                      <m:sSub>
+                        <m:sSubPr>
+                          <m:ctrlPr>
+                            <a:rPr lang="fr-FR" b="0" i="1" smtClean="0">
+                              <a:latin typeface="Cambria Math" panose="02040503050406030204" pitchFamily="18" charset="0"/>
+                            </a:rPr>
+                          </m:ctrlPr>
+                        </m:sSubPr>
+                        <m:e>
+                          <m:r>
+                            <a:rPr lang="fr-FR" b="0" i="1" smtClean="0">
+                              <a:latin typeface="Cambria Math" panose="02040503050406030204" pitchFamily="18" charset="0"/>
+                            </a:rPr>
+                            <m:t>𝑈</m:t>
+                          </m:r>
+                        </m:e>
+                        <m:sub>
+                          <m:r>
+                            <a:rPr lang="fr-FR" b="0" i="1" smtClean="0">
+                              <a:latin typeface="Cambria Math" panose="02040503050406030204" pitchFamily="18" charset="0"/>
+                            </a:rPr>
+                            <m:t>0</m:t>
+                          </m:r>
+                        </m:sub>
+                      </m:sSub>
+                      <m:sSub>
+                        <m:sSubPr>
+                          <m:ctrlPr>
+                            <a:rPr lang="fr-FR" i="1">
+                              <a:latin typeface="Cambria Math" panose="02040503050406030204" pitchFamily="18" charset="0"/>
+                            </a:rPr>
+                          </m:ctrlPr>
+                        </m:sSubPr>
+                        <m:e>
+                          <m:r>
+                            <a:rPr lang="fr-FR" i="1">
+                              <a:latin typeface="Cambria Math" panose="02040503050406030204" pitchFamily="18" charset="0"/>
+                            </a:rPr>
+                            <m:t>𝐾</m:t>
+                          </m:r>
+                        </m:e>
+                        <m:sub>
+                          <m:r>
+                            <m:rPr>
+                              <m:sty m:val="p"/>
+                            </m:rPr>
+                            <a:rPr lang="fr-FR">
+                              <a:latin typeface="Cambria Math" panose="02040503050406030204" pitchFamily="18" charset="0"/>
+                            </a:rPr>
+                            <m:t>tachy</m:t>
+                          </m:r>
+                        </m:sub>
+                      </m:sSub>
+                    </m:oMath>
+                  </m:oMathPara>
+                </a14:m>
+                <a:endParaRPr lang="fr-FR" dirty="0"/>
+              </a:p>
+            </p:txBody>
+          </p:sp>
+        </mc:Choice>
+        <mc:Fallback>
+          <p:sp>
+            <p:nvSpPr>
+              <p:cNvPr id="12" name="ZoneTexte 11">
+                <a:extLst>
+                  <a:ext uri="{FF2B5EF4-FFF2-40B4-BE49-F238E27FC236}">
+                    <a16:creationId xmlns:a16="http://schemas.microsoft.com/office/drawing/2014/main" id="{11762EE3-1069-47CE-83A9-EB4A9582E99B}"/>
+                  </a:ext>
+                </a:extLst>
+              </p:cNvPr>
+              <p:cNvSpPr txBox="1">
+                <a:spLocks noRot="1" noChangeAspect="1" noMove="1" noResize="1" noEditPoints="1" noAdjustHandles="1" noChangeArrowheads="1" noChangeShapeType="1" noTextEdit="1"/>
+              </p:cNvSpPr>
+              <p:nvPr/>
+            </p:nvSpPr>
+            <p:spPr>
+              <a:xfrm>
+                <a:off x="5344161" y="2224400"/>
+                <a:ext cx="1742440" cy="302519"/>
+              </a:xfrm>
+              <a:prstGeom prst="rect">
+                <a:avLst/>
+              </a:prstGeom>
+              <a:blipFill>
+                <a:blip r:embed="rId4"/>
+                <a:stretch>
+                  <a:fillRect l="-2797" r="-2098" b="-26000"/>
+                </a:stretch>
+              </a:blipFill>
+            </p:spPr>
+            <p:txBody>
+              <a:bodyPr/>
+              <a:lstStyle/>
+              <a:p>
+                <a:r>
+                  <a:rPr lang="fr-FR">
+                    <a:noFill/>
+                  </a:rPr>
+                  <a:t> </a:t>
+                </a:r>
+              </a:p>
+            </p:txBody>
+          </p:sp>
+        </mc:Fallback>
+      </mc:AlternateContent>
+      <p:cxnSp>
+        <p:nvCxnSpPr>
+          <p:cNvPr id="14" name="Connecteur droit 13">
+            <a:extLst>
+              <a:ext uri="{FF2B5EF4-FFF2-40B4-BE49-F238E27FC236}">
+                <a16:creationId xmlns:a16="http://schemas.microsoft.com/office/drawing/2014/main" id="{505D42DA-6ED6-484B-A709-B08839F8BBD3}"/>
+              </a:ext>
+            </a:extLst>
+          </p:cNvPr>
+          <p:cNvCxnSpPr>
+            <a:cxnSpLocks/>
+          </p:cNvCxnSpPr>
+          <p:nvPr/>
+        </p:nvCxnSpPr>
+        <p:spPr>
+          <a:xfrm flipV="1">
+            <a:off x="2753360" y="2540001"/>
+            <a:ext cx="0" cy="1920239"/>
+          </a:xfrm>
+          <a:prstGeom prst="line">
+            <a:avLst/>
+          </a:prstGeom>
+          <a:ln w="19050">
+            <a:solidFill>
+              <a:srgbClr val="FF0000"/>
+            </a:solidFill>
+          </a:ln>
+        </p:spPr>
+        <p:style>
+          <a:lnRef idx="1">
+            <a:schemeClr val="accent1"/>
+          </a:lnRef>
+          <a:fillRef idx="0">
+            <a:schemeClr val="accent1"/>
+          </a:fillRef>
+          <a:effectRef idx="0">
+            <a:schemeClr val="accent1"/>
+          </a:effectRef>
+          <a:fontRef idx="minor">
+            <a:schemeClr val="tx1"/>
+          </a:fontRef>
+        </p:style>
+      </p:cxnSp>
+      <mc:AlternateContent xmlns:mc="http://schemas.openxmlformats.org/markup-compatibility/2006">
+        <mc:Choice xmlns:a14="http://schemas.microsoft.com/office/drawing/2010/main" Requires="a14">
+          <p:sp>
+            <p:nvSpPr>
+              <p:cNvPr id="17" name="ZoneTexte 16">
+                <a:extLst>
+                  <a:ext uri="{FF2B5EF4-FFF2-40B4-BE49-F238E27FC236}">
+                    <a16:creationId xmlns:a16="http://schemas.microsoft.com/office/drawing/2014/main" id="{0C126D4A-D8AE-40FC-8456-F470D30B02ED}"/>
+                  </a:ext>
+                </a:extLst>
+              </p:cNvPr>
+              <p:cNvSpPr txBox="1"/>
+              <p:nvPr/>
+            </p:nvSpPr>
+            <p:spPr>
+              <a:xfrm>
+                <a:off x="2253098" y="4183241"/>
+                <a:ext cx="1240982" cy="276999"/>
+              </a:xfrm>
+              <a:prstGeom prst="rect">
+                <a:avLst/>
+              </a:prstGeom>
+              <a:noFill/>
+            </p:spPr>
+            <p:txBody>
+              <a:bodyPr wrap="square" lIns="0" tIns="0" rIns="0" bIns="0" rtlCol="0">
+                <a:spAutoFit/>
+              </a:bodyPr>
+              <a:lstStyle/>
+              <a:p>
+                <a14:m>
+                  <m:oMathPara xmlns:m="http://schemas.openxmlformats.org/officeDocument/2006/math">
+                    <m:oMathParaPr>
+                      <m:jc m:val="centerGroup"/>
+                    </m:oMathParaPr>
+                    <m:oMath xmlns:m="http://schemas.openxmlformats.org/officeDocument/2006/math">
+                      <m:r>
+                        <a:rPr lang="fr-FR" b="0" i="1" smtClean="0">
+                          <a:latin typeface="Cambria Math" panose="02040503050406030204" pitchFamily="18" charset="0"/>
+                        </a:rPr>
+                        <m:t>𝜏</m:t>
+                      </m:r>
+                    </m:oMath>
+                  </m:oMathPara>
+                </a14:m>
+                <a:endParaRPr lang="fr-FR" dirty="0"/>
+              </a:p>
+            </p:txBody>
+          </p:sp>
+        </mc:Choice>
+        <mc:Fallback>
+          <p:sp>
+            <p:nvSpPr>
+              <p:cNvPr id="17" name="ZoneTexte 16">
+                <a:extLst>
+                  <a:ext uri="{FF2B5EF4-FFF2-40B4-BE49-F238E27FC236}">
+                    <a16:creationId xmlns:a16="http://schemas.microsoft.com/office/drawing/2014/main" id="{0C126D4A-D8AE-40FC-8456-F470D30B02ED}"/>
+                  </a:ext>
+                </a:extLst>
+              </p:cNvPr>
+              <p:cNvSpPr txBox="1">
+                <a:spLocks noRot="1" noChangeAspect="1" noMove="1" noResize="1" noEditPoints="1" noAdjustHandles="1" noChangeArrowheads="1" noChangeShapeType="1" noTextEdit="1"/>
+              </p:cNvSpPr>
+              <p:nvPr/>
+            </p:nvSpPr>
+            <p:spPr>
+              <a:xfrm>
+                <a:off x="2253098" y="4183241"/>
+                <a:ext cx="1240982" cy="276999"/>
+              </a:xfrm>
+              <a:prstGeom prst="rect">
+                <a:avLst/>
+              </a:prstGeom>
+              <a:blipFill>
+                <a:blip r:embed="rId5"/>
+                <a:stretch>
+                  <a:fillRect/>
+                </a:stretch>
+              </a:blipFill>
+            </p:spPr>
+            <p:txBody>
+              <a:bodyPr/>
+              <a:lstStyle/>
+              <a:p>
+                <a:r>
+                  <a:rPr lang="fr-FR">
+                    <a:noFill/>
+                  </a:rPr>
+                  <a:t> </a:t>
+                </a:r>
+              </a:p>
+            </p:txBody>
+          </p:sp>
+        </mc:Fallback>
+      </mc:AlternateContent>
+    </p:spTree>
+    <p:extLst>
+      <p:ext uri="{BB962C8B-B14F-4D97-AF65-F5344CB8AC3E}">
+        <p14:creationId xmlns:p14="http://schemas.microsoft.com/office/powerpoint/2010/main" val="1091728909"/>
       </p:ext>
     </p:extLst>
   </p:cSld>

--- a/Revisions/Cy_01_TD_Synthese_01_Endoscope/images/figures.pptx
+++ b/Revisions/Cy_01_TD_Synthese_01_Endoscope/images/figures.pptx
@@ -6,12 +6,13 @@
   </p:sldMasterIdLst>
   <p:sldIdLst>
     <p:sldId id="256" r:id="rId2"/>
-    <p:sldId id="257" r:id="rId3"/>
-    <p:sldId id="261" r:id="rId4"/>
-    <p:sldId id="258" r:id="rId5"/>
-    <p:sldId id="259" r:id="rId6"/>
-    <p:sldId id="260" r:id="rId7"/>
-    <p:sldId id="262" r:id="rId8"/>
+    <p:sldId id="263" r:id="rId3"/>
+    <p:sldId id="257" r:id="rId4"/>
+    <p:sldId id="261" r:id="rId5"/>
+    <p:sldId id="258" r:id="rId6"/>
+    <p:sldId id="259" r:id="rId7"/>
+    <p:sldId id="260" r:id="rId8"/>
+    <p:sldId id="262" r:id="rId9"/>
   </p:sldIdLst>
   <p:sldSz cx="12192000" cy="6858000"/>
   <p:notesSz cx="6858000" cy="9144000"/>
@@ -265,7 +266,7 @@
           <a:p>
             <a:fld id="{2B50727D-5CE9-49AD-8277-E0ADF2744CEB}" type="datetimeFigureOut">
               <a:rPr lang="fr-FR" smtClean="0"/>
-              <a:t>14/07/2019</a:t>
+              <a:t>17/07/2019</a:t>
             </a:fld>
             <a:endParaRPr lang="fr-FR"/>
           </a:p>
@@ -463,7 +464,7 @@
           <a:p>
             <a:fld id="{2B50727D-5CE9-49AD-8277-E0ADF2744CEB}" type="datetimeFigureOut">
               <a:rPr lang="fr-FR" smtClean="0"/>
-              <a:t>14/07/2019</a:t>
+              <a:t>17/07/2019</a:t>
             </a:fld>
             <a:endParaRPr lang="fr-FR"/>
           </a:p>
@@ -671,7 +672,7 @@
           <a:p>
             <a:fld id="{2B50727D-5CE9-49AD-8277-E0ADF2744CEB}" type="datetimeFigureOut">
               <a:rPr lang="fr-FR" smtClean="0"/>
-              <a:t>14/07/2019</a:t>
+              <a:t>17/07/2019</a:t>
             </a:fld>
             <a:endParaRPr lang="fr-FR"/>
           </a:p>
@@ -869,7 +870,7 @@
           <a:p>
             <a:fld id="{2B50727D-5CE9-49AD-8277-E0ADF2744CEB}" type="datetimeFigureOut">
               <a:rPr lang="fr-FR" smtClean="0"/>
-              <a:t>14/07/2019</a:t>
+              <a:t>17/07/2019</a:t>
             </a:fld>
             <a:endParaRPr lang="fr-FR"/>
           </a:p>
@@ -1144,7 +1145,7 @@
           <a:p>
             <a:fld id="{2B50727D-5CE9-49AD-8277-E0ADF2744CEB}" type="datetimeFigureOut">
               <a:rPr lang="fr-FR" smtClean="0"/>
-              <a:t>14/07/2019</a:t>
+              <a:t>17/07/2019</a:t>
             </a:fld>
             <a:endParaRPr lang="fr-FR"/>
           </a:p>
@@ -1409,7 +1410,7 @@
           <a:p>
             <a:fld id="{2B50727D-5CE9-49AD-8277-E0ADF2744CEB}" type="datetimeFigureOut">
               <a:rPr lang="fr-FR" smtClean="0"/>
-              <a:t>14/07/2019</a:t>
+              <a:t>17/07/2019</a:t>
             </a:fld>
             <a:endParaRPr lang="fr-FR"/>
           </a:p>
@@ -1821,7 +1822,7 @@
           <a:p>
             <a:fld id="{2B50727D-5CE9-49AD-8277-E0ADF2744CEB}" type="datetimeFigureOut">
               <a:rPr lang="fr-FR" smtClean="0"/>
-              <a:t>14/07/2019</a:t>
+              <a:t>17/07/2019</a:t>
             </a:fld>
             <a:endParaRPr lang="fr-FR"/>
           </a:p>
@@ -1962,7 +1963,7 @@
           <a:p>
             <a:fld id="{2B50727D-5CE9-49AD-8277-E0ADF2744CEB}" type="datetimeFigureOut">
               <a:rPr lang="fr-FR" smtClean="0"/>
-              <a:t>14/07/2019</a:t>
+              <a:t>17/07/2019</a:t>
             </a:fld>
             <a:endParaRPr lang="fr-FR"/>
           </a:p>
@@ -2075,7 +2076,7 @@
           <a:p>
             <a:fld id="{2B50727D-5CE9-49AD-8277-E0ADF2744CEB}" type="datetimeFigureOut">
               <a:rPr lang="fr-FR" smtClean="0"/>
-              <a:t>14/07/2019</a:t>
+              <a:t>17/07/2019</a:t>
             </a:fld>
             <a:endParaRPr lang="fr-FR"/>
           </a:p>
@@ -2386,7 +2387,7 @@
           <a:p>
             <a:fld id="{2B50727D-5CE9-49AD-8277-E0ADF2744CEB}" type="datetimeFigureOut">
               <a:rPr lang="fr-FR" smtClean="0"/>
-              <a:t>14/07/2019</a:t>
+              <a:t>17/07/2019</a:t>
             </a:fld>
             <a:endParaRPr lang="fr-FR"/>
           </a:p>
@@ -2674,7 +2675,7 @@
           <a:p>
             <a:fld id="{2B50727D-5CE9-49AD-8277-E0ADF2744CEB}" type="datetimeFigureOut">
               <a:rPr lang="fr-FR" smtClean="0"/>
-              <a:t>14/07/2019</a:t>
+              <a:t>17/07/2019</a:t>
             </a:fld>
             <a:endParaRPr lang="fr-FR"/>
           </a:p>
@@ -2915,7 +2916,7 @@
           <a:p>
             <a:fld id="{2B50727D-5CE9-49AD-8277-E0ADF2744CEB}" type="datetimeFigureOut">
               <a:rPr lang="fr-FR" smtClean="0"/>
-              <a:t>14/07/2019</a:t>
+              <a:t>17/07/2019</a:t>
             </a:fld>
             <a:endParaRPr lang="fr-FR"/>
           </a:p>
@@ -4365,6 +4366,72 @@
           <a:chExt cx="0" cy="0"/>
         </a:xfrm>
       </p:grpSpPr>
+      <p:pic>
+        <p:nvPicPr>
+          <p:cNvPr id="5" name="Image 4">
+            <a:extLst>
+              <a:ext uri="{FF2B5EF4-FFF2-40B4-BE49-F238E27FC236}">
+                <a16:creationId xmlns:a16="http://schemas.microsoft.com/office/drawing/2014/main" id="{2044EFCC-3439-4D4E-B3DB-C35263B5A090}"/>
+              </a:ext>
+            </a:extLst>
+          </p:cNvPr>
+          <p:cNvPicPr>
+            <a:picLocks noChangeAspect="1"/>
+          </p:cNvPicPr>
+          <p:nvPr/>
+        </p:nvPicPr>
+        <p:blipFill>
+          <a:blip r:embed="rId2">
+            <a:extLst>
+              <a:ext uri="{28A0092B-C50C-407E-A947-70E740481C1C}">
+                <a14:useLocalDpi xmlns:a14="http://schemas.microsoft.com/office/drawing/2010/main" val="0"/>
+              </a:ext>
+            </a:extLst>
+          </a:blip>
+          <a:stretch>
+            <a:fillRect/>
+          </a:stretch>
+        </p:blipFill>
+        <p:spPr>
+          <a:xfrm>
+            <a:off x="1381760" y="1118341"/>
+            <a:ext cx="9428480" cy="4621318"/>
+          </a:xfrm>
+          <a:prstGeom prst="rect">
+            <a:avLst/>
+          </a:prstGeom>
+        </p:spPr>
+      </p:pic>
+    </p:spTree>
+    <p:extLst>
+      <p:ext uri="{BB962C8B-B14F-4D97-AF65-F5344CB8AC3E}">
+        <p14:creationId xmlns:p14="http://schemas.microsoft.com/office/powerpoint/2010/main" val="3849653560"/>
+      </p:ext>
+    </p:extLst>
+  </p:cSld>
+  <p:clrMapOvr>
+    <a:masterClrMapping/>
+  </p:clrMapOvr>
+</p:sld>
+</file>
+
+<file path=ppt/slides/slide3.xml><?xml version="1.0" encoding="utf-8"?>
+<p:sld xmlns:a="http://schemas.openxmlformats.org/drawingml/2006/main" xmlns:r="http://schemas.openxmlformats.org/officeDocument/2006/relationships" xmlns:p="http://schemas.openxmlformats.org/presentationml/2006/main">
+  <p:cSld>
+    <p:spTree>
+      <p:nvGrpSpPr>
+        <p:cNvPr id="1" name=""/>
+        <p:cNvGrpSpPr/>
+        <p:nvPr/>
+      </p:nvGrpSpPr>
+      <p:grpSpPr>
+        <a:xfrm>
+          <a:off x="0" y="0"/>
+          <a:ext cx="0" cy="0"/>
+          <a:chOff x="0" y="0"/>
+          <a:chExt cx="0" cy="0"/>
+        </a:xfrm>
+      </p:grpSpPr>
       <p:cxnSp>
         <p:nvCxnSpPr>
           <p:cNvPr id="363" name="Connecteur droit avec flèche 362">
@@ -4951,7 +5018,7 @@
           <a:graphicData uri="http://schemas.openxmlformats.org/presentationml/2006/ole">
             <mc:AlternateContent xmlns:mc="http://schemas.openxmlformats.org/markup-compatibility/2006">
               <mc:Choice xmlns:v="urn:schemas-microsoft-com:vml" Requires="v">
-                <p:oleObj spid="_x0000_s3086" name="Picture" r:id="rId3" imgW="5285232" imgH="1283208" progId="Word.Picture.8">
+                <p:oleObj spid="_x0000_s3088" name="Picture" r:id="rId3" imgW="5285232" imgH="1283208" progId="Word.Picture.8">
                   <p:embed/>
                 </p:oleObj>
               </mc:Choice>
@@ -6162,7 +6229,7 @@
 </p:sld>
 </file>
 
-<file path=ppt/slides/slide3.xml><?xml version="1.0" encoding="utf-8"?>
+<file path=ppt/slides/slide4.xml><?xml version="1.0" encoding="utf-8"?>
 <p:sld xmlns:a="http://schemas.openxmlformats.org/drawingml/2006/main" xmlns:r="http://schemas.openxmlformats.org/officeDocument/2006/relationships" xmlns:p="http://schemas.openxmlformats.org/presentationml/2006/main">
   <p:cSld>
     <p:spTree>
@@ -7546,8 +7613,8 @@
           </a:fontRef>
         </p:style>
       </p:cxnSp>
-      <mc:AlternateContent xmlns:mc="http://schemas.openxmlformats.org/markup-compatibility/2006">
-        <mc:Choice xmlns:a14="http://schemas.microsoft.com/office/drawing/2010/main" Requires="a14">
+      <mc:AlternateContent xmlns:mc="http://schemas.openxmlformats.org/markup-compatibility/2006" xmlns:a14="http://schemas.microsoft.com/office/drawing/2010/main">
+        <mc:Choice Requires="a14">
           <p:sp>
             <p:nvSpPr>
               <p:cNvPr id="49" name="Rectangle 48">
@@ -7693,7 +7760,7 @@
             </p:txBody>
           </p:sp>
         </mc:Choice>
-        <mc:Fallback>
+        <mc:Fallback xmlns="">
           <p:sp>
             <p:nvSpPr>
               <p:cNvPr id="49" name="Rectangle 48">
@@ -8764,7 +8831,7 @@
 </p:sld>
 </file>
 
-<file path=ppt/slides/slide4.xml><?xml version="1.0" encoding="utf-8"?>
+<file path=ppt/slides/slide5.xml><?xml version="1.0" encoding="utf-8"?>
 <p:sld xmlns:a="http://schemas.openxmlformats.org/drawingml/2006/main" xmlns:r="http://schemas.openxmlformats.org/officeDocument/2006/relationships" xmlns:p="http://schemas.openxmlformats.org/presentationml/2006/main">
   <p:cSld>
     <p:spTree>
@@ -8878,7 +8945,7 @@
           <a:graphicData uri="http://schemas.openxmlformats.org/presentationml/2006/ole">
             <mc:AlternateContent xmlns:mc="http://schemas.openxmlformats.org/markup-compatibility/2006">
               <mc:Choice xmlns:v="urn:schemas-microsoft-com:vml" Requires="v">
-                <p:oleObj spid="_x0000_s4108" name="Picture" r:id="rId3" imgW="3566160" imgH="1127760" progId="Word.Picture.8">
+                <p:oleObj spid="_x0000_s4110" name="Picture" r:id="rId3" imgW="3566160" imgH="1127760" progId="Word.Picture.8">
                   <p:embed/>
                 </p:oleObj>
               </mc:Choice>
@@ -10475,7 +10542,7 @@
 </p:sld>
 </file>
 
-<file path=ppt/slides/slide5.xml><?xml version="1.0" encoding="utf-8"?>
+<file path=ppt/slides/slide6.xml><?xml version="1.0" encoding="utf-8"?>
 <p:sld xmlns:a="http://schemas.openxmlformats.org/drawingml/2006/main" xmlns:r="http://schemas.openxmlformats.org/officeDocument/2006/relationships" xmlns:p="http://schemas.openxmlformats.org/presentationml/2006/main">
   <p:cSld>
     <p:spTree>
@@ -12775,7 +12842,7 @@
 </p:sld>
 </file>
 
-<file path=ppt/slides/slide6.xml><?xml version="1.0" encoding="utf-8"?>
+<file path=ppt/slides/slide7.xml><?xml version="1.0" encoding="utf-8"?>
 <p:sld xmlns:a="http://schemas.openxmlformats.org/drawingml/2006/main" xmlns:r="http://schemas.openxmlformats.org/officeDocument/2006/relationships" xmlns:p="http://schemas.openxmlformats.org/presentationml/2006/main">
   <p:cSld>
     <p:spTree>
@@ -13391,7 +13458,7 @@
           <a:graphicData uri="http://schemas.openxmlformats.org/presentationml/2006/ole">
             <mc:AlternateContent xmlns:mc="http://schemas.openxmlformats.org/markup-compatibility/2006">
               <mc:Choice xmlns:v="urn:schemas-microsoft-com:vml" Requires="v">
-                <p:oleObj spid="_x0000_s6155" r:id="rId5" imgW="6457950" imgH="523875" progId="MgxDesigner">
+                <p:oleObj spid="_x0000_s6157" r:id="rId5" imgW="6457950" imgH="523875" progId="MgxDesigner">
                   <p:embed/>
                 </p:oleObj>
               </mc:Choice>
@@ -14118,7 +14185,7 @@
 </p:sld>
 </file>
 
-<file path=ppt/slides/slide7.xml><?xml version="1.0" encoding="utf-8"?>
+<file path=ppt/slides/slide8.xml><?xml version="1.0" encoding="utf-8"?>
 <p:sld xmlns:a="http://schemas.openxmlformats.org/drawingml/2006/main" xmlns:r="http://schemas.openxmlformats.org/officeDocument/2006/relationships" xmlns:p="http://schemas.openxmlformats.org/presentationml/2006/main">
   <p:cSld>
     <p:spTree>
@@ -14212,8 +14279,8 @@
           </a:fontRef>
         </p:style>
       </p:cxnSp>
-      <mc:AlternateContent xmlns:mc="http://schemas.openxmlformats.org/markup-compatibility/2006">
-        <mc:Choice xmlns:a14="http://schemas.microsoft.com/office/drawing/2010/main" Requires="a14">
+      <mc:AlternateContent xmlns:mc="http://schemas.openxmlformats.org/markup-compatibility/2006" xmlns:a14="http://schemas.microsoft.com/office/drawing/2010/main">
+        <mc:Choice Requires="a14">
           <p:sp>
             <p:nvSpPr>
               <p:cNvPr id="8" name="ZoneTexte 7">
@@ -14242,6 +14309,7 @@
               </a:bodyPr>
               <a:lstStyle/>
               <a:p>
+                <a:pPr/>
                 <a14:m>
                   <m:oMathPara xmlns:m="http://schemas.openxmlformats.org/officeDocument/2006/math">
                     <m:oMathParaPr>
@@ -14334,7 +14402,7 @@
             </p:txBody>
           </p:sp>
         </mc:Choice>
-        <mc:Fallback>
+        <mc:Fallback xmlns="">
           <p:sp>
             <p:nvSpPr>
               <p:cNvPr id="8" name="ZoneTexte 7">
@@ -14422,8 +14490,8 @@
           </a:fontRef>
         </p:style>
       </p:cxnSp>
-      <mc:AlternateContent xmlns:mc="http://schemas.openxmlformats.org/markup-compatibility/2006">
-        <mc:Choice xmlns:a14="http://schemas.microsoft.com/office/drawing/2010/main" Requires="a14">
+      <mc:AlternateContent xmlns:mc="http://schemas.openxmlformats.org/markup-compatibility/2006" xmlns:a14="http://schemas.microsoft.com/office/drawing/2010/main">
+        <mc:Choice Requires="a14">
           <p:sp>
             <p:nvSpPr>
               <p:cNvPr id="12" name="ZoneTexte 11">
@@ -14452,6 +14520,7 @@
               </a:bodyPr>
               <a:lstStyle/>
               <a:p>
+                <a:pPr/>
                 <a14:m>
                   <m:oMathPara xmlns:m="http://schemas.openxmlformats.org/officeDocument/2006/math">
                     <m:oMathParaPr>
@@ -14550,7 +14619,7 @@
             </p:txBody>
           </p:sp>
         </mc:Choice>
-        <mc:Fallback>
+        <mc:Fallback xmlns="">
           <p:sp>
             <p:nvSpPr>
               <p:cNvPr id="12" name="ZoneTexte 11">
@@ -14638,8 +14707,8 @@
           </a:fontRef>
         </p:style>
       </p:cxnSp>
-      <mc:AlternateContent xmlns:mc="http://schemas.openxmlformats.org/markup-compatibility/2006">
-        <mc:Choice xmlns:a14="http://schemas.microsoft.com/office/drawing/2010/main" Requires="a14">
+      <mc:AlternateContent xmlns:mc="http://schemas.openxmlformats.org/markup-compatibility/2006" xmlns:a14="http://schemas.microsoft.com/office/drawing/2010/main">
+        <mc:Choice Requires="a14">
           <p:sp>
             <p:nvSpPr>
               <p:cNvPr id="17" name="ZoneTexte 16">
@@ -14668,6 +14737,7 @@
               </a:bodyPr>
               <a:lstStyle/>
               <a:p>
+                <a:pPr/>
                 <a14:m>
                   <m:oMathPara xmlns:m="http://schemas.openxmlformats.org/officeDocument/2006/math">
                     <m:oMathParaPr>
@@ -14688,7 +14758,7 @@
             </p:txBody>
           </p:sp>
         </mc:Choice>
-        <mc:Fallback>
+        <mc:Fallback xmlns="">
           <p:sp>
             <p:nvSpPr>
               <p:cNvPr id="17" name="ZoneTexte 16">

--- a/Revisions/Cy_01_TD_Synthese_01_Endoscope/images/figures.pptx
+++ b/Revisions/Cy_01_TD_Synthese_01_Endoscope/images/figures.pptx
@@ -6,13 +6,14 @@
   </p:sldMasterIdLst>
   <p:sldIdLst>
     <p:sldId id="256" r:id="rId2"/>
-    <p:sldId id="263" r:id="rId3"/>
-    <p:sldId id="257" r:id="rId4"/>
-    <p:sldId id="261" r:id="rId5"/>
-    <p:sldId id="258" r:id="rId6"/>
-    <p:sldId id="259" r:id="rId7"/>
-    <p:sldId id="260" r:id="rId8"/>
-    <p:sldId id="262" r:id="rId9"/>
+    <p:sldId id="264" r:id="rId3"/>
+    <p:sldId id="263" r:id="rId4"/>
+    <p:sldId id="257" r:id="rId5"/>
+    <p:sldId id="261" r:id="rId6"/>
+    <p:sldId id="258" r:id="rId7"/>
+    <p:sldId id="259" r:id="rId8"/>
+    <p:sldId id="260" r:id="rId9"/>
+    <p:sldId id="262" r:id="rId10"/>
   </p:sldIdLst>
   <p:sldSz cx="12192000" cy="6858000"/>
   <p:notesSz cx="6858000" cy="9144000"/>
@@ -266,7 +267,7 @@
           <a:p>
             <a:fld id="{2B50727D-5CE9-49AD-8277-E0ADF2744CEB}" type="datetimeFigureOut">
               <a:rPr lang="fr-FR" smtClean="0"/>
-              <a:t>17/07/2019</a:t>
+              <a:t>29/07/2019</a:t>
             </a:fld>
             <a:endParaRPr lang="fr-FR"/>
           </a:p>
@@ -464,7 +465,7 @@
           <a:p>
             <a:fld id="{2B50727D-5CE9-49AD-8277-E0ADF2744CEB}" type="datetimeFigureOut">
               <a:rPr lang="fr-FR" smtClean="0"/>
-              <a:t>17/07/2019</a:t>
+              <a:t>29/07/2019</a:t>
             </a:fld>
             <a:endParaRPr lang="fr-FR"/>
           </a:p>
@@ -672,7 +673,7 @@
           <a:p>
             <a:fld id="{2B50727D-5CE9-49AD-8277-E0ADF2744CEB}" type="datetimeFigureOut">
               <a:rPr lang="fr-FR" smtClean="0"/>
-              <a:t>17/07/2019</a:t>
+              <a:t>29/07/2019</a:t>
             </a:fld>
             <a:endParaRPr lang="fr-FR"/>
           </a:p>
@@ -870,7 +871,7 @@
           <a:p>
             <a:fld id="{2B50727D-5CE9-49AD-8277-E0ADF2744CEB}" type="datetimeFigureOut">
               <a:rPr lang="fr-FR" smtClean="0"/>
-              <a:t>17/07/2019</a:t>
+              <a:t>29/07/2019</a:t>
             </a:fld>
             <a:endParaRPr lang="fr-FR"/>
           </a:p>
@@ -1145,7 +1146,7 @@
           <a:p>
             <a:fld id="{2B50727D-5CE9-49AD-8277-E0ADF2744CEB}" type="datetimeFigureOut">
               <a:rPr lang="fr-FR" smtClean="0"/>
-              <a:t>17/07/2019</a:t>
+              <a:t>29/07/2019</a:t>
             </a:fld>
             <a:endParaRPr lang="fr-FR"/>
           </a:p>
@@ -1410,7 +1411,7 @@
           <a:p>
             <a:fld id="{2B50727D-5CE9-49AD-8277-E0ADF2744CEB}" type="datetimeFigureOut">
               <a:rPr lang="fr-FR" smtClean="0"/>
-              <a:t>17/07/2019</a:t>
+              <a:t>29/07/2019</a:t>
             </a:fld>
             <a:endParaRPr lang="fr-FR"/>
           </a:p>
@@ -1822,7 +1823,7 @@
           <a:p>
             <a:fld id="{2B50727D-5CE9-49AD-8277-E0ADF2744CEB}" type="datetimeFigureOut">
               <a:rPr lang="fr-FR" smtClean="0"/>
-              <a:t>17/07/2019</a:t>
+              <a:t>29/07/2019</a:t>
             </a:fld>
             <a:endParaRPr lang="fr-FR"/>
           </a:p>
@@ -1963,7 +1964,7 @@
           <a:p>
             <a:fld id="{2B50727D-5CE9-49AD-8277-E0ADF2744CEB}" type="datetimeFigureOut">
               <a:rPr lang="fr-FR" smtClean="0"/>
-              <a:t>17/07/2019</a:t>
+              <a:t>29/07/2019</a:t>
             </a:fld>
             <a:endParaRPr lang="fr-FR"/>
           </a:p>
@@ -2076,7 +2077,7 @@
           <a:p>
             <a:fld id="{2B50727D-5CE9-49AD-8277-E0ADF2744CEB}" type="datetimeFigureOut">
               <a:rPr lang="fr-FR" smtClean="0"/>
-              <a:t>17/07/2019</a:t>
+              <a:t>29/07/2019</a:t>
             </a:fld>
             <a:endParaRPr lang="fr-FR"/>
           </a:p>
@@ -2387,7 +2388,7 @@
           <a:p>
             <a:fld id="{2B50727D-5CE9-49AD-8277-E0ADF2744CEB}" type="datetimeFigureOut">
               <a:rPr lang="fr-FR" smtClean="0"/>
-              <a:t>17/07/2019</a:t>
+              <a:t>29/07/2019</a:t>
             </a:fld>
             <a:endParaRPr lang="fr-FR"/>
           </a:p>
@@ -2675,7 +2676,7 @@
           <a:p>
             <a:fld id="{2B50727D-5CE9-49AD-8277-E0ADF2744CEB}" type="datetimeFigureOut">
               <a:rPr lang="fr-FR" smtClean="0"/>
-              <a:t>17/07/2019</a:t>
+              <a:t>29/07/2019</a:t>
             </a:fld>
             <a:endParaRPr lang="fr-FR"/>
           </a:p>
@@ -2916,7 +2917,7 @@
           <a:p>
             <a:fld id="{2B50727D-5CE9-49AD-8277-E0ADF2744CEB}" type="datetimeFigureOut">
               <a:rPr lang="fr-FR" smtClean="0"/>
-              <a:t>17/07/2019</a:t>
+              <a:t>29/07/2019</a:t>
             </a:fld>
             <a:endParaRPr lang="fr-FR"/>
           </a:p>
@@ -4371,6 +4372,372 @@
           <p:cNvPr id="5" name="Image 4">
             <a:extLst>
               <a:ext uri="{FF2B5EF4-FFF2-40B4-BE49-F238E27FC236}">
+                <a16:creationId xmlns:a16="http://schemas.microsoft.com/office/drawing/2014/main" id="{89ACBDB5-3917-4E83-8EBF-550333B98B9C}"/>
+              </a:ext>
+            </a:extLst>
+          </p:cNvPr>
+          <p:cNvPicPr>
+            <a:picLocks noChangeAspect="1"/>
+          </p:cNvPicPr>
+          <p:nvPr/>
+        </p:nvPicPr>
+        <p:blipFill>
+          <a:blip r:embed="rId2">
+            <a:extLst>
+              <a:ext uri="{28A0092B-C50C-407E-A947-70E740481C1C}">
+                <a14:useLocalDpi xmlns:a14="http://schemas.microsoft.com/office/drawing/2010/main" val="0"/>
+              </a:ext>
+            </a:extLst>
+          </a:blip>
+          <a:stretch>
+            <a:fillRect/>
+          </a:stretch>
+        </p:blipFill>
+        <p:spPr>
+          <a:xfrm>
+            <a:off x="1866891" y="80765"/>
+            <a:ext cx="8458217" cy="6696470"/>
+          </a:xfrm>
+          <a:prstGeom prst="rect">
+            <a:avLst/>
+          </a:prstGeom>
+        </p:spPr>
+      </p:pic>
+      <p:cxnSp>
+        <p:nvCxnSpPr>
+          <p:cNvPr id="7" name="Connecteur droit 6">
+            <a:extLst>
+              <a:ext uri="{FF2B5EF4-FFF2-40B4-BE49-F238E27FC236}">
+                <a16:creationId xmlns:a16="http://schemas.microsoft.com/office/drawing/2014/main" id="{AF87F323-3F29-4658-ADA5-CF46064F4DAF}"/>
+              </a:ext>
+            </a:extLst>
+          </p:cNvPr>
+          <p:cNvCxnSpPr>
+            <a:cxnSpLocks/>
+          </p:cNvCxnSpPr>
+          <p:nvPr/>
+        </p:nvCxnSpPr>
+        <p:spPr>
+          <a:xfrm flipH="1">
+            <a:off x="2428240" y="804400"/>
+            <a:ext cx="4378960" cy="0"/>
+          </a:xfrm>
+          <a:prstGeom prst="line">
+            <a:avLst/>
+          </a:prstGeom>
+          <a:ln w="19050">
+            <a:solidFill>
+              <a:srgbClr val="FF0000"/>
+            </a:solidFill>
+          </a:ln>
+        </p:spPr>
+        <p:style>
+          <a:lnRef idx="1">
+            <a:schemeClr val="accent1"/>
+          </a:lnRef>
+          <a:fillRef idx="0">
+            <a:schemeClr val="accent1"/>
+          </a:fillRef>
+          <a:effectRef idx="0">
+            <a:schemeClr val="accent1"/>
+          </a:effectRef>
+          <a:fontRef idx="minor">
+            <a:schemeClr val="tx1"/>
+          </a:fontRef>
+        </p:style>
+      </p:cxnSp>
+      <p:cxnSp>
+        <p:nvCxnSpPr>
+          <p:cNvPr id="12" name="Connecteur droit 11">
+            <a:extLst>
+              <a:ext uri="{FF2B5EF4-FFF2-40B4-BE49-F238E27FC236}">
+                <a16:creationId xmlns:a16="http://schemas.microsoft.com/office/drawing/2014/main" id="{CCEE818D-04CD-4684-97F6-6380B6495CB8}"/>
+              </a:ext>
+            </a:extLst>
+          </p:cNvPr>
+          <p:cNvCxnSpPr>
+            <a:cxnSpLocks/>
+          </p:cNvCxnSpPr>
+          <p:nvPr/>
+        </p:nvCxnSpPr>
+        <p:spPr>
+          <a:xfrm>
+            <a:off x="6565900" y="804400"/>
+            <a:ext cx="0" cy="3145300"/>
+          </a:xfrm>
+          <a:prstGeom prst="line">
+            <a:avLst/>
+          </a:prstGeom>
+          <a:ln w="19050">
+            <a:solidFill>
+              <a:srgbClr val="FF0000"/>
+            </a:solidFill>
+          </a:ln>
+        </p:spPr>
+        <p:style>
+          <a:lnRef idx="1">
+            <a:schemeClr val="accent1"/>
+          </a:lnRef>
+          <a:fillRef idx="0">
+            <a:schemeClr val="accent1"/>
+          </a:fillRef>
+          <a:effectRef idx="0">
+            <a:schemeClr val="accent1"/>
+          </a:effectRef>
+          <a:fontRef idx="minor">
+            <a:schemeClr val="tx1"/>
+          </a:fontRef>
+        </p:style>
+      </p:cxnSp>
+      <mc:AlternateContent xmlns:mc="http://schemas.openxmlformats.org/markup-compatibility/2006">
+        <mc:Choice xmlns:a14="http://schemas.microsoft.com/office/drawing/2010/main" Requires="a14">
+          <p:sp>
+            <p:nvSpPr>
+              <p:cNvPr id="15" name="ZoneTexte 14">
+                <a:extLst>
+                  <a:ext uri="{FF2B5EF4-FFF2-40B4-BE49-F238E27FC236}">
+                    <a16:creationId xmlns:a16="http://schemas.microsoft.com/office/drawing/2014/main" id="{EC95205D-D9D7-4BB4-B682-6EAEB673C4F5}"/>
+                  </a:ext>
+                </a:extLst>
+              </p:cNvPr>
+              <p:cNvSpPr txBox="1"/>
+              <p:nvPr/>
+            </p:nvSpPr>
+            <p:spPr>
+              <a:xfrm>
+                <a:off x="6807200" y="665900"/>
+                <a:ext cx="645818" cy="276999"/>
+              </a:xfrm>
+              <a:prstGeom prst="rect">
+                <a:avLst/>
+              </a:prstGeom>
+              <a:noFill/>
+            </p:spPr>
+            <p:txBody>
+              <a:bodyPr wrap="none" lIns="0" tIns="0" rIns="0" bIns="0" rtlCol="0">
+                <a:spAutoFit/>
+              </a:bodyPr>
+              <a:lstStyle/>
+              <a:p>
+                <a14:m>
+                  <m:oMathPara xmlns:m="http://schemas.openxmlformats.org/officeDocument/2006/math">
+                    <m:oMathParaPr>
+                      <m:jc m:val="centerGroup"/>
+                    </m:oMathParaPr>
+                    <m:oMath xmlns:m="http://schemas.openxmlformats.org/officeDocument/2006/math">
+                      <m:r>
+                        <a:rPr lang="fr-FR" b="0" i="1" smtClean="0">
+                          <a:latin typeface="Cambria Math" panose="02040503050406030204" pitchFamily="18" charset="0"/>
+                        </a:rPr>
+                        <m:t>−3</m:t>
+                      </m:r>
+                      <m:r>
+                        <m:rPr>
+                          <m:sty m:val="p"/>
+                        </m:rPr>
+                        <a:rPr lang="fr-FR" b="0" i="0" smtClean="0">
+                          <a:latin typeface="Cambria Math" panose="02040503050406030204" pitchFamily="18" charset="0"/>
+                        </a:rPr>
+                        <m:t>dB</m:t>
+                      </m:r>
+                    </m:oMath>
+                  </m:oMathPara>
+                </a14:m>
+                <a:endParaRPr lang="fr-FR" dirty="0"/>
+              </a:p>
+            </p:txBody>
+          </p:sp>
+        </mc:Choice>
+        <mc:Fallback>
+          <p:sp>
+            <p:nvSpPr>
+              <p:cNvPr id="15" name="ZoneTexte 14">
+                <a:extLst>
+                  <a:ext uri="{FF2B5EF4-FFF2-40B4-BE49-F238E27FC236}">
+                    <a16:creationId xmlns:a16="http://schemas.microsoft.com/office/drawing/2014/main" id="{EC95205D-D9D7-4BB4-B682-6EAEB673C4F5}"/>
+                  </a:ext>
+                </a:extLst>
+              </p:cNvPr>
+              <p:cNvSpPr txBox="1">
+                <a:spLocks noRot="1" noChangeAspect="1" noMove="1" noResize="1" noEditPoints="1" noAdjustHandles="1" noChangeArrowheads="1" noChangeShapeType="1" noTextEdit="1"/>
+              </p:cNvSpPr>
+              <p:nvPr/>
+            </p:nvSpPr>
+            <p:spPr>
+              <a:xfrm>
+                <a:off x="6807200" y="665900"/>
+                <a:ext cx="645818" cy="276999"/>
+              </a:xfrm>
+              <a:prstGeom prst="rect">
+                <a:avLst/>
+              </a:prstGeom>
+              <a:blipFill>
+                <a:blip r:embed="rId3"/>
+                <a:stretch>
+                  <a:fillRect r="-7547" b="-6522"/>
+                </a:stretch>
+              </a:blipFill>
+            </p:spPr>
+            <p:txBody>
+              <a:bodyPr/>
+              <a:lstStyle/>
+              <a:p>
+                <a:r>
+                  <a:rPr lang="fr-FR">
+                    <a:noFill/>
+                  </a:rPr>
+                  <a:t> </a:t>
+                </a:r>
+              </a:p>
+            </p:txBody>
+          </p:sp>
+        </mc:Fallback>
+      </mc:AlternateContent>
+      <mc:AlternateContent xmlns:mc="http://schemas.openxmlformats.org/markup-compatibility/2006">
+        <mc:Choice xmlns:a14="http://schemas.microsoft.com/office/drawing/2010/main" Requires="a14">
+          <p:sp>
+            <p:nvSpPr>
+              <p:cNvPr id="16" name="ZoneTexte 15">
+                <a:extLst>
+                  <a:ext uri="{FF2B5EF4-FFF2-40B4-BE49-F238E27FC236}">
+                    <a16:creationId xmlns:a16="http://schemas.microsoft.com/office/drawing/2014/main" id="{2AA15A1D-FEF5-49A8-898B-DA734542D6D7}"/>
+                  </a:ext>
+                </a:extLst>
+              </p:cNvPr>
+              <p:cNvSpPr txBox="1"/>
+              <p:nvPr/>
+            </p:nvSpPr>
+            <p:spPr>
+              <a:xfrm>
+                <a:off x="6737350" y="3583067"/>
+                <a:ext cx="495328" cy="276999"/>
+              </a:xfrm>
+              <a:prstGeom prst="rect">
+                <a:avLst/>
+              </a:prstGeom>
+              <a:noFill/>
+            </p:spPr>
+            <p:txBody>
+              <a:bodyPr wrap="none" lIns="0" tIns="0" rIns="0" bIns="0" rtlCol="0">
+                <a:spAutoFit/>
+              </a:bodyPr>
+              <a:lstStyle/>
+              <a:p>
+                <a14:m>
+                  <m:oMathPara xmlns:m="http://schemas.openxmlformats.org/officeDocument/2006/math">
+                    <m:oMathParaPr>
+                      <m:jc m:val="centerGroup"/>
+                    </m:oMathParaPr>
+                    <m:oMath xmlns:m="http://schemas.openxmlformats.org/officeDocument/2006/math">
+                      <m:r>
+                        <a:rPr lang="fr-FR" i="1" smtClean="0">
+                          <a:latin typeface="Cambria Math" panose="02040503050406030204" pitchFamily="18" charset="0"/>
+                        </a:rPr>
+                        <m:t>4</m:t>
+                      </m:r>
+                      <m:r>
+                        <a:rPr lang="fr-FR" b="0" i="1" smtClean="0">
+                          <a:latin typeface="Cambria Math" panose="02040503050406030204" pitchFamily="18" charset="0"/>
+                        </a:rPr>
+                        <m:t> </m:t>
+                      </m:r>
+                      <m:r>
+                        <m:rPr>
+                          <m:sty m:val="p"/>
+                        </m:rPr>
+                        <a:rPr lang="fr-FR" b="0" i="0" smtClean="0">
+                          <a:latin typeface="Cambria Math" panose="02040503050406030204" pitchFamily="18" charset="0"/>
+                        </a:rPr>
+                        <m:t>Hz</m:t>
+                      </m:r>
+                    </m:oMath>
+                  </m:oMathPara>
+                </a14:m>
+                <a:endParaRPr lang="fr-FR" dirty="0"/>
+              </a:p>
+            </p:txBody>
+          </p:sp>
+        </mc:Choice>
+        <mc:Fallback>
+          <p:sp>
+            <p:nvSpPr>
+              <p:cNvPr id="16" name="ZoneTexte 15">
+                <a:extLst>
+                  <a:ext uri="{FF2B5EF4-FFF2-40B4-BE49-F238E27FC236}">
+                    <a16:creationId xmlns:a16="http://schemas.microsoft.com/office/drawing/2014/main" id="{2AA15A1D-FEF5-49A8-898B-DA734542D6D7}"/>
+                  </a:ext>
+                </a:extLst>
+              </p:cNvPr>
+              <p:cNvSpPr txBox="1">
+                <a:spLocks noRot="1" noChangeAspect="1" noMove="1" noResize="1" noEditPoints="1" noAdjustHandles="1" noChangeArrowheads="1" noChangeShapeType="1" noTextEdit="1"/>
+              </p:cNvSpPr>
+              <p:nvPr/>
+            </p:nvSpPr>
+            <p:spPr>
+              <a:xfrm>
+                <a:off x="6737350" y="3583067"/>
+                <a:ext cx="495328" cy="276999"/>
+              </a:xfrm>
+              <a:prstGeom prst="rect">
+                <a:avLst/>
+              </a:prstGeom>
+              <a:blipFill>
+                <a:blip r:embed="rId4"/>
+                <a:stretch>
+                  <a:fillRect l="-9877" r="-12346" b="-6667"/>
+                </a:stretch>
+              </a:blipFill>
+            </p:spPr>
+            <p:txBody>
+              <a:bodyPr/>
+              <a:lstStyle/>
+              <a:p>
+                <a:r>
+                  <a:rPr lang="fr-FR">
+                    <a:noFill/>
+                  </a:rPr>
+                  <a:t> </a:t>
+                </a:r>
+              </a:p>
+            </p:txBody>
+          </p:sp>
+        </mc:Fallback>
+      </mc:AlternateContent>
+    </p:spTree>
+    <p:extLst>
+      <p:ext uri="{BB962C8B-B14F-4D97-AF65-F5344CB8AC3E}">
+        <p14:creationId xmlns:p14="http://schemas.microsoft.com/office/powerpoint/2010/main" val="139021071"/>
+      </p:ext>
+    </p:extLst>
+  </p:cSld>
+  <p:clrMapOvr>
+    <a:masterClrMapping/>
+  </p:clrMapOvr>
+</p:sld>
+</file>
+
+<file path=ppt/slides/slide3.xml><?xml version="1.0" encoding="utf-8"?>
+<p:sld xmlns:a="http://schemas.openxmlformats.org/drawingml/2006/main" xmlns:r="http://schemas.openxmlformats.org/officeDocument/2006/relationships" xmlns:p="http://schemas.openxmlformats.org/presentationml/2006/main">
+  <p:cSld>
+    <p:spTree>
+      <p:nvGrpSpPr>
+        <p:cNvPr id="1" name=""/>
+        <p:cNvGrpSpPr/>
+        <p:nvPr/>
+      </p:nvGrpSpPr>
+      <p:grpSpPr>
+        <a:xfrm>
+          <a:off x="0" y="0"/>
+          <a:ext cx="0" cy="0"/>
+          <a:chOff x="0" y="0"/>
+          <a:chExt cx="0" cy="0"/>
+        </a:xfrm>
+      </p:grpSpPr>
+      <p:pic>
+        <p:nvPicPr>
+          <p:cNvPr id="5" name="Image 4">
+            <a:extLst>
+              <a:ext uri="{FF2B5EF4-FFF2-40B4-BE49-F238E27FC236}">
                 <a16:creationId xmlns:a16="http://schemas.microsoft.com/office/drawing/2014/main" id="{2044EFCC-3439-4D4E-B3DB-C35263B5A090}"/>
               </a:ext>
             </a:extLst>
@@ -4415,7 +4782,7 @@
 </p:sld>
 </file>
 
-<file path=ppt/slides/slide3.xml><?xml version="1.0" encoding="utf-8"?>
+<file path=ppt/slides/slide4.xml><?xml version="1.0" encoding="utf-8"?>
 <p:sld xmlns:a="http://schemas.openxmlformats.org/drawingml/2006/main" xmlns:r="http://schemas.openxmlformats.org/officeDocument/2006/relationships" xmlns:p="http://schemas.openxmlformats.org/presentationml/2006/main">
   <p:cSld>
     <p:spTree>
@@ -5018,7 +5385,7 @@
           <a:graphicData uri="http://schemas.openxmlformats.org/presentationml/2006/ole">
             <mc:AlternateContent xmlns:mc="http://schemas.openxmlformats.org/markup-compatibility/2006">
               <mc:Choice xmlns:v="urn:schemas-microsoft-com:vml" Requires="v">
-                <p:oleObj spid="_x0000_s3088" name="Picture" r:id="rId3" imgW="5285232" imgH="1283208" progId="Word.Picture.8">
+                <p:oleObj spid="_x0000_s3090" name="Picture" r:id="rId3" imgW="5285232" imgH="1283208" progId="Word.Picture.8">
                   <p:embed/>
                 </p:oleObj>
               </mc:Choice>
@@ -6229,7 +6596,7 @@
 </p:sld>
 </file>
 
-<file path=ppt/slides/slide4.xml><?xml version="1.0" encoding="utf-8"?>
+<file path=ppt/slides/slide5.xml><?xml version="1.0" encoding="utf-8"?>
 <p:sld xmlns:a="http://schemas.openxmlformats.org/drawingml/2006/main" xmlns:r="http://schemas.openxmlformats.org/officeDocument/2006/relationships" xmlns:p="http://schemas.openxmlformats.org/presentationml/2006/main">
   <p:cSld>
     <p:spTree>
@@ -8831,7 +9198,7 @@
 </p:sld>
 </file>
 
-<file path=ppt/slides/slide5.xml><?xml version="1.0" encoding="utf-8"?>
+<file path=ppt/slides/slide6.xml><?xml version="1.0" encoding="utf-8"?>
 <p:sld xmlns:a="http://schemas.openxmlformats.org/drawingml/2006/main" xmlns:r="http://schemas.openxmlformats.org/officeDocument/2006/relationships" xmlns:p="http://schemas.openxmlformats.org/presentationml/2006/main">
   <p:cSld>
     <p:spTree>
@@ -8945,7 +9312,7 @@
           <a:graphicData uri="http://schemas.openxmlformats.org/presentationml/2006/ole">
             <mc:AlternateContent xmlns:mc="http://schemas.openxmlformats.org/markup-compatibility/2006">
               <mc:Choice xmlns:v="urn:schemas-microsoft-com:vml" Requires="v">
-                <p:oleObj spid="_x0000_s4110" name="Picture" r:id="rId3" imgW="3566160" imgH="1127760" progId="Word.Picture.8">
+                <p:oleObj spid="_x0000_s4112" name="Picture" r:id="rId3" imgW="3566160" imgH="1127760" progId="Word.Picture.8">
                   <p:embed/>
                 </p:oleObj>
               </mc:Choice>
@@ -10542,7 +10909,7 @@
 </p:sld>
 </file>
 
-<file path=ppt/slides/slide6.xml><?xml version="1.0" encoding="utf-8"?>
+<file path=ppt/slides/slide7.xml><?xml version="1.0" encoding="utf-8"?>
 <p:sld xmlns:a="http://schemas.openxmlformats.org/drawingml/2006/main" xmlns:r="http://schemas.openxmlformats.org/officeDocument/2006/relationships" xmlns:p="http://schemas.openxmlformats.org/presentationml/2006/main">
   <p:cSld>
     <p:spTree>
@@ -12842,7 +13209,7 @@
 </p:sld>
 </file>
 
-<file path=ppt/slides/slide7.xml><?xml version="1.0" encoding="utf-8"?>
+<file path=ppt/slides/slide8.xml><?xml version="1.0" encoding="utf-8"?>
 <p:sld xmlns:a="http://schemas.openxmlformats.org/drawingml/2006/main" xmlns:r="http://schemas.openxmlformats.org/officeDocument/2006/relationships" xmlns:p="http://schemas.openxmlformats.org/presentationml/2006/main">
   <p:cSld>
     <p:spTree>
@@ -13458,7 +13825,7 @@
           <a:graphicData uri="http://schemas.openxmlformats.org/presentationml/2006/ole">
             <mc:AlternateContent xmlns:mc="http://schemas.openxmlformats.org/markup-compatibility/2006">
               <mc:Choice xmlns:v="urn:schemas-microsoft-com:vml" Requires="v">
-                <p:oleObj spid="_x0000_s6157" r:id="rId5" imgW="6457950" imgH="523875" progId="MgxDesigner">
+                <p:oleObj spid="_x0000_s6159" r:id="rId5" imgW="6457950" imgH="523875" progId="MgxDesigner">
                   <p:embed/>
                 </p:oleObj>
               </mc:Choice>
@@ -14185,7 +14552,7 @@
 </p:sld>
 </file>
 
-<file path=ppt/slides/slide8.xml><?xml version="1.0" encoding="utf-8"?>
+<file path=ppt/slides/slide9.xml><?xml version="1.0" encoding="utf-8"?>
 <p:sld xmlns:a="http://schemas.openxmlformats.org/drawingml/2006/main" xmlns:r="http://schemas.openxmlformats.org/officeDocument/2006/relationships" xmlns:p="http://schemas.openxmlformats.org/presentationml/2006/main">
   <p:cSld>
     <p:spTree>

--- a/Revisions/Cy_01_TD_Synthese_01_Endoscope/images/figures.pptx
+++ b/Revisions/Cy_01_TD_Synthese_01_Endoscope/images/figures.pptx
@@ -5,15 +5,16 @@
     <p:sldMasterId id="2147483648" r:id="rId1"/>
   </p:sldMasterIdLst>
   <p:sldIdLst>
-    <p:sldId id="256" r:id="rId2"/>
-    <p:sldId id="264" r:id="rId3"/>
-    <p:sldId id="263" r:id="rId4"/>
-    <p:sldId id="257" r:id="rId5"/>
-    <p:sldId id="261" r:id="rId6"/>
-    <p:sldId id="258" r:id="rId7"/>
-    <p:sldId id="259" r:id="rId8"/>
-    <p:sldId id="260" r:id="rId9"/>
-    <p:sldId id="262" r:id="rId10"/>
+    <p:sldId id="265" r:id="rId2"/>
+    <p:sldId id="256" r:id="rId3"/>
+    <p:sldId id="264" r:id="rId4"/>
+    <p:sldId id="263" r:id="rId5"/>
+    <p:sldId id="257" r:id="rId6"/>
+    <p:sldId id="261" r:id="rId7"/>
+    <p:sldId id="258" r:id="rId8"/>
+    <p:sldId id="259" r:id="rId9"/>
+    <p:sldId id="260" r:id="rId10"/>
+    <p:sldId id="262" r:id="rId11"/>
   </p:sldIdLst>
   <p:sldSz cx="12192000" cy="6858000"/>
   <p:notesSz cx="6858000" cy="9144000"/>
@@ -267,7 +268,7 @@
           <a:p>
             <a:fld id="{2B50727D-5CE9-49AD-8277-E0ADF2744CEB}" type="datetimeFigureOut">
               <a:rPr lang="fr-FR" smtClean="0"/>
-              <a:t>29/07/2019</a:t>
+              <a:t>30/07/2019</a:t>
             </a:fld>
             <a:endParaRPr lang="fr-FR"/>
           </a:p>
@@ -465,7 +466,7 @@
           <a:p>
             <a:fld id="{2B50727D-5CE9-49AD-8277-E0ADF2744CEB}" type="datetimeFigureOut">
               <a:rPr lang="fr-FR" smtClean="0"/>
-              <a:t>29/07/2019</a:t>
+              <a:t>30/07/2019</a:t>
             </a:fld>
             <a:endParaRPr lang="fr-FR"/>
           </a:p>
@@ -673,7 +674,7 @@
           <a:p>
             <a:fld id="{2B50727D-5CE9-49AD-8277-E0ADF2744CEB}" type="datetimeFigureOut">
               <a:rPr lang="fr-FR" smtClean="0"/>
-              <a:t>29/07/2019</a:t>
+              <a:t>30/07/2019</a:t>
             </a:fld>
             <a:endParaRPr lang="fr-FR"/>
           </a:p>
@@ -871,7 +872,7 @@
           <a:p>
             <a:fld id="{2B50727D-5CE9-49AD-8277-E0ADF2744CEB}" type="datetimeFigureOut">
               <a:rPr lang="fr-FR" smtClean="0"/>
-              <a:t>29/07/2019</a:t>
+              <a:t>30/07/2019</a:t>
             </a:fld>
             <a:endParaRPr lang="fr-FR"/>
           </a:p>
@@ -1146,7 +1147,7 @@
           <a:p>
             <a:fld id="{2B50727D-5CE9-49AD-8277-E0ADF2744CEB}" type="datetimeFigureOut">
               <a:rPr lang="fr-FR" smtClean="0"/>
-              <a:t>29/07/2019</a:t>
+              <a:t>30/07/2019</a:t>
             </a:fld>
             <a:endParaRPr lang="fr-FR"/>
           </a:p>
@@ -1411,7 +1412,7 @@
           <a:p>
             <a:fld id="{2B50727D-5CE9-49AD-8277-E0ADF2744CEB}" type="datetimeFigureOut">
               <a:rPr lang="fr-FR" smtClean="0"/>
-              <a:t>29/07/2019</a:t>
+              <a:t>30/07/2019</a:t>
             </a:fld>
             <a:endParaRPr lang="fr-FR"/>
           </a:p>
@@ -1823,7 +1824,7 @@
           <a:p>
             <a:fld id="{2B50727D-5CE9-49AD-8277-E0ADF2744CEB}" type="datetimeFigureOut">
               <a:rPr lang="fr-FR" smtClean="0"/>
-              <a:t>29/07/2019</a:t>
+              <a:t>30/07/2019</a:t>
             </a:fld>
             <a:endParaRPr lang="fr-FR"/>
           </a:p>
@@ -1964,7 +1965,7 @@
           <a:p>
             <a:fld id="{2B50727D-5CE9-49AD-8277-E0ADF2744CEB}" type="datetimeFigureOut">
               <a:rPr lang="fr-FR" smtClean="0"/>
-              <a:t>29/07/2019</a:t>
+              <a:t>30/07/2019</a:t>
             </a:fld>
             <a:endParaRPr lang="fr-FR"/>
           </a:p>
@@ -2077,7 +2078,7 @@
           <a:p>
             <a:fld id="{2B50727D-5CE9-49AD-8277-E0ADF2744CEB}" type="datetimeFigureOut">
               <a:rPr lang="fr-FR" smtClean="0"/>
-              <a:t>29/07/2019</a:t>
+              <a:t>30/07/2019</a:t>
             </a:fld>
             <a:endParaRPr lang="fr-FR"/>
           </a:p>
@@ -2388,7 +2389,7 @@
           <a:p>
             <a:fld id="{2B50727D-5CE9-49AD-8277-E0ADF2744CEB}" type="datetimeFigureOut">
               <a:rPr lang="fr-FR" smtClean="0"/>
-              <a:t>29/07/2019</a:t>
+              <a:t>30/07/2019</a:t>
             </a:fld>
             <a:endParaRPr lang="fr-FR"/>
           </a:p>
@@ -2676,7 +2677,7 @@
           <a:p>
             <a:fld id="{2B50727D-5CE9-49AD-8277-E0ADF2744CEB}" type="datetimeFigureOut">
               <a:rPr lang="fr-FR" smtClean="0"/>
-              <a:t>29/07/2019</a:t>
+              <a:t>30/07/2019</a:t>
             </a:fld>
             <a:endParaRPr lang="fr-FR"/>
           </a:p>
@@ -2917,7 +2918,7 @@
           <a:p>
             <a:fld id="{2B50727D-5CE9-49AD-8277-E0ADF2744CEB}" type="datetimeFigureOut">
               <a:rPr lang="fr-FR" smtClean="0"/>
-              <a:t>29/07/2019</a:t>
+              <a:t>30/07/2019</a:t>
             </a:fld>
             <a:endParaRPr lang="fr-FR"/>
           </a:p>
@@ -3336,6 +3337,1267 @@
       </p:grpSpPr>
       <p:pic>
         <p:nvPicPr>
+          <p:cNvPr id="7" name="Image 6">
+            <a:extLst>
+              <a:ext uri="{FF2B5EF4-FFF2-40B4-BE49-F238E27FC236}">
+                <a16:creationId xmlns:a16="http://schemas.microsoft.com/office/drawing/2014/main" id="{A670D445-3FC1-4C1A-B2AE-1355386C1BCE}"/>
+              </a:ext>
+            </a:extLst>
+          </p:cNvPr>
+          <p:cNvPicPr>
+            <a:picLocks noChangeAspect="1"/>
+          </p:cNvPicPr>
+          <p:nvPr/>
+        </p:nvPicPr>
+        <p:blipFill>
+          <a:blip r:embed="rId2">
+            <a:extLst>
+              <a:ext uri="{28A0092B-C50C-407E-A947-70E740481C1C}">
+                <a14:useLocalDpi xmlns:a14="http://schemas.microsoft.com/office/drawing/2010/main" val="0"/>
+              </a:ext>
+            </a:extLst>
+          </a:blip>
+          <a:stretch>
+            <a:fillRect/>
+          </a:stretch>
+        </p:blipFill>
+        <p:spPr>
+          <a:xfrm>
+            <a:off x="1148080" y="642449"/>
+            <a:ext cx="6320015" cy="4051471"/>
+          </a:xfrm>
+          <a:prstGeom prst="rect">
+            <a:avLst/>
+          </a:prstGeom>
+        </p:spPr>
+      </p:pic>
+      <p:cxnSp>
+        <p:nvCxnSpPr>
+          <p:cNvPr id="9" name="Connecteur droit 8">
+            <a:extLst>
+              <a:ext uri="{FF2B5EF4-FFF2-40B4-BE49-F238E27FC236}">
+                <a16:creationId xmlns:a16="http://schemas.microsoft.com/office/drawing/2014/main" id="{8C8FF8A1-6FBC-4E6E-90B6-162F12FA1A32}"/>
+              </a:ext>
+            </a:extLst>
+          </p:cNvPr>
+          <p:cNvCxnSpPr/>
+          <p:nvPr/>
+        </p:nvCxnSpPr>
+        <p:spPr>
+          <a:xfrm flipV="1">
+            <a:off x="2184400" y="4023360"/>
+            <a:ext cx="0" cy="345440"/>
+          </a:xfrm>
+          <a:prstGeom prst="line">
+            <a:avLst/>
+          </a:prstGeom>
+          <a:ln w="28575">
+            <a:solidFill>
+              <a:srgbClr val="FF0000"/>
+            </a:solidFill>
+            <a:headEnd type="stealth" w="med" len="lg"/>
+            <a:tailEnd type="stealth" w="med" len="lg"/>
+          </a:ln>
+        </p:spPr>
+        <p:style>
+          <a:lnRef idx="1">
+            <a:schemeClr val="accent1"/>
+          </a:lnRef>
+          <a:fillRef idx="0">
+            <a:schemeClr val="accent1"/>
+          </a:fillRef>
+          <a:effectRef idx="0">
+            <a:schemeClr val="accent1"/>
+          </a:effectRef>
+          <a:fontRef idx="minor">
+            <a:schemeClr val="tx1"/>
+          </a:fontRef>
+        </p:style>
+      </p:cxnSp>
+      <p:cxnSp>
+        <p:nvCxnSpPr>
+          <p:cNvPr id="10" name="Connecteur droit 9">
+            <a:extLst>
+              <a:ext uri="{FF2B5EF4-FFF2-40B4-BE49-F238E27FC236}">
+                <a16:creationId xmlns:a16="http://schemas.microsoft.com/office/drawing/2014/main" id="{927A86CA-8224-4312-A0B1-DC434376481A}"/>
+              </a:ext>
+            </a:extLst>
+          </p:cNvPr>
+          <p:cNvCxnSpPr>
+            <a:cxnSpLocks/>
+          </p:cNvCxnSpPr>
+          <p:nvPr/>
+        </p:nvCxnSpPr>
+        <p:spPr>
+          <a:xfrm flipV="1">
+            <a:off x="6014720" y="1737360"/>
+            <a:ext cx="0" cy="497840"/>
+          </a:xfrm>
+          <a:prstGeom prst="line">
+            <a:avLst/>
+          </a:prstGeom>
+          <a:ln w="28575">
+            <a:solidFill>
+              <a:srgbClr val="FF0000"/>
+            </a:solidFill>
+            <a:headEnd type="none" w="med" len="lg"/>
+            <a:tailEnd type="stealth" w="med" len="lg"/>
+          </a:ln>
+        </p:spPr>
+        <p:style>
+          <a:lnRef idx="1">
+            <a:schemeClr val="accent1"/>
+          </a:lnRef>
+          <a:fillRef idx="0">
+            <a:schemeClr val="accent1"/>
+          </a:fillRef>
+          <a:effectRef idx="0">
+            <a:schemeClr val="accent1"/>
+          </a:effectRef>
+          <a:fontRef idx="minor">
+            <a:schemeClr val="tx1"/>
+          </a:fontRef>
+        </p:style>
+      </p:cxnSp>
+      <p:cxnSp>
+        <p:nvCxnSpPr>
+          <p:cNvPr id="13" name="Connecteur droit 12">
+            <a:extLst>
+              <a:ext uri="{FF2B5EF4-FFF2-40B4-BE49-F238E27FC236}">
+                <a16:creationId xmlns:a16="http://schemas.microsoft.com/office/drawing/2014/main" id="{AF453C60-15B9-4C3A-96F7-3BBE0965A36C}"/>
+              </a:ext>
+            </a:extLst>
+          </p:cNvPr>
+          <p:cNvCxnSpPr>
+            <a:cxnSpLocks/>
+          </p:cNvCxnSpPr>
+          <p:nvPr/>
+        </p:nvCxnSpPr>
+        <p:spPr>
+          <a:xfrm>
+            <a:off x="6014720" y="1087120"/>
+            <a:ext cx="0" cy="497840"/>
+          </a:xfrm>
+          <a:prstGeom prst="line">
+            <a:avLst/>
+          </a:prstGeom>
+          <a:ln w="28575">
+            <a:solidFill>
+              <a:srgbClr val="FF0000"/>
+            </a:solidFill>
+            <a:headEnd type="none" w="med" len="lg"/>
+            <a:tailEnd type="stealth" w="med" len="lg"/>
+          </a:ln>
+        </p:spPr>
+        <p:style>
+          <a:lnRef idx="1">
+            <a:schemeClr val="accent1"/>
+          </a:lnRef>
+          <a:fillRef idx="0">
+            <a:schemeClr val="accent1"/>
+          </a:fillRef>
+          <a:effectRef idx="0">
+            <a:schemeClr val="accent1"/>
+          </a:effectRef>
+          <a:fontRef idx="minor">
+            <a:schemeClr val="tx1"/>
+          </a:fontRef>
+        </p:style>
+      </p:cxnSp>
+      <p:cxnSp>
+        <p:nvCxnSpPr>
+          <p:cNvPr id="14" name="Connecteur droit 13">
+            <a:extLst>
+              <a:ext uri="{FF2B5EF4-FFF2-40B4-BE49-F238E27FC236}">
+                <a16:creationId xmlns:a16="http://schemas.microsoft.com/office/drawing/2014/main" id="{BEAF4654-2C1C-4A87-8851-94A84E28BF9E}"/>
+              </a:ext>
+            </a:extLst>
+          </p:cNvPr>
+          <p:cNvCxnSpPr>
+            <a:cxnSpLocks/>
+          </p:cNvCxnSpPr>
+          <p:nvPr/>
+        </p:nvCxnSpPr>
+        <p:spPr>
+          <a:xfrm rot="16200000" flipV="1">
+            <a:off x="6263640" y="1488440"/>
+            <a:ext cx="0" cy="497840"/>
+          </a:xfrm>
+          <a:prstGeom prst="line">
+            <a:avLst/>
+          </a:prstGeom>
+          <a:ln w="28575">
+            <a:solidFill>
+              <a:srgbClr val="FF0000"/>
+            </a:solidFill>
+            <a:headEnd type="none" w="med" len="lg"/>
+            <a:tailEnd type="stealth" w="med" len="lg"/>
+          </a:ln>
+        </p:spPr>
+        <p:style>
+          <a:lnRef idx="1">
+            <a:schemeClr val="accent1"/>
+          </a:lnRef>
+          <a:fillRef idx="0">
+            <a:schemeClr val="accent1"/>
+          </a:fillRef>
+          <a:effectRef idx="0">
+            <a:schemeClr val="accent1"/>
+          </a:effectRef>
+          <a:fontRef idx="minor">
+            <a:schemeClr val="tx1"/>
+          </a:fontRef>
+        </p:style>
+      </p:cxnSp>
+      <p:cxnSp>
+        <p:nvCxnSpPr>
+          <p:cNvPr id="15" name="Connecteur droit 14">
+            <a:extLst>
+              <a:ext uri="{FF2B5EF4-FFF2-40B4-BE49-F238E27FC236}">
+                <a16:creationId xmlns:a16="http://schemas.microsoft.com/office/drawing/2014/main" id="{27CA698C-1EE9-4FE0-BE6C-4619275C8472}"/>
+              </a:ext>
+            </a:extLst>
+          </p:cNvPr>
+          <p:cNvCxnSpPr>
+            <a:cxnSpLocks/>
+          </p:cNvCxnSpPr>
+          <p:nvPr/>
+        </p:nvCxnSpPr>
+        <p:spPr>
+          <a:xfrm rot="5400000" flipH="1" flipV="1">
+            <a:off x="5496560" y="1488440"/>
+            <a:ext cx="0" cy="497840"/>
+          </a:xfrm>
+          <a:prstGeom prst="line">
+            <a:avLst/>
+          </a:prstGeom>
+          <a:ln w="28575">
+            <a:solidFill>
+              <a:srgbClr val="FF0000"/>
+            </a:solidFill>
+            <a:headEnd type="none" w="med" len="lg"/>
+            <a:tailEnd type="stealth" w="med" len="lg"/>
+          </a:ln>
+        </p:spPr>
+        <p:style>
+          <a:lnRef idx="1">
+            <a:schemeClr val="accent1"/>
+          </a:lnRef>
+          <a:fillRef idx="0">
+            <a:schemeClr val="accent1"/>
+          </a:fillRef>
+          <a:effectRef idx="0">
+            <a:schemeClr val="accent1"/>
+          </a:effectRef>
+          <a:fontRef idx="minor">
+            <a:schemeClr val="tx1"/>
+          </a:fontRef>
+        </p:style>
+      </p:cxnSp>
+      <p:cxnSp>
+        <p:nvCxnSpPr>
+          <p:cNvPr id="16" name="Connecteur droit 15">
+            <a:extLst>
+              <a:ext uri="{FF2B5EF4-FFF2-40B4-BE49-F238E27FC236}">
+                <a16:creationId xmlns:a16="http://schemas.microsoft.com/office/drawing/2014/main" id="{5D834AB1-E828-4485-B32F-1DECDD15F8BD}"/>
+              </a:ext>
+            </a:extLst>
+          </p:cNvPr>
+          <p:cNvCxnSpPr>
+            <a:cxnSpLocks/>
+          </p:cNvCxnSpPr>
+          <p:nvPr/>
+        </p:nvCxnSpPr>
+        <p:spPr>
+          <a:xfrm flipV="1">
+            <a:off x="6014720" y="2235200"/>
+            <a:ext cx="0" cy="2133600"/>
+          </a:xfrm>
+          <a:prstGeom prst="line">
+            <a:avLst/>
+          </a:prstGeom>
+          <a:ln w="19050">
+            <a:solidFill>
+              <a:srgbClr val="FF0000"/>
+            </a:solidFill>
+            <a:prstDash val="sysDash"/>
+            <a:headEnd type="none" w="med" len="lg"/>
+            <a:tailEnd type="none" w="med" len="lg"/>
+          </a:ln>
+        </p:spPr>
+        <p:style>
+          <a:lnRef idx="1">
+            <a:schemeClr val="accent1"/>
+          </a:lnRef>
+          <a:fillRef idx="0">
+            <a:schemeClr val="accent1"/>
+          </a:fillRef>
+          <a:effectRef idx="0">
+            <a:schemeClr val="accent1"/>
+          </a:effectRef>
+          <a:fontRef idx="minor">
+            <a:schemeClr val="tx1"/>
+          </a:fontRef>
+        </p:style>
+      </p:cxnSp>
+      <p:cxnSp>
+        <p:nvCxnSpPr>
+          <p:cNvPr id="19" name="Connecteur droit 18">
+            <a:extLst>
+              <a:ext uri="{FF2B5EF4-FFF2-40B4-BE49-F238E27FC236}">
+                <a16:creationId xmlns:a16="http://schemas.microsoft.com/office/drawing/2014/main" id="{467D0CE7-C18A-49FC-9D70-4E2A8FD33CC1}"/>
+              </a:ext>
+            </a:extLst>
+          </p:cNvPr>
+          <p:cNvCxnSpPr>
+            <a:cxnSpLocks/>
+          </p:cNvCxnSpPr>
+          <p:nvPr/>
+        </p:nvCxnSpPr>
+        <p:spPr>
+          <a:xfrm flipH="1" flipV="1">
+            <a:off x="5745479" y="1737360"/>
+            <a:ext cx="1" cy="2631440"/>
+          </a:xfrm>
+          <a:prstGeom prst="line">
+            <a:avLst/>
+          </a:prstGeom>
+          <a:ln w="19050">
+            <a:solidFill>
+              <a:srgbClr val="FF0000"/>
+            </a:solidFill>
+            <a:prstDash val="sysDash"/>
+            <a:headEnd type="none" w="med" len="lg"/>
+            <a:tailEnd type="none" w="med" len="lg"/>
+          </a:ln>
+        </p:spPr>
+        <p:style>
+          <a:lnRef idx="1">
+            <a:schemeClr val="accent1"/>
+          </a:lnRef>
+          <a:fillRef idx="0">
+            <a:schemeClr val="accent1"/>
+          </a:fillRef>
+          <a:effectRef idx="0">
+            <a:schemeClr val="accent1"/>
+          </a:effectRef>
+          <a:fontRef idx="minor">
+            <a:schemeClr val="tx1"/>
+          </a:fontRef>
+        </p:style>
+      </p:cxnSp>
+      <p:cxnSp>
+        <p:nvCxnSpPr>
+          <p:cNvPr id="22" name="Connecteur droit 21">
+            <a:extLst>
+              <a:ext uri="{FF2B5EF4-FFF2-40B4-BE49-F238E27FC236}">
+                <a16:creationId xmlns:a16="http://schemas.microsoft.com/office/drawing/2014/main" id="{88DB1D49-D5E6-427D-9E7C-A7945775913B}"/>
+              </a:ext>
+            </a:extLst>
+          </p:cNvPr>
+          <p:cNvCxnSpPr>
+            <a:cxnSpLocks/>
+          </p:cNvCxnSpPr>
+          <p:nvPr/>
+        </p:nvCxnSpPr>
+        <p:spPr>
+          <a:xfrm>
+            <a:off x="1706880" y="1737360"/>
+            <a:ext cx="3616960" cy="0"/>
+          </a:xfrm>
+          <a:prstGeom prst="line">
+            <a:avLst/>
+          </a:prstGeom>
+          <a:ln w="19050">
+            <a:solidFill>
+              <a:srgbClr val="FF0000"/>
+            </a:solidFill>
+            <a:prstDash val="sysDash"/>
+            <a:headEnd type="none" w="med" len="lg"/>
+            <a:tailEnd type="none" w="med" len="lg"/>
+          </a:ln>
+        </p:spPr>
+        <p:style>
+          <a:lnRef idx="1">
+            <a:schemeClr val="accent1"/>
+          </a:lnRef>
+          <a:fillRef idx="0">
+            <a:schemeClr val="accent1"/>
+          </a:fillRef>
+          <a:effectRef idx="0">
+            <a:schemeClr val="accent1"/>
+          </a:effectRef>
+          <a:fontRef idx="minor">
+            <a:schemeClr val="tx1"/>
+          </a:fontRef>
+        </p:style>
+      </p:cxnSp>
+      <p:cxnSp>
+        <p:nvCxnSpPr>
+          <p:cNvPr id="24" name="Connecteur droit 23">
+            <a:extLst>
+              <a:ext uri="{FF2B5EF4-FFF2-40B4-BE49-F238E27FC236}">
+                <a16:creationId xmlns:a16="http://schemas.microsoft.com/office/drawing/2014/main" id="{02C4AE4A-4185-4C1D-8A48-090903972250}"/>
+              </a:ext>
+            </a:extLst>
+          </p:cNvPr>
+          <p:cNvCxnSpPr>
+            <a:cxnSpLocks/>
+          </p:cNvCxnSpPr>
+          <p:nvPr/>
+        </p:nvCxnSpPr>
+        <p:spPr>
+          <a:xfrm>
+            <a:off x="1706880" y="1584960"/>
+            <a:ext cx="4380712" cy="0"/>
+          </a:xfrm>
+          <a:prstGeom prst="line">
+            <a:avLst/>
+          </a:prstGeom>
+          <a:ln w="19050">
+            <a:solidFill>
+              <a:srgbClr val="FF0000"/>
+            </a:solidFill>
+            <a:prstDash val="sysDash"/>
+            <a:headEnd type="none" w="med" len="lg"/>
+            <a:tailEnd type="none" w="med" len="lg"/>
+          </a:ln>
+        </p:spPr>
+        <p:style>
+          <a:lnRef idx="1">
+            <a:schemeClr val="accent1"/>
+          </a:lnRef>
+          <a:fillRef idx="0">
+            <a:schemeClr val="accent1"/>
+          </a:fillRef>
+          <a:effectRef idx="0">
+            <a:schemeClr val="accent1"/>
+          </a:effectRef>
+          <a:fontRef idx="minor">
+            <a:schemeClr val="tx1"/>
+          </a:fontRef>
+        </p:style>
+      </p:cxnSp>
+      <p:cxnSp>
+        <p:nvCxnSpPr>
+          <p:cNvPr id="26" name="Connecteur droit 25">
+            <a:extLst>
+              <a:ext uri="{FF2B5EF4-FFF2-40B4-BE49-F238E27FC236}">
+                <a16:creationId xmlns:a16="http://schemas.microsoft.com/office/drawing/2014/main" id="{3C182278-270F-47F9-83F9-5BE64AC1F328}"/>
+              </a:ext>
+            </a:extLst>
+          </p:cNvPr>
+          <p:cNvCxnSpPr>
+            <a:cxnSpLocks/>
+          </p:cNvCxnSpPr>
+          <p:nvPr/>
+        </p:nvCxnSpPr>
+        <p:spPr>
+          <a:xfrm>
+            <a:off x="1634008" y="4033520"/>
+            <a:ext cx="692632" cy="0"/>
+          </a:xfrm>
+          <a:prstGeom prst="line">
+            <a:avLst/>
+          </a:prstGeom>
+          <a:ln w="19050">
+            <a:solidFill>
+              <a:srgbClr val="FF0000"/>
+            </a:solidFill>
+            <a:prstDash val="sysDash"/>
+            <a:headEnd type="none" w="med" len="lg"/>
+            <a:tailEnd type="none" w="med" len="lg"/>
+          </a:ln>
+        </p:spPr>
+        <p:style>
+          <a:lnRef idx="1">
+            <a:schemeClr val="accent1"/>
+          </a:lnRef>
+          <a:fillRef idx="0">
+            <a:schemeClr val="accent1"/>
+          </a:fillRef>
+          <a:effectRef idx="0">
+            <a:schemeClr val="accent1"/>
+          </a:effectRef>
+          <a:fontRef idx="minor">
+            <a:schemeClr val="tx1"/>
+          </a:fontRef>
+        </p:style>
+      </p:cxnSp>
+      <p:sp>
+        <p:nvSpPr>
+          <p:cNvPr id="28" name="ZoneTexte 27">
+            <a:extLst>
+              <a:ext uri="{FF2B5EF4-FFF2-40B4-BE49-F238E27FC236}">
+                <a16:creationId xmlns:a16="http://schemas.microsoft.com/office/drawing/2014/main" id="{B7C7053D-2C93-462F-AE93-51DE5C6E60E7}"/>
+              </a:ext>
+            </a:extLst>
+          </p:cNvPr>
+          <p:cNvSpPr txBox="1"/>
+          <p:nvPr/>
+        </p:nvSpPr>
+        <p:spPr>
+          <a:xfrm>
+            <a:off x="3251200" y="3977362"/>
+            <a:ext cx="2557110" cy="369332"/>
+          </a:xfrm>
+          <a:prstGeom prst="rect">
+            <a:avLst/>
+          </a:prstGeom>
+          <a:noFill/>
+        </p:spPr>
+        <p:txBody>
+          <a:bodyPr wrap="none" rtlCol="0">
+            <a:spAutoFit/>
+          </a:bodyPr>
+          <a:lstStyle/>
+          <a:p>
+            <a:r>
+              <a:rPr lang="fr-FR" b="1" dirty="0"/>
+              <a:t>Retard de trainage 0,02 s</a:t>
+            </a:r>
+          </a:p>
+        </p:txBody>
+      </p:sp>
+      <p:sp>
+        <p:nvSpPr>
+          <p:cNvPr id="29" name="ZoneTexte 28">
+            <a:extLst>
+              <a:ext uri="{FF2B5EF4-FFF2-40B4-BE49-F238E27FC236}">
+                <a16:creationId xmlns:a16="http://schemas.microsoft.com/office/drawing/2014/main" id="{10099E48-E51F-485B-9AB5-6376A07C8169}"/>
+              </a:ext>
+            </a:extLst>
+          </p:cNvPr>
+          <p:cNvSpPr txBox="1"/>
+          <p:nvPr/>
+        </p:nvSpPr>
+        <p:spPr>
+          <a:xfrm>
+            <a:off x="3378199" y="1093708"/>
+            <a:ext cx="2729722" cy="369332"/>
+          </a:xfrm>
+          <a:prstGeom prst="rect">
+            <a:avLst/>
+          </a:prstGeom>
+          <a:noFill/>
+        </p:spPr>
+        <p:txBody>
+          <a:bodyPr wrap="none" rtlCol="0">
+            <a:spAutoFit/>
+          </a:bodyPr>
+          <a:lstStyle/>
+          <a:p>
+            <a:r>
+              <a:rPr lang="fr-FR" b="1" dirty="0"/>
+              <a:t>Erreur de trainage 0,004 m</a:t>
+            </a:r>
+          </a:p>
+        </p:txBody>
+      </p:sp>
+      <p:sp>
+        <p:nvSpPr>
+          <p:cNvPr id="30" name="ZoneTexte 29">
+            <a:extLst>
+              <a:ext uri="{FF2B5EF4-FFF2-40B4-BE49-F238E27FC236}">
+                <a16:creationId xmlns:a16="http://schemas.microsoft.com/office/drawing/2014/main" id="{331BB158-E1A0-4E55-AD45-90AB17D6C929}"/>
+              </a:ext>
+            </a:extLst>
+          </p:cNvPr>
+          <p:cNvSpPr txBox="1"/>
+          <p:nvPr/>
+        </p:nvSpPr>
+        <p:spPr>
+          <a:xfrm>
+            <a:off x="1617802" y="2997706"/>
+            <a:ext cx="1906932" cy="646331"/>
+          </a:xfrm>
+          <a:prstGeom prst="rect">
+            <a:avLst/>
+          </a:prstGeom>
+          <a:noFill/>
+        </p:spPr>
+        <p:txBody>
+          <a:bodyPr wrap="none" rtlCol="0">
+            <a:spAutoFit/>
+          </a:bodyPr>
+          <a:lstStyle/>
+          <a:p>
+            <a:r>
+              <a:rPr lang="fr-FR" b="1" dirty="0"/>
+              <a:t>Erreur dynamique</a:t>
+            </a:r>
+          </a:p>
+          <a:p>
+            <a:r>
+              <a:rPr lang="fr-FR" b="1" dirty="0"/>
+              <a:t>0,005 m</a:t>
+            </a:r>
+          </a:p>
+        </p:txBody>
+      </p:sp>
+    </p:spTree>
+    <p:extLst>
+      <p:ext uri="{BB962C8B-B14F-4D97-AF65-F5344CB8AC3E}">
+        <p14:creationId xmlns:p14="http://schemas.microsoft.com/office/powerpoint/2010/main" val="957060922"/>
+      </p:ext>
+    </p:extLst>
+  </p:cSld>
+  <p:clrMapOvr>
+    <a:masterClrMapping/>
+  </p:clrMapOvr>
+</p:sld>
+</file>
+
+<file path=ppt/slides/slide10.xml><?xml version="1.0" encoding="utf-8"?>
+<p:sld xmlns:a="http://schemas.openxmlformats.org/drawingml/2006/main" xmlns:r="http://schemas.openxmlformats.org/officeDocument/2006/relationships" xmlns:p="http://schemas.openxmlformats.org/presentationml/2006/main">
+  <p:cSld>
+    <p:spTree>
+      <p:nvGrpSpPr>
+        <p:cNvPr id="1" name=""/>
+        <p:cNvGrpSpPr/>
+        <p:nvPr/>
+      </p:nvGrpSpPr>
+      <p:grpSpPr>
+        <a:xfrm>
+          <a:off x="0" y="0"/>
+          <a:ext cx="0" cy="0"/>
+          <a:chOff x="0" y="0"/>
+          <a:chExt cx="0" cy="0"/>
+        </a:xfrm>
+      </p:grpSpPr>
+      <p:pic>
+        <p:nvPicPr>
+          <p:cNvPr id="5" name="Image 4">
+            <a:extLst>
+              <a:ext uri="{FF2B5EF4-FFF2-40B4-BE49-F238E27FC236}">
+                <a16:creationId xmlns:a16="http://schemas.microsoft.com/office/drawing/2014/main" id="{A43384D1-5722-4695-9AEC-BB4A3304E78F}"/>
+              </a:ext>
+            </a:extLst>
+          </p:cNvPr>
+          <p:cNvPicPr>
+            <a:picLocks noChangeAspect="1"/>
+          </p:cNvPicPr>
+          <p:nvPr/>
+        </p:nvPicPr>
+        <p:blipFill>
+          <a:blip r:embed="rId2">
+            <a:extLst>
+              <a:ext uri="{28A0092B-C50C-407E-A947-70E740481C1C}">
+                <a14:useLocalDpi xmlns:a14="http://schemas.microsoft.com/office/drawing/2010/main" val="0"/>
+              </a:ext>
+            </a:extLst>
+          </a:blip>
+          <a:stretch>
+            <a:fillRect/>
+          </a:stretch>
+        </p:blipFill>
+        <p:spPr>
+          <a:xfrm>
+            <a:off x="1820333" y="788399"/>
+            <a:ext cx="5266268" cy="3875734"/>
+          </a:xfrm>
+          <a:prstGeom prst="rect">
+            <a:avLst/>
+          </a:prstGeom>
+        </p:spPr>
+      </p:pic>
+      <p:cxnSp>
+        <p:nvCxnSpPr>
+          <p:cNvPr id="7" name="Connecteur droit 6">
+            <a:extLst>
+              <a:ext uri="{FF2B5EF4-FFF2-40B4-BE49-F238E27FC236}">
+                <a16:creationId xmlns:a16="http://schemas.microsoft.com/office/drawing/2014/main" id="{2C619AA2-6D19-47BF-9D59-8A4A88EA0B9A}"/>
+              </a:ext>
+            </a:extLst>
+          </p:cNvPr>
+          <p:cNvCxnSpPr/>
+          <p:nvPr/>
+        </p:nvCxnSpPr>
+        <p:spPr>
+          <a:xfrm>
+            <a:off x="1972732" y="1439333"/>
+            <a:ext cx="5164666" cy="0"/>
+          </a:xfrm>
+          <a:prstGeom prst="line">
+            <a:avLst/>
+          </a:prstGeom>
+          <a:ln w="19050">
+            <a:solidFill>
+              <a:srgbClr val="FF0000"/>
+            </a:solidFill>
+          </a:ln>
+        </p:spPr>
+        <p:style>
+          <a:lnRef idx="1">
+            <a:schemeClr val="accent1"/>
+          </a:lnRef>
+          <a:fillRef idx="0">
+            <a:schemeClr val="accent1"/>
+          </a:fillRef>
+          <a:effectRef idx="0">
+            <a:schemeClr val="accent1"/>
+          </a:effectRef>
+          <a:fontRef idx="minor">
+            <a:schemeClr val="tx1"/>
+          </a:fontRef>
+        </p:style>
+      </p:cxnSp>
+      <mc:AlternateContent xmlns:mc="http://schemas.openxmlformats.org/markup-compatibility/2006" xmlns:a14="http://schemas.microsoft.com/office/drawing/2010/main">
+        <mc:Choice Requires="a14">
+          <p:sp>
+            <p:nvSpPr>
+              <p:cNvPr id="8" name="ZoneTexte 7">
+                <a:extLst>
+                  <a:ext uri="{FF2B5EF4-FFF2-40B4-BE49-F238E27FC236}">
+                    <a16:creationId xmlns:a16="http://schemas.microsoft.com/office/drawing/2014/main" id="{7BF162EA-7621-44A6-ADD6-D57E4615EA68}"/>
+                  </a:ext>
+                </a:extLst>
+              </p:cNvPr>
+              <p:cNvSpPr txBox="1"/>
+              <p:nvPr/>
+            </p:nvSpPr>
+            <p:spPr>
+              <a:xfrm>
+                <a:off x="2040350" y="1087502"/>
+                <a:ext cx="1130566" cy="302519"/>
+              </a:xfrm>
+              <a:prstGeom prst="rect">
+                <a:avLst/>
+              </a:prstGeom>
+              <a:noFill/>
+            </p:spPr>
+            <p:txBody>
+              <a:bodyPr wrap="none" lIns="0" tIns="0" rIns="0" bIns="0" rtlCol="0">
+                <a:spAutoFit/>
+              </a:bodyPr>
+              <a:lstStyle/>
+              <a:p>
+                <a:pPr/>
+                <a14:m>
+                  <m:oMathPara xmlns:m="http://schemas.openxmlformats.org/officeDocument/2006/math">
+                    <m:oMathParaPr>
+                      <m:jc m:val="centerGroup"/>
+                    </m:oMathParaPr>
+                    <m:oMath xmlns:m="http://schemas.openxmlformats.org/officeDocument/2006/math">
+                      <m:sSub>
+                        <m:sSubPr>
+                          <m:ctrlPr>
+                            <a:rPr lang="fr-FR" b="0" i="1" smtClean="0">
+                              <a:latin typeface="Cambria Math" panose="02040503050406030204" pitchFamily="18" charset="0"/>
+                            </a:rPr>
+                          </m:ctrlPr>
+                        </m:sSubPr>
+                        <m:e>
+                          <m:r>
+                            <a:rPr lang="fr-FR" b="0" i="1" smtClean="0">
+                              <a:latin typeface="Cambria Math" panose="02040503050406030204" pitchFamily="18" charset="0"/>
+                            </a:rPr>
+                            <m:t>𝐺</m:t>
+                          </m:r>
+                        </m:e>
+                        <m:sub>
+                          <m:r>
+                            <a:rPr lang="fr-FR" b="0" i="1" smtClean="0">
+                              <a:latin typeface="Cambria Math" panose="02040503050406030204" pitchFamily="18" charset="0"/>
+                            </a:rPr>
+                            <m:t>𝑠</m:t>
+                          </m:r>
+                        </m:sub>
+                      </m:sSub>
+                      <m:sSub>
+                        <m:sSubPr>
+                          <m:ctrlPr>
+                            <a:rPr lang="fr-FR" b="0" i="1" smtClean="0">
+                              <a:latin typeface="Cambria Math" panose="02040503050406030204" pitchFamily="18" charset="0"/>
+                            </a:rPr>
+                          </m:ctrlPr>
+                        </m:sSubPr>
+                        <m:e>
+                          <m:r>
+                            <a:rPr lang="fr-FR" b="0" i="1" smtClean="0">
+                              <a:latin typeface="Cambria Math" panose="02040503050406030204" pitchFamily="18" charset="0"/>
+                            </a:rPr>
+                            <m:t>𝑈</m:t>
+                          </m:r>
+                        </m:e>
+                        <m:sub>
+                          <m:r>
+                            <a:rPr lang="fr-FR" b="0" i="1" smtClean="0">
+                              <a:latin typeface="Cambria Math" panose="02040503050406030204" pitchFamily="18" charset="0"/>
+                            </a:rPr>
+                            <m:t>0</m:t>
+                          </m:r>
+                        </m:sub>
+                      </m:sSub>
+                      <m:sSub>
+                        <m:sSubPr>
+                          <m:ctrlPr>
+                            <a:rPr lang="fr-FR" b="0" i="1" smtClean="0">
+                              <a:latin typeface="Cambria Math" panose="02040503050406030204" pitchFamily="18" charset="0"/>
+                            </a:rPr>
+                          </m:ctrlPr>
+                        </m:sSubPr>
+                        <m:e>
+                          <m:r>
+                            <a:rPr lang="fr-FR" b="0" i="1" smtClean="0">
+                              <a:latin typeface="Cambria Math" panose="02040503050406030204" pitchFamily="18" charset="0"/>
+                            </a:rPr>
+                            <m:t>𝐾</m:t>
+                          </m:r>
+                        </m:e>
+                        <m:sub>
+                          <m:r>
+                            <m:rPr>
+                              <m:sty m:val="p"/>
+                            </m:rPr>
+                            <a:rPr lang="fr-FR" b="0" i="0" smtClean="0">
+                              <a:latin typeface="Cambria Math" panose="02040503050406030204" pitchFamily="18" charset="0"/>
+                            </a:rPr>
+                            <m:t>tachy</m:t>
+                          </m:r>
+                        </m:sub>
+                      </m:sSub>
+                    </m:oMath>
+                  </m:oMathPara>
+                </a14:m>
+                <a:endParaRPr lang="fr-FR" dirty="0"/>
+              </a:p>
+            </p:txBody>
+          </p:sp>
+        </mc:Choice>
+        <mc:Fallback xmlns="">
+          <p:sp>
+            <p:nvSpPr>
+              <p:cNvPr id="8" name="ZoneTexte 7">
+                <a:extLst>
+                  <a:ext uri="{FF2B5EF4-FFF2-40B4-BE49-F238E27FC236}">
+                    <a16:creationId xmlns:a16="http://schemas.microsoft.com/office/drawing/2014/main" id="{7BF162EA-7621-44A6-ADD6-D57E4615EA68}"/>
+                  </a:ext>
+                </a:extLst>
+              </p:cNvPr>
+              <p:cNvSpPr txBox="1">
+                <a:spLocks noRot="1" noChangeAspect="1" noMove="1" noResize="1" noEditPoints="1" noAdjustHandles="1" noChangeArrowheads="1" noChangeShapeType="1" noTextEdit="1"/>
+              </p:cNvSpPr>
+              <p:nvPr/>
+            </p:nvSpPr>
+            <p:spPr>
+              <a:xfrm>
+                <a:off x="2040350" y="1087502"/>
+                <a:ext cx="1130566" cy="302519"/>
+              </a:xfrm>
+              <a:prstGeom prst="rect">
+                <a:avLst/>
+              </a:prstGeom>
+              <a:blipFill>
+                <a:blip r:embed="rId3"/>
+                <a:stretch>
+                  <a:fillRect l="-4865" r="-4324" b="-28000"/>
+                </a:stretch>
+              </a:blipFill>
+            </p:spPr>
+            <p:txBody>
+              <a:bodyPr/>
+              <a:lstStyle/>
+              <a:p>
+                <a:r>
+                  <a:rPr lang="fr-FR">
+                    <a:noFill/>
+                  </a:rPr>
+                  <a:t> </a:t>
+                </a:r>
+              </a:p>
+            </p:txBody>
+          </p:sp>
+        </mc:Fallback>
+      </mc:AlternateContent>
+      <p:cxnSp>
+        <p:nvCxnSpPr>
+          <p:cNvPr id="9" name="Connecteur droit 8">
+            <a:extLst>
+              <a:ext uri="{FF2B5EF4-FFF2-40B4-BE49-F238E27FC236}">
+                <a16:creationId xmlns:a16="http://schemas.microsoft.com/office/drawing/2014/main" id="{8DCB92E6-DCA3-49B5-B4D5-9F218092D2ED}"/>
+              </a:ext>
+            </a:extLst>
+          </p:cNvPr>
+          <p:cNvCxnSpPr>
+            <a:cxnSpLocks/>
+          </p:cNvCxnSpPr>
+          <p:nvPr/>
+        </p:nvCxnSpPr>
+        <p:spPr>
+          <a:xfrm flipV="1">
+            <a:off x="1972732" y="2540001"/>
+            <a:ext cx="5164666" cy="1"/>
+          </a:xfrm>
+          <a:prstGeom prst="line">
+            <a:avLst/>
+          </a:prstGeom>
+          <a:ln w="19050">
+            <a:solidFill>
+              <a:srgbClr val="FF0000"/>
+            </a:solidFill>
+          </a:ln>
+        </p:spPr>
+        <p:style>
+          <a:lnRef idx="1">
+            <a:schemeClr val="accent1"/>
+          </a:lnRef>
+          <a:fillRef idx="0">
+            <a:schemeClr val="accent1"/>
+          </a:fillRef>
+          <a:effectRef idx="0">
+            <a:schemeClr val="accent1"/>
+          </a:effectRef>
+          <a:fontRef idx="minor">
+            <a:schemeClr val="tx1"/>
+          </a:fontRef>
+        </p:style>
+      </p:cxnSp>
+      <mc:AlternateContent xmlns:mc="http://schemas.openxmlformats.org/markup-compatibility/2006" xmlns:a14="http://schemas.microsoft.com/office/drawing/2010/main">
+        <mc:Choice Requires="a14">
+          <p:sp>
+            <p:nvSpPr>
+              <p:cNvPr id="12" name="ZoneTexte 11">
+                <a:extLst>
+                  <a:ext uri="{FF2B5EF4-FFF2-40B4-BE49-F238E27FC236}">
+                    <a16:creationId xmlns:a16="http://schemas.microsoft.com/office/drawing/2014/main" id="{11762EE3-1069-47CE-83A9-EB4A9582E99B}"/>
+                  </a:ext>
+                </a:extLst>
+              </p:cNvPr>
+              <p:cNvSpPr txBox="1"/>
+              <p:nvPr/>
+            </p:nvSpPr>
+            <p:spPr>
+              <a:xfrm>
+                <a:off x="5344161" y="2224400"/>
+                <a:ext cx="1742440" cy="302519"/>
+              </a:xfrm>
+              <a:prstGeom prst="rect">
+                <a:avLst/>
+              </a:prstGeom>
+              <a:noFill/>
+            </p:spPr>
+            <p:txBody>
+              <a:bodyPr wrap="square" lIns="0" tIns="0" rIns="0" bIns="0" rtlCol="0">
+                <a:spAutoFit/>
+              </a:bodyPr>
+              <a:lstStyle/>
+              <a:p>
+                <a:pPr/>
+                <a14:m>
+                  <m:oMathPara xmlns:m="http://schemas.openxmlformats.org/officeDocument/2006/math">
+                    <m:oMathParaPr>
+                      <m:jc m:val="centerGroup"/>
+                    </m:oMathParaPr>
+                    <m:oMath xmlns:m="http://schemas.openxmlformats.org/officeDocument/2006/math">
+                      <m:r>
+                        <a:rPr lang="fr-FR" b="0" i="1" smtClean="0">
+                          <a:latin typeface="Cambria Math" panose="02040503050406030204" pitchFamily="18" charset="0"/>
+                        </a:rPr>
+                        <m:t>0,63⋅</m:t>
+                      </m:r>
+                      <m:sSub>
+                        <m:sSubPr>
+                          <m:ctrlPr>
+                            <a:rPr lang="fr-FR" b="0" i="1" smtClean="0">
+                              <a:latin typeface="Cambria Math" panose="02040503050406030204" pitchFamily="18" charset="0"/>
+                            </a:rPr>
+                          </m:ctrlPr>
+                        </m:sSubPr>
+                        <m:e>
+                          <m:r>
+                            <a:rPr lang="fr-FR" b="0" i="1" smtClean="0">
+                              <a:latin typeface="Cambria Math" panose="02040503050406030204" pitchFamily="18" charset="0"/>
+                            </a:rPr>
+                            <m:t>𝐺</m:t>
+                          </m:r>
+                        </m:e>
+                        <m:sub>
+                          <m:r>
+                            <a:rPr lang="fr-FR" b="0" i="1" smtClean="0">
+                              <a:latin typeface="Cambria Math" panose="02040503050406030204" pitchFamily="18" charset="0"/>
+                            </a:rPr>
+                            <m:t>𝑠</m:t>
+                          </m:r>
+                        </m:sub>
+                      </m:sSub>
+                      <m:sSub>
+                        <m:sSubPr>
+                          <m:ctrlPr>
+                            <a:rPr lang="fr-FR" b="0" i="1" smtClean="0">
+                              <a:latin typeface="Cambria Math" panose="02040503050406030204" pitchFamily="18" charset="0"/>
+                            </a:rPr>
+                          </m:ctrlPr>
+                        </m:sSubPr>
+                        <m:e>
+                          <m:r>
+                            <a:rPr lang="fr-FR" b="0" i="1" smtClean="0">
+                              <a:latin typeface="Cambria Math" panose="02040503050406030204" pitchFamily="18" charset="0"/>
+                            </a:rPr>
+                            <m:t>𝑈</m:t>
+                          </m:r>
+                        </m:e>
+                        <m:sub>
+                          <m:r>
+                            <a:rPr lang="fr-FR" b="0" i="1" smtClean="0">
+                              <a:latin typeface="Cambria Math" panose="02040503050406030204" pitchFamily="18" charset="0"/>
+                            </a:rPr>
+                            <m:t>0</m:t>
+                          </m:r>
+                        </m:sub>
+                      </m:sSub>
+                      <m:sSub>
+                        <m:sSubPr>
+                          <m:ctrlPr>
+                            <a:rPr lang="fr-FR" i="1">
+                              <a:latin typeface="Cambria Math" panose="02040503050406030204" pitchFamily="18" charset="0"/>
+                            </a:rPr>
+                          </m:ctrlPr>
+                        </m:sSubPr>
+                        <m:e>
+                          <m:r>
+                            <a:rPr lang="fr-FR" i="1">
+                              <a:latin typeface="Cambria Math" panose="02040503050406030204" pitchFamily="18" charset="0"/>
+                            </a:rPr>
+                            <m:t>𝐾</m:t>
+                          </m:r>
+                        </m:e>
+                        <m:sub>
+                          <m:r>
+                            <m:rPr>
+                              <m:sty m:val="p"/>
+                            </m:rPr>
+                            <a:rPr lang="fr-FR">
+                              <a:latin typeface="Cambria Math" panose="02040503050406030204" pitchFamily="18" charset="0"/>
+                            </a:rPr>
+                            <m:t>tachy</m:t>
+                          </m:r>
+                        </m:sub>
+                      </m:sSub>
+                    </m:oMath>
+                  </m:oMathPara>
+                </a14:m>
+                <a:endParaRPr lang="fr-FR" dirty="0"/>
+              </a:p>
+            </p:txBody>
+          </p:sp>
+        </mc:Choice>
+        <mc:Fallback xmlns="">
+          <p:sp>
+            <p:nvSpPr>
+              <p:cNvPr id="12" name="ZoneTexte 11">
+                <a:extLst>
+                  <a:ext uri="{FF2B5EF4-FFF2-40B4-BE49-F238E27FC236}">
+                    <a16:creationId xmlns:a16="http://schemas.microsoft.com/office/drawing/2014/main" id="{11762EE3-1069-47CE-83A9-EB4A9582E99B}"/>
+                  </a:ext>
+                </a:extLst>
+              </p:cNvPr>
+              <p:cNvSpPr txBox="1">
+                <a:spLocks noRot="1" noChangeAspect="1" noMove="1" noResize="1" noEditPoints="1" noAdjustHandles="1" noChangeArrowheads="1" noChangeShapeType="1" noTextEdit="1"/>
+              </p:cNvSpPr>
+              <p:nvPr/>
+            </p:nvSpPr>
+            <p:spPr>
+              <a:xfrm>
+                <a:off x="5344161" y="2224400"/>
+                <a:ext cx="1742440" cy="302519"/>
+              </a:xfrm>
+              <a:prstGeom prst="rect">
+                <a:avLst/>
+              </a:prstGeom>
+              <a:blipFill>
+                <a:blip r:embed="rId4"/>
+                <a:stretch>
+                  <a:fillRect l="-2797" r="-2098" b="-26000"/>
+                </a:stretch>
+              </a:blipFill>
+            </p:spPr>
+            <p:txBody>
+              <a:bodyPr/>
+              <a:lstStyle/>
+              <a:p>
+                <a:r>
+                  <a:rPr lang="fr-FR">
+                    <a:noFill/>
+                  </a:rPr>
+                  <a:t> </a:t>
+                </a:r>
+              </a:p>
+            </p:txBody>
+          </p:sp>
+        </mc:Fallback>
+      </mc:AlternateContent>
+      <p:cxnSp>
+        <p:nvCxnSpPr>
+          <p:cNvPr id="14" name="Connecteur droit 13">
+            <a:extLst>
+              <a:ext uri="{FF2B5EF4-FFF2-40B4-BE49-F238E27FC236}">
+                <a16:creationId xmlns:a16="http://schemas.microsoft.com/office/drawing/2014/main" id="{505D42DA-6ED6-484B-A709-B08839F8BBD3}"/>
+              </a:ext>
+            </a:extLst>
+          </p:cNvPr>
+          <p:cNvCxnSpPr>
+            <a:cxnSpLocks/>
+          </p:cNvCxnSpPr>
+          <p:nvPr/>
+        </p:nvCxnSpPr>
+        <p:spPr>
+          <a:xfrm flipV="1">
+            <a:off x="2753360" y="2540001"/>
+            <a:ext cx="0" cy="1920239"/>
+          </a:xfrm>
+          <a:prstGeom prst="line">
+            <a:avLst/>
+          </a:prstGeom>
+          <a:ln w="19050">
+            <a:solidFill>
+              <a:srgbClr val="FF0000"/>
+            </a:solidFill>
+          </a:ln>
+        </p:spPr>
+        <p:style>
+          <a:lnRef idx="1">
+            <a:schemeClr val="accent1"/>
+          </a:lnRef>
+          <a:fillRef idx="0">
+            <a:schemeClr val="accent1"/>
+          </a:fillRef>
+          <a:effectRef idx="0">
+            <a:schemeClr val="accent1"/>
+          </a:effectRef>
+          <a:fontRef idx="minor">
+            <a:schemeClr val="tx1"/>
+          </a:fontRef>
+        </p:style>
+      </p:cxnSp>
+      <mc:AlternateContent xmlns:mc="http://schemas.openxmlformats.org/markup-compatibility/2006" xmlns:a14="http://schemas.microsoft.com/office/drawing/2010/main">
+        <mc:Choice Requires="a14">
+          <p:sp>
+            <p:nvSpPr>
+              <p:cNvPr id="17" name="ZoneTexte 16">
+                <a:extLst>
+                  <a:ext uri="{FF2B5EF4-FFF2-40B4-BE49-F238E27FC236}">
+                    <a16:creationId xmlns:a16="http://schemas.microsoft.com/office/drawing/2014/main" id="{0C126D4A-D8AE-40FC-8456-F470D30B02ED}"/>
+                  </a:ext>
+                </a:extLst>
+              </p:cNvPr>
+              <p:cNvSpPr txBox="1"/>
+              <p:nvPr/>
+            </p:nvSpPr>
+            <p:spPr>
+              <a:xfrm>
+                <a:off x="2253098" y="4183241"/>
+                <a:ext cx="1240982" cy="276999"/>
+              </a:xfrm>
+              <a:prstGeom prst="rect">
+                <a:avLst/>
+              </a:prstGeom>
+              <a:noFill/>
+            </p:spPr>
+            <p:txBody>
+              <a:bodyPr wrap="square" lIns="0" tIns="0" rIns="0" bIns="0" rtlCol="0">
+                <a:spAutoFit/>
+              </a:bodyPr>
+              <a:lstStyle/>
+              <a:p>
+                <a:pPr/>
+                <a14:m>
+                  <m:oMathPara xmlns:m="http://schemas.openxmlformats.org/officeDocument/2006/math">
+                    <m:oMathParaPr>
+                      <m:jc m:val="centerGroup"/>
+                    </m:oMathParaPr>
+                    <m:oMath xmlns:m="http://schemas.openxmlformats.org/officeDocument/2006/math">
+                      <m:r>
+                        <a:rPr lang="fr-FR" b="0" i="1" smtClean="0">
+                          <a:latin typeface="Cambria Math" panose="02040503050406030204" pitchFamily="18" charset="0"/>
+                        </a:rPr>
+                        <m:t>𝜏</m:t>
+                      </m:r>
+                    </m:oMath>
+                  </m:oMathPara>
+                </a14:m>
+                <a:endParaRPr lang="fr-FR" dirty="0"/>
+              </a:p>
+            </p:txBody>
+          </p:sp>
+        </mc:Choice>
+        <mc:Fallback xmlns="">
+          <p:sp>
+            <p:nvSpPr>
+              <p:cNvPr id="17" name="ZoneTexte 16">
+                <a:extLst>
+                  <a:ext uri="{FF2B5EF4-FFF2-40B4-BE49-F238E27FC236}">
+                    <a16:creationId xmlns:a16="http://schemas.microsoft.com/office/drawing/2014/main" id="{0C126D4A-D8AE-40FC-8456-F470D30B02ED}"/>
+                  </a:ext>
+                </a:extLst>
+              </p:cNvPr>
+              <p:cNvSpPr txBox="1">
+                <a:spLocks noRot="1" noChangeAspect="1" noMove="1" noResize="1" noEditPoints="1" noAdjustHandles="1" noChangeArrowheads="1" noChangeShapeType="1" noTextEdit="1"/>
+              </p:cNvSpPr>
+              <p:nvPr/>
+            </p:nvSpPr>
+            <p:spPr>
+              <a:xfrm>
+                <a:off x="2253098" y="4183241"/>
+                <a:ext cx="1240982" cy="276999"/>
+              </a:xfrm>
+              <a:prstGeom prst="rect">
+                <a:avLst/>
+              </a:prstGeom>
+              <a:blipFill>
+                <a:blip r:embed="rId5"/>
+                <a:stretch>
+                  <a:fillRect/>
+                </a:stretch>
+              </a:blipFill>
+            </p:spPr>
+            <p:txBody>
+              <a:bodyPr/>
+              <a:lstStyle/>
+              <a:p>
+                <a:r>
+                  <a:rPr lang="fr-FR">
+                    <a:noFill/>
+                  </a:rPr>
+                  <a:t> </a:t>
+                </a:r>
+              </a:p>
+            </p:txBody>
+          </p:sp>
+        </mc:Fallback>
+      </mc:AlternateContent>
+    </p:spTree>
+    <p:extLst>
+      <p:ext uri="{BB962C8B-B14F-4D97-AF65-F5344CB8AC3E}">
+        <p14:creationId xmlns:p14="http://schemas.microsoft.com/office/powerpoint/2010/main" val="1091728909"/>
+      </p:ext>
+    </p:extLst>
+  </p:cSld>
+  <p:clrMapOvr>
+    <a:masterClrMapping/>
+  </p:clrMapOvr>
+</p:sld>
+</file>
+
+<file path=ppt/slides/slide2.xml><?xml version="1.0" encoding="utf-8"?>
+<p:sld xmlns:a="http://schemas.openxmlformats.org/drawingml/2006/main" xmlns:r="http://schemas.openxmlformats.org/officeDocument/2006/relationships" xmlns:p="http://schemas.openxmlformats.org/presentationml/2006/main">
+  <p:cSld>
+    <p:spTree>
+      <p:nvGrpSpPr>
+        <p:cNvPr id="1" name=""/>
+        <p:cNvGrpSpPr/>
+        <p:nvPr/>
+      </p:nvGrpSpPr>
+      <p:grpSpPr>
+        <a:xfrm>
+          <a:off x="0" y="0"/>
+          <a:ext cx="0" cy="0"/>
+          <a:chOff x="0" y="0"/>
+          <a:chExt cx="0" cy="0"/>
+        </a:xfrm>
+      </p:grpSpPr>
+      <p:pic>
+        <p:nvPicPr>
           <p:cNvPr id="360" name="Image 359">
             <a:extLst>
               <a:ext uri="{FF2B5EF4-FFF2-40B4-BE49-F238E27FC236}">
@@ -4350,7 +5612,7 @@
 </p:sld>
 </file>
 
-<file path=ppt/slides/slide2.xml><?xml version="1.0" encoding="utf-8"?>
+<file path=ppt/slides/slide3.xml><?xml version="1.0" encoding="utf-8"?>
 <p:sld xmlns:a="http://schemas.openxmlformats.org/drawingml/2006/main" xmlns:r="http://schemas.openxmlformats.org/officeDocument/2006/relationships" xmlns:p="http://schemas.openxmlformats.org/presentationml/2006/main">
   <p:cSld>
     <p:spTree>
@@ -4489,8 +5751,8 @@
           </a:fontRef>
         </p:style>
       </p:cxnSp>
-      <mc:AlternateContent xmlns:mc="http://schemas.openxmlformats.org/markup-compatibility/2006">
-        <mc:Choice xmlns:a14="http://schemas.microsoft.com/office/drawing/2010/main" Requires="a14">
+      <mc:AlternateContent xmlns:mc="http://schemas.openxmlformats.org/markup-compatibility/2006" xmlns:a14="http://schemas.microsoft.com/office/drawing/2010/main">
+        <mc:Choice Requires="a14">
           <p:sp>
             <p:nvSpPr>
               <p:cNvPr id="15" name="ZoneTexte 14">
@@ -4519,6 +5781,7 @@
               </a:bodyPr>
               <a:lstStyle/>
               <a:p>
+                <a:pPr/>
                 <a14:m>
                   <m:oMathPara xmlns:m="http://schemas.openxmlformats.org/officeDocument/2006/math">
                     <m:oMathParaPr>
@@ -4548,7 +5811,7 @@
             </p:txBody>
           </p:sp>
         </mc:Choice>
-        <mc:Fallback>
+        <mc:Fallback xmlns="">
           <p:sp>
             <p:nvSpPr>
               <p:cNvPr id="15" name="ZoneTexte 14">
@@ -4593,8 +5856,8 @@
           </p:sp>
         </mc:Fallback>
       </mc:AlternateContent>
-      <mc:AlternateContent xmlns:mc="http://schemas.openxmlformats.org/markup-compatibility/2006">
-        <mc:Choice xmlns:a14="http://schemas.microsoft.com/office/drawing/2010/main" Requires="a14">
+      <mc:AlternateContent xmlns:mc="http://schemas.openxmlformats.org/markup-compatibility/2006" xmlns:a14="http://schemas.microsoft.com/office/drawing/2010/main">
+        <mc:Choice Requires="a14">
           <p:sp>
             <p:nvSpPr>
               <p:cNvPr id="16" name="ZoneTexte 15">
@@ -4623,6 +5886,7 @@
               </a:bodyPr>
               <a:lstStyle/>
               <a:p>
+                <a:pPr/>
                 <a14:m>
                   <m:oMathPara xmlns:m="http://schemas.openxmlformats.org/officeDocument/2006/math">
                     <m:oMathParaPr>
@@ -4658,7 +5922,7 @@
             </p:txBody>
           </p:sp>
         </mc:Choice>
-        <mc:Fallback>
+        <mc:Fallback xmlns="">
           <p:sp>
             <p:nvSpPr>
               <p:cNvPr id="16" name="ZoneTexte 15">
@@ -4716,7 +5980,7 @@
 </p:sld>
 </file>
 
-<file path=ppt/slides/slide3.xml><?xml version="1.0" encoding="utf-8"?>
+<file path=ppt/slides/slide4.xml><?xml version="1.0" encoding="utf-8"?>
 <p:sld xmlns:a="http://schemas.openxmlformats.org/drawingml/2006/main" xmlns:r="http://schemas.openxmlformats.org/officeDocument/2006/relationships" xmlns:p="http://schemas.openxmlformats.org/presentationml/2006/main">
   <p:cSld>
     <p:spTree>
@@ -4782,7 +6046,7 @@
 </p:sld>
 </file>
 
-<file path=ppt/slides/slide4.xml><?xml version="1.0" encoding="utf-8"?>
+<file path=ppt/slides/slide5.xml><?xml version="1.0" encoding="utf-8"?>
 <p:sld xmlns:a="http://schemas.openxmlformats.org/drawingml/2006/main" xmlns:r="http://schemas.openxmlformats.org/officeDocument/2006/relationships" xmlns:p="http://schemas.openxmlformats.org/presentationml/2006/main">
   <p:cSld>
     <p:spTree>
@@ -5385,7 +6649,7 @@
           <a:graphicData uri="http://schemas.openxmlformats.org/presentationml/2006/ole">
             <mc:AlternateContent xmlns:mc="http://schemas.openxmlformats.org/markup-compatibility/2006">
               <mc:Choice xmlns:v="urn:schemas-microsoft-com:vml" Requires="v">
-                <p:oleObj spid="_x0000_s3090" name="Picture" r:id="rId3" imgW="5285232" imgH="1283208" progId="Word.Picture.8">
+                <p:oleObj spid="_x0000_s3094" name="Picture" r:id="rId3" imgW="5285232" imgH="1283208" progId="Word.Picture.8">
                   <p:embed/>
                 </p:oleObj>
               </mc:Choice>
@@ -6596,7 +7860,7 @@
 </p:sld>
 </file>
 
-<file path=ppt/slides/slide5.xml><?xml version="1.0" encoding="utf-8"?>
+<file path=ppt/slides/slide6.xml><?xml version="1.0" encoding="utf-8"?>
 <p:sld xmlns:a="http://schemas.openxmlformats.org/drawingml/2006/main" xmlns:r="http://schemas.openxmlformats.org/officeDocument/2006/relationships" xmlns:p="http://schemas.openxmlformats.org/presentationml/2006/main">
   <p:cSld>
     <p:spTree>
@@ -9198,7 +10462,7 @@
 </p:sld>
 </file>
 
-<file path=ppt/slides/slide6.xml><?xml version="1.0" encoding="utf-8"?>
+<file path=ppt/slides/slide7.xml><?xml version="1.0" encoding="utf-8"?>
 <p:sld xmlns:a="http://schemas.openxmlformats.org/drawingml/2006/main" xmlns:r="http://schemas.openxmlformats.org/officeDocument/2006/relationships" xmlns:p="http://schemas.openxmlformats.org/presentationml/2006/main">
   <p:cSld>
     <p:spTree>
@@ -9312,7 +10576,7 @@
           <a:graphicData uri="http://schemas.openxmlformats.org/presentationml/2006/ole">
             <mc:AlternateContent xmlns:mc="http://schemas.openxmlformats.org/markup-compatibility/2006">
               <mc:Choice xmlns:v="urn:schemas-microsoft-com:vml" Requires="v">
-                <p:oleObj spid="_x0000_s4112" name="Picture" r:id="rId3" imgW="3566160" imgH="1127760" progId="Word.Picture.8">
+                <p:oleObj spid="_x0000_s4116" name="Picture" r:id="rId3" imgW="3566160" imgH="1127760" progId="Word.Picture.8">
                   <p:embed/>
                 </p:oleObj>
               </mc:Choice>
@@ -10909,7 +12173,7 @@
 </p:sld>
 </file>
 
-<file path=ppt/slides/slide7.xml><?xml version="1.0" encoding="utf-8"?>
+<file path=ppt/slides/slide8.xml><?xml version="1.0" encoding="utf-8"?>
 <p:sld xmlns:a="http://schemas.openxmlformats.org/drawingml/2006/main" xmlns:r="http://schemas.openxmlformats.org/officeDocument/2006/relationships" xmlns:p="http://schemas.openxmlformats.org/presentationml/2006/main">
   <p:cSld>
     <p:spTree>
@@ -13209,7 +14473,7 @@
 </p:sld>
 </file>
 
-<file path=ppt/slides/slide8.xml><?xml version="1.0" encoding="utf-8"?>
+<file path=ppt/slides/slide9.xml><?xml version="1.0" encoding="utf-8"?>
 <p:sld xmlns:a="http://schemas.openxmlformats.org/drawingml/2006/main" xmlns:r="http://schemas.openxmlformats.org/officeDocument/2006/relationships" xmlns:p="http://schemas.openxmlformats.org/presentationml/2006/main">
   <p:cSld>
     <p:spTree>
@@ -13825,7 +15089,7 @@
           <a:graphicData uri="http://schemas.openxmlformats.org/presentationml/2006/ole">
             <mc:AlternateContent xmlns:mc="http://schemas.openxmlformats.org/markup-compatibility/2006">
               <mc:Choice xmlns:v="urn:schemas-microsoft-com:vml" Requires="v">
-                <p:oleObj spid="_x0000_s6159" r:id="rId5" imgW="6457950" imgH="523875" progId="MgxDesigner">
+                <p:oleObj spid="_x0000_s6163" r:id="rId5" imgW="6457950" imgH="523875" progId="MgxDesigner">
                   <p:embed/>
                 </p:oleObj>
               </mc:Choice>
@@ -14543,637 +15807,6 @@
     <p:extLst>
       <p:ext uri="{BB962C8B-B14F-4D97-AF65-F5344CB8AC3E}">
         <p14:creationId xmlns:p14="http://schemas.microsoft.com/office/powerpoint/2010/main" val="2278425319"/>
-      </p:ext>
-    </p:extLst>
-  </p:cSld>
-  <p:clrMapOvr>
-    <a:masterClrMapping/>
-  </p:clrMapOvr>
-</p:sld>
-</file>
-
-<file path=ppt/slides/slide9.xml><?xml version="1.0" encoding="utf-8"?>
-<p:sld xmlns:a="http://schemas.openxmlformats.org/drawingml/2006/main" xmlns:r="http://schemas.openxmlformats.org/officeDocument/2006/relationships" xmlns:p="http://schemas.openxmlformats.org/presentationml/2006/main">
-  <p:cSld>
-    <p:spTree>
-      <p:nvGrpSpPr>
-        <p:cNvPr id="1" name=""/>
-        <p:cNvGrpSpPr/>
-        <p:nvPr/>
-      </p:nvGrpSpPr>
-      <p:grpSpPr>
-        <a:xfrm>
-          <a:off x="0" y="0"/>
-          <a:ext cx="0" cy="0"/>
-          <a:chOff x="0" y="0"/>
-          <a:chExt cx="0" cy="0"/>
-        </a:xfrm>
-      </p:grpSpPr>
-      <p:pic>
-        <p:nvPicPr>
-          <p:cNvPr id="5" name="Image 4">
-            <a:extLst>
-              <a:ext uri="{FF2B5EF4-FFF2-40B4-BE49-F238E27FC236}">
-                <a16:creationId xmlns:a16="http://schemas.microsoft.com/office/drawing/2014/main" id="{A43384D1-5722-4695-9AEC-BB4A3304E78F}"/>
-              </a:ext>
-            </a:extLst>
-          </p:cNvPr>
-          <p:cNvPicPr>
-            <a:picLocks noChangeAspect="1"/>
-          </p:cNvPicPr>
-          <p:nvPr/>
-        </p:nvPicPr>
-        <p:blipFill>
-          <a:blip r:embed="rId2">
-            <a:extLst>
-              <a:ext uri="{28A0092B-C50C-407E-A947-70E740481C1C}">
-                <a14:useLocalDpi xmlns:a14="http://schemas.microsoft.com/office/drawing/2010/main" val="0"/>
-              </a:ext>
-            </a:extLst>
-          </a:blip>
-          <a:stretch>
-            <a:fillRect/>
-          </a:stretch>
-        </p:blipFill>
-        <p:spPr>
-          <a:xfrm>
-            <a:off x="1820333" y="788399"/>
-            <a:ext cx="5266268" cy="3875734"/>
-          </a:xfrm>
-          <a:prstGeom prst="rect">
-            <a:avLst/>
-          </a:prstGeom>
-        </p:spPr>
-      </p:pic>
-      <p:cxnSp>
-        <p:nvCxnSpPr>
-          <p:cNvPr id="7" name="Connecteur droit 6">
-            <a:extLst>
-              <a:ext uri="{FF2B5EF4-FFF2-40B4-BE49-F238E27FC236}">
-                <a16:creationId xmlns:a16="http://schemas.microsoft.com/office/drawing/2014/main" id="{2C619AA2-6D19-47BF-9D59-8A4A88EA0B9A}"/>
-              </a:ext>
-            </a:extLst>
-          </p:cNvPr>
-          <p:cNvCxnSpPr/>
-          <p:nvPr/>
-        </p:nvCxnSpPr>
-        <p:spPr>
-          <a:xfrm>
-            <a:off x="1972732" y="1439333"/>
-            <a:ext cx="5164666" cy="0"/>
-          </a:xfrm>
-          <a:prstGeom prst="line">
-            <a:avLst/>
-          </a:prstGeom>
-          <a:ln w="19050">
-            <a:solidFill>
-              <a:srgbClr val="FF0000"/>
-            </a:solidFill>
-          </a:ln>
-        </p:spPr>
-        <p:style>
-          <a:lnRef idx="1">
-            <a:schemeClr val="accent1"/>
-          </a:lnRef>
-          <a:fillRef idx="0">
-            <a:schemeClr val="accent1"/>
-          </a:fillRef>
-          <a:effectRef idx="0">
-            <a:schemeClr val="accent1"/>
-          </a:effectRef>
-          <a:fontRef idx="minor">
-            <a:schemeClr val="tx1"/>
-          </a:fontRef>
-        </p:style>
-      </p:cxnSp>
-      <mc:AlternateContent xmlns:mc="http://schemas.openxmlformats.org/markup-compatibility/2006" xmlns:a14="http://schemas.microsoft.com/office/drawing/2010/main">
-        <mc:Choice Requires="a14">
-          <p:sp>
-            <p:nvSpPr>
-              <p:cNvPr id="8" name="ZoneTexte 7">
-                <a:extLst>
-                  <a:ext uri="{FF2B5EF4-FFF2-40B4-BE49-F238E27FC236}">
-                    <a16:creationId xmlns:a16="http://schemas.microsoft.com/office/drawing/2014/main" id="{7BF162EA-7621-44A6-ADD6-D57E4615EA68}"/>
-                  </a:ext>
-                </a:extLst>
-              </p:cNvPr>
-              <p:cNvSpPr txBox="1"/>
-              <p:nvPr/>
-            </p:nvSpPr>
-            <p:spPr>
-              <a:xfrm>
-                <a:off x="2040350" y="1087502"/>
-                <a:ext cx="1130566" cy="302519"/>
-              </a:xfrm>
-              <a:prstGeom prst="rect">
-                <a:avLst/>
-              </a:prstGeom>
-              <a:noFill/>
-            </p:spPr>
-            <p:txBody>
-              <a:bodyPr wrap="none" lIns="0" tIns="0" rIns="0" bIns="0" rtlCol="0">
-                <a:spAutoFit/>
-              </a:bodyPr>
-              <a:lstStyle/>
-              <a:p>
-                <a:pPr/>
-                <a14:m>
-                  <m:oMathPara xmlns:m="http://schemas.openxmlformats.org/officeDocument/2006/math">
-                    <m:oMathParaPr>
-                      <m:jc m:val="centerGroup"/>
-                    </m:oMathParaPr>
-                    <m:oMath xmlns:m="http://schemas.openxmlformats.org/officeDocument/2006/math">
-                      <m:sSub>
-                        <m:sSubPr>
-                          <m:ctrlPr>
-                            <a:rPr lang="fr-FR" b="0" i="1" smtClean="0">
-                              <a:latin typeface="Cambria Math" panose="02040503050406030204" pitchFamily="18" charset="0"/>
-                            </a:rPr>
-                          </m:ctrlPr>
-                        </m:sSubPr>
-                        <m:e>
-                          <m:r>
-                            <a:rPr lang="fr-FR" b="0" i="1" smtClean="0">
-                              <a:latin typeface="Cambria Math" panose="02040503050406030204" pitchFamily="18" charset="0"/>
-                            </a:rPr>
-                            <m:t>𝐺</m:t>
-                          </m:r>
-                        </m:e>
-                        <m:sub>
-                          <m:r>
-                            <a:rPr lang="fr-FR" b="0" i="1" smtClean="0">
-                              <a:latin typeface="Cambria Math" panose="02040503050406030204" pitchFamily="18" charset="0"/>
-                            </a:rPr>
-                            <m:t>𝑠</m:t>
-                          </m:r>
-                        </m:sub>
-                      </m:sSub>
-                      <m:sSub>
-                        <m:sSubPr>
-                          <m:ctrlPr>
-                            <a:rPr lang="fr-FR" b="0" i="1" smtClean="0">
-                              <a:latin typeface="Cambria Math" panose="02040503050406030204" pitchFamily="18" charset="0"/>
-                            </a:rPr>
-                          </m:ctrlPr>
-                        </m:sSubPr>
-                        <m:e>
-                          <m:r>
-                            <a:rPr lang="fr-FR" b="0" i="1" smtClean="0">
-                              <a:latin typeface="Cambria Math" panose="02040503050406030204" pitchFamily="18" charset="0"/>
-                            </a:rPr>
-                            <m:t>𝑈</m:t>
-                          </m:r>
-                        </m:e>
-                        <m:sub>
-                          <m:r>
-                            <a:rPr lang="fr-FR" b="0" i="1" smtClean="0">
-                              <a:latin typeface="Cambria Math" panose="02040503050406030204" pitchFamily="18" charset="0"/>
-                            </a:rPr>
-                            <m:t>0</m:t>
-                          </m:r>
-                        </m:sub>
-                      </m:sSub>
-                      <m:sSub>
-                        <m:sSubPr>
-                          <m:ctrlPr>
-                            <a:rPr lang="fr-FR" b="0" i="1" smtClean="0">
-                              <a:latin typeface="Cambria Math" panose="02040503050406030204" pitchFamily="18" charset="0"/>
-                            </a:rPr>
-                          </m:ctrlPr>
-                        </m:sSubPr>
-                        <m:e>
-                          <m:r>
-                            <a:rPr lang="fr-FR" b="0" i="1" smtClean="0">
-                              <a:latin typeface="Cambria Math" panose="02040503050406030204" pitchFamily="18" charset="0"/>
-                            </a:rPr>
-                            <m:t>𝐾</m:t>
-                          </m:r>
-                        </m:e>
-                        <m:sub>
-                          <m:r>
-                            <m:rPr>
-                              <m:sty m:val="p"/>
-                            </m:rPr>
-                            <a:rPr lang="fr-FR" b="0" i="0" smtClean="0">
-                              <a:latin typeface="Cambria Math" panose="02040503050406030204" pitchFamily="18" charset="0"/>
-                            </a:rPr>
-                            <m:t>tachy</m:t>
-                          </m:r>
-                        </m:sub>
-                      </m:sSub>
-                    </m:oMath>
-                  </m:oMathPara>
-                </a14:m>
-                <a:endParaRPr lang="fr-FR" dirty="0"/>
-              </a:p>
-            </p:txBody>
-          </p:sp>
-        </mc:Choice>
-        <mc:Fallback xmlns="">
-          <p:sp>
-            <p:nvSpPr>
-              <p:cNvPr id="8" name="ZoneTexte 7">
-                <a:extLst>
-                  <a:ext uri="{FF2B5EF4-FFF2-40B4-BE49-F238E27FC236}">
-                    <a16:creationId xmlns:a16="http://schemas.microsoft.com/office/drawing/2014/main" id="{7BF162EA-7621-44A6-ADD6-D57E4615EA68}"/>
-                  </a:ext>
-                </a:extLst>
-              </p:cNvPr>
-              <p:cNvSpPr txBox="1">
-                <a:spLocks noRot="1" noChangeAspect="1" noMove="1" noResize="1" noEditPoints="1" noAdjustHandles="1" noChangeArrowheads="1" noChangeShapeType="1" noTextEdit="1"/>
-              </p:cNvSpPr>
-              <p:nvPr/>
-            </p:nvSpPr>
-            <p:spPr>
-              <a:xfrm>
-                <a:off x="2040350" y="1087502"/>
-                <a:ext cx="1130566" cy="302519"/>
-              </a:xfrm>
-              <a:prstGeom prst="rect">
-                <a:avLst/>
-              </a:prstGeom>
-              <a:blipFill>
-                <a:blip r:embed="rId3"/>
-                <a:stretch>
-                  <a:fillRect l="-4865" r="-4324" b="-28000"/>
-                </a:stretch>
-              </a:blipFill>
-            </p:spPr>
-            <p:txBody>
-              <a:bodyPr/>
-              <a:lstStyle/>
-              <a:p>
-                <a:r>
-                  <a:rPr lang="fr-FR">
-                    <a:noFill/>
-                  </a:rPr>
-                  <a:t> </a:t>
-                </a:r>
-              </a:p>
-            </p:txBody>
-          </p:sp>
-        </mc:Fallback>
-      </mc:AlternateContent>
-      <p:cxnSp>
-        <p:nvCxnSpPr>
-          <p:cNvPr id="9" name="Connecteur droit 8">
-            <a:extLst>
-              <a:ext uri="{FF2B5EF4-FFF2-40B4-BE49-F238E27FC236}">
-                <a16:creationId xmlns:a16="http://schemas.microsoft.com/office/drawing/2014/main" id="{8DCB92E6-DCA3-49B5-B4D5-9F218092D2ED}"/>
-              </a:ext>
-            </a:extLst>
-          </p:cNvPr>
-          <p:cNvCxnSpPr>
-            <a:cxnSpLocks/>
-          </p:cNvCxnSpPr>
-          <p:nvPr/>
-        </p:nvCxnSpPr>
-        <p:spPr>
-          <a:xfrm flipV="1">
-            <a:off x="1972732" y="2540001"/>
-            <a:ext cx="5164666" cy="1"/>
-          </a:xfrm>
-          <a:prstGeom prst="line">
-            <a:avLst/>
-          </a:prstGeom>
-          <a:ln w="19050">
-            <a:solidFill>
-              <a:srgbClr val="FF0000"/>
-            </a:solidFill>
-          </a:ln>
-        </p:spPr>
-        <p:style>
-          <a:lnRef idx="1">
-            <a:schemeClr val="accent1"/>
-          </a:lnRef>
-          <a:fillRef idx="0">
-            <a:schemeClr val="accent1"/>
-          </a:fillRef>
-          <a:effectRef idx="0">
-            <a:schemeClr val="accent1"/>
-          </a:effectRef>
-          <a:fontRef idx="minor">
-            <a:schemeClr val="tx1"/>
-          </a:fontRef>
-        </p:style>
-      </p:cxnSp>
-      <mc:AlternateContent xmlns:mc="http://schemas.openxmlformats.org/markup-compatibility/2006" xmlns:a14="http://schemas.microsoft.com/office/drawing/2010/main">
-        <mc:Choice Requires="a14">
-          <p:sp>
-            <p:nvSpPr>
-              <p:cNvPr id="12" name="ZoneTexte 11">
-                <a:extLst>
-                  <a:ext uri="{FF2B5EF4-FFF2-40B4-BE49-F238E27FC236}">
-                    <a16:creationId xmlns:a16="http://schemas.microsoft.com/office/drawing/2014/main" id="{11762EE3-1069-47CE-83A9-EB4A9582E99B}"/>
-                  </a:ext>
-                </a:extLst>
-              </p:cNvPr>
-              <p:cNvSpPr txBox="1"/>
-              <p:nvPr/>
-            </p:nvSpPr>
-            <p:spPr>
-              <a:xfrm>
-                <a:off x="5344161" y="2224400"/>
-                <a:ext cx="1742440" cy="302519"/>
-              </a:xfrm>
-              <a:prstGeom prst="rect">
-                <a:avLst/>
-              </a:prstGeom>
-              <a:noFill/>
-            </p:spPr>
-            <p:txBody>
-              <a:bodyPr wrap="square" lIns="0" tIns="0" rIns="0" bIns="0" rtlCol="0">
-                <a:spAutoFit/>
-              </a:bodyPr>
-              <a:lstStyle/>
-              <a:p>
-                <a:pPr/>
-                <a14:m>
-                  <m:oMathPara xmlns:m="http://schemas.openxmlformats.org/officeDocument/2006/math">
-                    <m:oMathParaPr>
-                      <m:jc m:val="centerGroup"/>
-                    </m:oMathParaPr>
-                    <m:oMath xmlns:m="http://schemas.openxmlformats.org/officeDocument/2006/math">
-                      <m:r>
-                        <a:rPr lang="fr-FR" b="0" i="1" smtClean="0">
-                          <a:latin typeface="Cambria Math" panose="02040503050406030204" pitchFamily="18" charset="0"/>
-                        </a:rPr>
-                        <m:t>0,63⋅</m:t>
-                      </m:r>
-                      <m:sSub>
-                        <m:sSubPr>
-                          <m:ctrlPr>
-                            <a:rPr lang="fr-FR" b="0" i="1" smtClean="0">
-                              <a:latin typeface="Cambria Math" panose="02040503050406030204" pitchFamily="18" charset="0"/>
-                            </a:rPr>
-                          </m:ctrlPr>
-                        </m:sSubPr>
-                        <m:e>
-                          <m:r>
-                            <a:rPr lang="fr-FR" b="0" i="1" smtClean="0">
-                              <a:latin typeface="Cambria Math" panose="02040503050406030204" pitchFamily="18" charset="0"/>
-                            </a:rPr>
-                            <m:t>𝐺</m:t>
-                          </m:r>
-                        </m:e>
-                        <m:sub>
-                          <m:r>
-                            <a:rPr lang="fr-FR" b="0" i="1" smtClean="0">
-                              <a:latin typeface="Cambria Math" panose="02040503050406030204" pitchFamily="18" charset="0"/>
-                            </a:rPr>
-                            <m:t>𝑠</m:t>
-                          </m:r>
-                        </m:sub>
-                      </m:sSub>
-                      <m:sSub>
-                        <m:sSubPr>
-                          <m:ctrlPr>
-                            <a:rPr lang="fr-FR" b="0" i="1" smtClean="0">
-                              <a:latin typeface="Cambria Math" panose="02040503050406030204" pitchFamily="18" charset="0"/>
-                            </a:rPr>
-                          </m:ctrlPr>
-                        </m:sSubPr>
-                        <m:e>
-                          <m:r>
-                            <a:rPr lang="fr-FR" b="0" i="1" smtClean="0">
-                              <a:latin typeface="Cambria Math" panose="02040503050406030204" pitchFamily="18" charset="0"/>
-                            </a:rPr>
-                            <m:t>𝑈</m:t>
-                          </m:r>
-                        </m:e>
-                        <m:sub>
-                          <m:r>
-                            <a:rPr lang="fr-FR" b="0" i="1" smtClean="0">
-                              <a:latin typeface="Cambria Math" panose="02040503050406030204" pitchFamily="18" charset="0"/>
-                            </a:rPr>
-                            <m:t>0</m:t>
-                          </m:r>
-                        </m:sub>
-                      </m:sSub>
-                      <m:sSub>
-                        <m:sSubPr>
-                          <m:ctrlPr>
-                            <a:rPr lang="fr-FR" i="1">
-                              <a:latin typeface="Cambria Math" panose="02040503050406030204" pitchFamily="18" charset="0"/>
-                            </a:rPr>
-                          </m:ctrlPr>
-                        </m:sSubPr>
-                        <m:e>
-                          <m:r>
-                            <a:rPr lang="fr-FR" i="1">
-                              <a:latin typeface="Cambria Math" panose="02040503050406030204" pitchFamily="18" charset="0"/>
-                            </a:rPr>
-                            <m:t>𝐾</m:t>
-                          </m:r>
-                        </m:e>
-                        <m:sub>
-                          <m:r>
-                            <m:rPr>
-                              <m:sty m:val="p"/>
-                            </m:rPr>
-                            <a:rPr lang="fr-FR">
-                              <a:latin typeface="Cambria Math" panose="02040503050406030204" pitchFamily="18" charset="0"/>
-                            </a:rPr>
-                            <m:t>tachy</m:t>
-                          </m:r>
-                        </m:sub>
-                      </m:sSub>
-                    </m:oMath>
-                  </m:oMathPara>
-                </a14:m>
-                <a:endParaRPr lang="fr-FR" dirty="0"/>
-              </a:p>
-            </p:txBody>
-          </p:sp>
-        </mc:Choice>
-        <mc:Fallback xmlns="">
-          <p:sp>
-            <p:nvSpPr>
-              <p:cNvPr id="12" name="ZoneTexte 11">
-                <a:extLst>
-                  <a:ext uri="{FF2B5EF4-FFF2-40B4-BE49-F238E27FC236}">
-                    <a16:creationId xmlns:a16="http://schemas.microsoft.com/office/drawing/2014/main" id="{11762EE3-1069-47CE-83A9-EB4A9582E99B}"/>
-                  </a:ext>
-                </a:extLst>
-              </p:cNvPr>
-              <p:cNvSpPr txBox="1">
-                <a:spLocks noRot="1" noChangeAspect="1" noMove="1" noResize="1" noEditPoints="1" noAdjustHandles="1" noChangeArrowheads="1" noChangeShapeType="1" noTextEdit="1"/>
-              </p:cNvSpPr>
-              <p:nvPr/>
-            </p:nvSpPr>
-            <p:spPr>
-              <a:xfrm>
-                <a:off x="5344161" y="2224400"/>
-                <a:ext cx="1742440" cy="302519"/>
-              </a:xfrm>
-              <a:prstGeom prst="rect">
-                <a:avLst/>
-              </a:prstGeom>
-              <a:blipFill>
-                <a:blip r:embed="rId4"/>
-                <a:stretch>
-                  <a:fillRect l="-2797" r="-2098" b="-26000"/>
-                </a:stretch>
-              </a:blipFill>
-            </p:spPr>
-            <p:txBody>
-              <a:bodyPr/>
-              <a:lstStyle/>
-              <a:p>
-                <a:r>
-                  <a:rPr lang="fr-FR">
-                    <a:noFill/>
-                  </a:rPr>
-                  <a:t> </a:t>
-                </a:r>
-              </a:p>
-            </p:txBody>
-          </p:sp>
-        </mc:Fallback>
-      </mc:AlternateContent>
-      <p:cxnSp>
-        <p:nvCxnSpPr>
-          <p:cNvPr id="14" name="Connecteur droit 13">
-            <a:extLst>
-              <a:ext uri="{FF2B5EF4-FFF2-40B4-BE49-F238E27FC236}">
-                <a16:creationId xmlns:a16="http://schemas.microsoft.com/office/drawing/2014/main" id="{505D42DA-6ED6-484B-A709-B08839F8BBD3}"/>
-              </a:ext>
-            </a:extLst>
-          </p:cNvPr>
-          <p:cNvCxnSpPr>
-            <a:cxnSpLocks/>
-          </p:cNvCxnSpPr>
-          <p:nvPr/>
-        </p:nvCxnSpPr>
-        <p:spPr>
-          <a:xfrm flipV="1">
-            <a:off x="2753360" y="2540001"/>
-            <a:ext cx="0" cy="1920239"/>
-          </a:xfrm>
-          <a:prstGeom prst="line">
-            <a:avLst/>
-          </a:prstGeom>
-          <a:ln w="19050">
-            <a:solidFill>
-              <a:srgbClr val="FF0000"/>
-            </a:solidFill>
-          </a:ln>
-        </p:spPr>
-        <p:style>
-          <a:lnRef idx="1">
-            <a:schemeClr val="accent1"/>
-          </a:lnRef>
-          <a:fillRef idx="0">
-            <a:schemeClr val="accent1"/>
-          </a:fillRef>
-          <a:effectRef idx="0">
-            <a:schemeClr val="accent1"/>
-          </a:effectRef>
-          <a:fontRef idx="minor">
-            <a:schemeClr val="tx1"/>
-          </a:fontRef>
-        </p:style>
-      </p:cxnSp>
-      <mc:AlternateContent xmlns:mc="http://schemas.openxmlformats.org/markup-compatibility/2006" xmlns:a14="http://schemas.microsoft.com/office/drawing/2010/main">
-        <mc:Choice Requires="a14">
-          <p:sp>
-            <p:nvSpPr>
-              <p:cNvPr id="17" name="ZoneTexte 16">
-                <a:extLst>
-                  <a:ext uri="{FF2B5EF4-FFF2-40B4-BE49-F238E27FC236}">
-                    <a16:creationId xmlns:a16="http://schemas.microsoft.com/office/drawing/2014/main" id="{0C126D4A-D8AE-40FC-8456-F470D30B02ED}"/>
-                  </a:ext>
-                </a:extLst>
-              </p:cNvPr>
-              <p:cNvSpPr txBox="1"/>
-              <p:nvPr/>
-            </p:nvSpPr>
-            <p:spPr>
-              <a:xfrm>
-                <a:off x="2253098" y="4183241"/>
-                <a:ext cx="1240982" cy="276999"/>
-              </a:xfrm>
-              <a:prstGeom prst="rect">
-                <a:avLst/>
-              </a:prstGeom>
-              <a:noFill/>
-            </p:spPr>
-            <p:txBody>
-              <a:bodyPr wrap="square" lIns="0" tIns="0" rIns="0" bIns="0" rtlCol="0">
-                <a:spAutoFit/>
-              </a:bodyPr>
-              <a:lstStyle/>
-              <a:p>
-                <a:pPr/>
-                <a14:m>
-                  <m:oMathPara xmlns:m="http://schemas.openxmlformats.org/officeDocument/2006/math">
-                    <m:oMathParaPr>
-                      <m:jc m:val="centerGroup"/>
-                    </m:oMathParaPr>
-                    <m:oMath xmlns:m="http://schemas.openxmlformats.org/officeDocument/2006/math">
-                      <m:r>
-                        <a:rPr lang="fr-FR" b="0" i="1" smtClean="0">
-                          <a:latin typeface="Cambria Math" panose="02040503050406030204" pitchFamily="18" charset="0"/>
-                        </a:rPr>
-                        <m:t>𝜏</m:t>
-                      </m:r>
-                    </m:oMath>
-                  </m:oMathPara>
-                </a14:m>
-                <a:endParaRPr lang="fr-FR" dirty="0"/>
-              </a:p>
-            </p:txBody>
-          </p:sp>
-        </mc:Choice>
-        <mc:Fallback xmlns="">
-          <p:sp>
-            <p:nvSpPr>
-              <p:cNvPr id="17" name="ZoneTexte 16">
-                <a:extLst>
-                  <a:ext uri="{FF2B5EF4-FFF2-40B4-BE49-F238E27FC236}">
-                    <a16:creationId xmlns:a16="http://schemas.microsoft.com/office/drawing/2014/main" id="{0C126D4A-D8AE-40FC-8456-F470D30B02ED}"/>
-                  </a:ext>
-                </a:extLst>
-              </p:cNvPr>
-              <p:cNvSpPr txBox="1">
-                <a:spLocks noRot="1" noChangeAspect="1" noMove="1" noResize="1" noEditPoints="1" noAdjustHandles="1" noChangeArrowheads="1" noChangeShapeType="1" noTextEdit="1"/>
-              </p:cNvSpPr>
-              <p:nvPr/>
-            </p:nvSpPr>
-            <p:spPr>
-              <a:xfrm>
-                <a:off x="2253098" y="4183241"/>
-                <a:ext cx="1240982" cy="276999"/>
-              </a:xfrm>
-              <a:prstGeom prst="rect">
-                <a:avLst/>
-              </a:prstGeom>
-              <a:blipFill>
-                <a:blip r:embed="rId5"/>
-                <a:stretch>
-                  <a:fillRect/>
-                </a:stretch>
-              </a:blipFill>
-            </p:spPr>
-            <p:txBody>
-              <a:bodyPr/>
-              <a:lstStyle/>
-              <a:p>
-                <a:r>
-                  <a:rPr lang="fr-FR">
-                    <a:noFill/>
-                  </a:rPr>
-                  <a:t> </a:t>
-                </a:r>
-              </a:p>
-            </p:txBody>
-          </p:sp>
-        </mc:Fallback>
-      </mc:AlternateContent>
-    </p:spTree>
-    <p:extLst>
-      <p:ext uri="{BB962C8B-B14F-4D97-AF65-F5344CB8AC3E}">
-        <p14:creationId xmlns:p14="http://schemas.microsoft.com/office/powerpoint/2010/main" val="1091728909"/>
       </p:ext>
     </p:extLst>
   </p:cSld>
